--- a/PIVOT-UNPIVOT-LOOKUP.pptx
+++ b/PIVOT-UNPIVOT-LOOKUP.pptx
@@ -5,14 +5,15 @@
     <p:sldMasterId id="2147483763" r:id="rId1"/>
   </p:sldMasterIdLst>
   <p:notesMasterIdLst>
-    <p:notesMasterId r:id="rId7"/>
+    <p:notesMasterId r:id="rId8"/>
   </p:notesMasterIdLst>
   <p:sldIdLst>
     <p:sldId id="256" r:id="rId2"/>
     <p:sldId id="261" r:id="rId3"/>
     <p:sldId id="257" r:id="rId4"/>
-    <p:sldId id="259" r:id="rId5"/>
-    <p:sldId id="260" r:id="rId6"/>
+    <p:sldId id="262" r:id="rId5"/>
+    <p:sldId id="259" r:id="rId6"/>
+    <p:sldId id="260" r:id="rId7"/>
   </p:sldIdLst>
   <p:sldSz cx="12192000" cy="6858000"/>
   <p:notesSz cx="6858000" cy="9144000"/>
@@ -201,7 +202,7 @@
           <a:p>
             <a:fld id="{E2F3BD09-9621-49C7-A0A1-8062147C9AA1}" type="datetimeFigureOut">
               <a:rPr lang="es-CR" smtClean="0"/>
-              <a:t>15/8/2018</a:t>
+              <a:t>20/8/2018</a:t>
             </a:fld>
             <a:endParaRPr lang="es-CR"/>
           </a:p>
@@ -602,7 +603,7 @@
           <a:p>
             <a:fld id="{9C3A8500-9212-47BC-8C81-3D87385CFE54}" type="slidenum">
               <a:rPr lang="es-CR" smtClean="0"/>
-              <a:t>5</a:t>
+              <a:t>6</a:t>
             </a:fld>
             <a:endParaRPr lang="es-CR"/>
           </a:p>
@@ -671,7 +672,7 @@
           <a:noFill/>
           <a:extLst>
             <a:ext uri="{909E8E84-426E-40dd-AFC4-6F175D3DCCD1}">
-              <a14:hiddenFill xmlns="" xmlns:a14="http://schemas.microsoft.com/office/drawing/2010/main">
+              <a14:hiddenFill xmlns:a14="http://schemas.microsoft.com/office/drawing/2010/main" xmlns="">
                 <a:solidFill>
                   <a:srgbClr val="FFFFFF"/>
                 </a:solidFill>
@@ -731,7 +732,7 @@
             </a:ln>
             <a:extLst>
               <a:ext uri="{91240B29-F687-4f45-9708-019B960494DF}">
-                <a14:hiddenLine xmlns="" xmlns:a14="http://schemas.microsoft.com/office/drawing/2010/main" w="9525">
+                <a14:hiddenLine xmlns:a14="http://schemas.microsoft.com/office/drawing/2010/main" xmlns="" w="9525">
                   <a:solidFill>
                     <a:srgbClr val="000000"/>
                   </a:solidFill>
@@ -821,7 +822,7 @@
             </a:ln>
             <a:extLst>
               <a:ext uri="{91240B29-F687-4f45-9708-019B960494DF}">
-                <a14:hiddenLine xmlns="" xmlns:a14="http://schemas.microsoft.com/office/drawing/2010/main" w="9525">
+                <a14:hiddenLine xmlns:a14="http://schemas.microsoft.com/office/drawing/2010/main" xmlns="" w="9525">
                   <a:solidFill>
                     <a:srgbClr val="000000"/>
                   </a:solidFill>
@@ -911,7 +912,7 @@
             </a:ln>
             <a:extLst>
               <a:ext uri="{91240B29-F687-4f45-9708-019B960494DF}">
-                <a14:hiddenLine xmlns="" xmlns:a14="http://schemas.microsoft.com/office/drawing/2010/main" w="9525">
+                <a14:hiddenLine xmlns:a14="http://schemas.microsoft.com/office/drawing/2010/main" xmlns="" w="9525">
                   <a:solidFill>
                     <a:srgbClr val="000000"/>
                   </a:solidFill>
@@ -945,7 +946,7 @@
             </a:ln>
             <a:extLst>
               <a:ext uri="{91240B29-F687-4f45-9708-019B960494DF}">
-                <a14:hiddenLine xmlns="" xmlns:a14="http://schemas.microsoft.com/office/drawing/2010/main" w="9525">
+                <a14:hiddenLine xmlns:a14="http://schemas.microsoft.com/office/drawing/2010/main" xmlns="" w="9525">
                   <a:solidFill>
                     <a:srgbClr val="000000"/>
                   </a:solidFill>
@@ -1035,7 +1036,7 @@
             </a:ln>
             <a:extLst>
               <a:ext uri="{91240B29-F687-4f45-9708-019B960494DF}">
-                <a14:hiddenLine xmlns="" xmlns:a14="http://schemas.microsoft.com/office/drawing/2010/main" w="9525">
+                <a14:hiddenLine xmlns:a14="http://schemas.microsoft.com/office/drawing/2010/main" xmlns="" w="9525">
                   <a:solidFill>
                     <a:srgbClr val="000000"/>
                   </a:solidFill>
@@ -1097,7 +1098,7 @@
             </a:ln>
             <a:extLst>
               <a:ext uri="{91240B29-F687-4f45-9708-019B960494DF}">
-                <a14:hiddenLine xmlns="" xmlns:a14="http://schemas.microsoft.com/office/drawing/2010/main" w="9525">
+                <a14:hiddenLine xmlns:a14="http://schemas.microsoft.com/office/drawing/2010/main" xmlns="" w="9525">
                   <a:solidFill>
                     <a:srgbClr val="000000"/>
                   </a:solidFill>
@@ -1159,7 +1160,7 @@
             </a:ln>
             <a:extLst>
               <a:ext uri="{91240B29-F687-4f45-9708-019B960494DF}">
-                <a14:hiddenLine xmlns="" xmlns:a14="http://schemas.microsoft.com/office/drawing/2010/main" w="9525">
+                <a14:hiddenLine xmlns:a14="http://schemas.microsoft.com/office/drawing/2010/main" xmlns="" w="9525">
                   <a:solidFill>
                     <a:srgbClr val="000000"/>
                   </a:solidFill>
@@ -1249,7 +1250,7 @@
             </a:ln>
             <a:extLst>
               <a:ext uri="{91240B29-F687-4f45-9708-019B960494DF}">
-                <a14:hiddenLine xmlns="" xmlns:a14="http://schemas.microsoft.com/office/drawing/2010/main" w="9525">
+                <a14:hiddenLine xmlns:a14="http://schemas.microsoft.com/office/drawing/2010/main" xmlns="" w="9525">
                   <a:solidFill>
                     <a:srgbClr val="000000"/>
                   </a:solidFill>
@@ -1311,7 +1312,7 @@
             </a:ln>
             <a:extLst>
               <a:ext uri="{91240B29-F687-4f45-9708-019B960494DF}">
-                <a14:hiddenLine xmlns="" xmlns:a14="http://schemas.microsoft.com/office/drawing/2010/main" w="9525">
+                <a14:hiddenLine xmlns:a14="http://schemas.microsoft.com/office/drawing/2010/main" xmlns="" w="9525">
                   <a:solidFill>
                     <a:srgbClr val="000000"/>
                   </a:solidFill>
@@ -1373,7 +1374,7 @@
             </a:ln>
             <a:extLst>
               <a:ext uri="{91240B29-F687-4f45-9708-019B960494DF}">
-                <a14:hiddenLine xmlns="" xmlns:a14="http://schemas.microsoft.com/office/drawing/2010/main" w="9525">
+                <a14:hiddenLine xmlns:a14="http://schemas.microsoft.com/office/drawing/2010/main" xmlns="" w="9525">
                   <a:solidFill>
                     <a:srgbClr val="000000"/>
                   </a:solidFill>
@@ -1463,7 +1464,7 @@
             </a:ln>
             <a:extLst>
               <a:ext uri="{91240B29-F687-4f45-9708-019B960494DF}">
-                <a14:hiddenLine xmlns="" xmlns:a14="http://schemas.microsoft.com/office/drawing/2010/main" w="9525">
+                <a14:hiddenLine xmlns:a14="http://schemas.microsoft.com/office/drawing/2010/main" xmlns="" w="9525">
                   <a:solidFill>
                     <a:srgbClr val="000000"/>
                   </a:solidFill>
@@ -1553,7 +1554,7 @@
             </a:ln>
             <a:extLst>
               <a:ext uri="{91240B29-F687-4f45-9708-019B960494DF}">
-                <a14:hiddenLine xmlns="" xmlns:a14="http://schemas.microsoft.com/office/drawing/2010/main" w="9525">
+                <a14:hiddenLine xmlns:a14="http://schemas.microsoft.com/office/drawing/2010/main" xmlns="" w="9525">
                   <a:solidFill>
                     <a:srgbClr val="000000"/>
                   </a:solidFill>
@@ -1615,7 +1616,7 @@
             </a:ln>
             <a:extLst>
               <a:ext uri="{91240B29-F687-4f45-9708-019B960494DF}">
-                <a14:hiddenLine xmlns="" xmlns:a14="http://schemas.microsoft.com/office/drawing/2010/main" w="9525">
+                <a14:hiddenLine xmlns:a14="http://schemas.microsoft.com/office/drawing/2010/main" xmlns="" w="9525">
                   <a:solidFill>
                     <a:srgbClr val="000000"/>
                   </a:solidFill>
@@ -1725,7 +1726,7 @@
             </a:ln>
             <a:extLst>
               <a:ext uri="{91240B29-F687-4f45-9708-019B960494DF}">
-                <a14:hiddenLine xmlns="" xmlns:a14="http://schemas.microsoft.com/office/drawing/2010/main" w="9525">
+                <a14:hiddenLine xmlns:a14="http://schemas.microsoft.com/office/drawing/2010/main" xmlns="" w="9525">
                   <a:solidFill>
                     <a:srgbClr val="000000"/>
                   </a:solidFill>
@@ -1787,7 +1788,7 @@
             </a:ln>
             <a:extLst>
               <a:ext uri="{91240B29-F687-4f45-9708-019B960494DF}">
-                <a14:hiddenLine xmlns="" xmlns:a14="http://schemas.microsoft.com/office/drawing/2010/main" w="9525">
+                <a14:hiddenLine xmlns:a14="http://schemas.microsoft.com/office/drawing/2010/main" xmlns="" w="9525">
                   <a:solidFill>
                     <a:srgbClr val="000000"/>
                   </a:solidFill>
@@ -1877,7 +1878,7 @@
             </a:ln>
             <a:extLst>
               <a:ext uri="{91240B29-F687-4f45-9708-019B960494DF}">
-                <a14:hiddenLine xmlns="" xmlns:a14="http://schemas.microsoft.com/office/drawing/2010/main" w="9525">
+                <a14:hiddenLine xmlns:a14="http://schemas.microsoft.com/office/drawing/2010/main" xmlns="" w="9525">
                   <a:solidFill>
                     <a:srgbClr val="000000"/>
                   </a:solidFill>
@@ -1967,7 +1968,7 @@
             </a:ln>
             <a:extLst>
               <a:ext uri="{91240B29-F687-4f45-9708-019B960494DF}">
-                <a14:hiddenLine xmlns="" xmlns:a14="http://schemas.microsoft.com/office/drawing/2010/main" w="9525">
+                <a14:hiddenLine xmlns:a14="http://schemas.microsoft.com/office/drawing/2010/main" xmlns="" w="9525">
                   <a:solidFill>
                     <a:srgbClr val="000000"/>
                   </a:solidFill>
@@ -2029,7 +2030,7 @@
             </a:ln>
             <a:extLst>
               <a:ext uri="{91240B29-F687-4f45-9708-019B960494DF}">
-                <a14:hiddenLine xmlns="" xmlns:a14="http://schemas.microsoft.com/office/drawing/2010/main" w="9525">
+                <a14:hiddenLine xmlns:a14="http://schemas.microsoft.com/office/drawing/2010/main" xmlns="" w="9525">
                   <a:solidFill>
                     <a:srgbClr val="000000"/>
                   </a:solidFill>
@@ -2119,7 +2120,7 @@
             </a:ln>
             <a:extLst>
               <a:ext uri="{91240B29-F687-4f45-9708-019B960494DF}">
-                <a14:hiddenLine xmlns="" xmlns:a14="http://schemas.microsoft.com/office/drawing/2010/main" w="9525">
+                <a14:hiddenLine xmlns:a14="http://schemas.microsoft.com/office/drawing/2010/main" xmlns="" w="9525">
                   <a:solidFill>
                     <a:srgbClr val="000000"/>
                   </a:solidFill>
@@ -2209,7 +2210,7 @@
             </a:ln>
             <a:extLst>
               <a:ext uri="{91240B29-F687-4f45-9708-019B960494DF}">
-                <a14:hiddenLine xmlns="" xmlns:a14="http://schemas.microsoft.com/office/drawing/2010/main" w="9525">
+                <a14:hiddenLine xmlns:a14="http://schemas.microsoft.com/office/drawing/2010/main" xmlns="" w="9525">
                   <a:solidFill>
                     <a:srgbClr val="000000"/>
                   </a:solidFill>
@@ -2265,7 +2266,7 @@
             </a:ln>
             <a:extLst>
               <a:ext uri="{91240B29-F687-4f45-9708-019B960494DF}">
-                <a14:hiddenLine xmlns="" xmlns:a14="http://schemas.microsoft.com/office/drawing/2010/main" w="9525">
+                <a14:hiddenLine xmlns:a14="http://schemas.microsoft.com/office/drawing/2010/main" xmlns="" w="9525">
                   <a:solidFill>
                     <a:srgbClr val="000000"/>
                   </a:solidFill>
@@ -2355,7 +2356,7 @@
             </a:ln>
             <a:extLst>
               <a:ext uri="{91240B29-F687-4f45-9708-019B960494DF}">
-                <a14:hiddenLine xmlns="" xmlns:a14="http://schemas.microsoft.com/office/drawing/2010/main" w="9525">
+                <a14:hiddenLine xmlns:a14="http://schemas.microsoft.com/office/drawing/2010/main" xmlns="" w="9525">
                   <a:solidFill>
                     <a:srgbClr val="000000"/>
                   </a:solidFill>
@@ -2411,7 +2412,7 @@
             </a:ln>
             <a:extLst>
               <a:ext uri="{91240B29-F687-4f45-9708-019B960494DF}">
-                <a14:hiddenLine xmlns="" xmlns:a14="http://schemas.microsoft.com/office/drawing/2010/main" w="9525">
+                <a14:hiddenLine xmlns:a14="http://schemas.microsoft.com/office/drawing/2010/main" xmlns="" w="9525">
                   <a:solidFill>
                     <a:srgbClr val="000000"/>
                   </a:solidFill>
@@ -2501,7 +2502,7 @@
             </a:ln>
             <a:extLst>
               <a:ext uri="{91240B29-F687-4f45-9708-019B960494DF}">
-                <a14:hiddenLine xmlns="" xmlns:a14="http://schemas.microsoft.com/office/drawing/2010/main" w="9525">
+                <a14:hiddenLine xmlns:a14="http://schemas.microsoft.com/office/drawing/2010/main" xmlns="" w="9525">
                   <a:solidFill>
                     <a:srgbClr val="000000"/>
                   </a:solidFill>
@@ -2569,7 +2570,7 @@
             </a:ln>
             <a:extLst>
               <a:ext uri="{91240B29-F687-4f45-9708-019B960494DF}">
-                <a14:hiddenLine xmlns="" xmlns:a14="http://schemas.microsoft.com/office/drawing/2010/main" w="9525">
+                <a14:hiddenLine xmlns:a14="http://schemas.microsoft.com/office/drawing/2010/main" xmlns="" w="9525">
                   <a:solidFill>
                     <a:srgbClr val="000000"/>
                   </a:solidFill>
@@ -2659,7 +2660,7 @@
             </a:ln>
             <a:extLst>
               <a:ext uri="{91240B29-F687-4f45-9708-019B960494DF}">
-                <a14:hiddenLine xmlns="" xmlns:a14="http://schemas.microsoft.com/office/drawing/2010/main" w="9525">
+                <a14:hiddenLine xmlns:a14="http://schemas.microsoft.com/office/drawing/2010/main" xmlns="" w="9525">
                   <a:solidFill>
                     <a:srgbClr val="000000"/>
                   </a:solidFill>
@@ -2727,7 +2728,7 @@
             </a:ln>
             <a:extLst>
               <a:ext uri="{91240B29-F687-4f45-9708-019B960494DF}">
-                <a14:hiddenLine xmlns="" xmlns:a14="http://schemas.microsoft.com/office/drawing/2010/main" w="9525">
+                <a14:hiddenLine xmlns:a14="http://schemas.microsoft.com/office/drawing/2010/main" xmlns="" w="9525">
                   <a:solidFill>
                     <a:srgbClr val="000000"/>
                   </a:solidFill>
@@ -2817,7 +2818,7 @@
             </a:ln>
             <a:extLst>
               <a:ext uri="{91240B29-F687-4f45-9708-019B960494DF}">
-                <a14:hiddenLine xmlns="" xmlns:a14="http://schemas.microsoft.com/office/drawing/2010/main" w="9525">
+                <a14:hiddenLine xmlns:a14="http://schemas.microsoft.com/office/drawing/2010/main" xmlns="" w="9525">
                   <a:solidFill>
                     <a:srgbClr val="000000"/>
                   </a:solidFill>
@@ -2851,7 +2852,7 @@
             </a:ln>
             <a:extLst>
               <a:ext uri="{91240B29-F687-4f45-9708-019B960494DF}">
-                <a14:hiddenLine xmlns="" xmlns:a14="http://schemas.microsoft.com/office/drawing/2010/main" w="9525">
+                <a14:hiddenLine xmlns:a14="http://schemas.microsoft.com/office/drawing/2010/main" xmlns="" w="9525">
                   <a:solidFill>
                     <a:srgbClr val="000000"/>
                   </a:solidFill>
@@ -2941,7 +2942,7 @@
             </a:ln>
             <a:extLst>
               <a:ext uri="{91240B29-F687-4f45-9708-019B960494DF}">
-                <a14:hiddenLine xmlns="" xmlns:a14="http://schemas.microsoft.com/office/drawing/2010/main" w="9525">
+                <a14:hiddenLine xmlns:a14="http://schemas.microsoft.com/office/drawing/2010/main" xmlns="" w="9525">
                   <a:solidFill>
                     <a:srgbClr val="000000"/>
                   </a:solidFill>
@@ -3003,7 +3004,7 @@
             </a:ln>
             <a:extLst>
               <a:ext uri="{91240B29-F687-4f45-9708-019B960494DF}">
-                <a14:hiddenLine xmlns="" xmlns:a14="http://schemas.microsoft.com/office/drawing/2010/main" w="9525">
+                <a14:hiddenLine xmlns:a14="http://schemas.microsoft.com/office/drawing/2010/main" xmlns="" w="9525">
                   <a:solidFill>
                     <a:srgbClr val="000000"/>
                   </a:solidFill>
@@ -3065,7 +3066,7 @@
             </a:ln>
             <a:extLst>
               <a:ext uri="{91240B29-F687-4f45-9708-019B960494DF}">
-                <a14:hiddenLine xmlns="" xmlns:a14="http://schemas.microsoft.com/office/drawing/2010/main" w="9525">
+                <a14:hiddenLine xmlns:a14="http://schemas.microsoft.com/office/drawing/2010/main" xmlns="" w="9525">
                   <a:solidFill>
                     <a:srgbClr val="000000"/>
                   </a:solidFill>
@@ -3155,7 +3156,7 @@
             </a:ln>
             <a:extLst>
               <a:ext uri="{91240B29-F687-4f45-9708-019B960494DF}">
-                <a14:hiddenLine xmlns="" xmlns:a14="http://schemas.microsoft.com/office/drawing/2010/main" w="9525">
+                <a14:hiddenLine xmlns:a14="http://schemas.microsoft.com/office/drawing/2010/main" xmlns="" w="9525">
                   <a:solidFill>
                     <a:srgbClr val="000000"/>
                   </a:solidFill>
@@ -3223,7 +3224,7 @@
             </a:ln>
             <a:extLst>
               <a:ext uri="{91240B29-F687-4f45-9708-019B960494DF}">
-                <a14:hiddenLine xmlns="" xmlns:a14="http://schemas.microsoft.com/office/drawing/2010/main" w="9525">
+                <a14:hiddenLine xmlns:a14="http://schemas.microsoft.com/office/drawing/2010/main" xmlns="" w="9525">
                   <a:solidFill>
                     <a:srgbClr val="000000"/>
                   </a:solidFill>
@@ -3285,7 +3286,7 @@
             </a:ln>
             <a:extLst>
               <a:ext uri="{91240B29-F687-4f45-9708-019B960494DF}">
-                <a14:hiddenLine xmlns="" xmlns:a14="http://schemas.microsoft.com/office/drawing/2010/main" w="9525">
+                <a14:hiddenLine xmlns:a14="http://schemas.microsoft.com/office/drawing/2010/main" xmlns="" w="9525">
                   <a:solidFill>
                     <a:srgbClr val="000000"/>
                   </a:solidFill>
@@ -3375,7 +3376,7 @@
             </a:ln>
             <a:extLst>
               <a:ext uri="{91240B29-F687-4f45-9708-019B960494DF}">
-                <a14:hiddenLine xmlns="" xmlns:a14="http://schemas.microsoft.com/office/drawing/2010/main" w="9525">
+                <a14:hiddenLine xmlns:a14="http://schemas.microsoft.com/office/drawing/2010/main" xmlns="" w="9525">
                   <a:solidFill>
                     <a:srgbClr val="000000"/>
                   </a:solidFill>
@@ -3437,7 +3438,7 @@
             </a:ln>
             <a:extLst>
               <a:ext uri="{91240B29-F687-4f45-9708-019B960494DF}">
-                <a14:hiddenLine xmlns="" xmlns:a14="http://schemas.microsoft.com/office/drawing/2010/main" w="9525">
+                <a14:hiddenLine xmlns:a14="http://schemas.microsoft.com/office/drawing/2010/main" xmlns="" w="9525">
                   <a:solidFill>
                     <a:srgbClr val="000000"/>
                   </a:solidFill>
@@ -3527,7 +3528,7 @@
             </a:ln>
             <a:extLst>
               <a:ext uri="{91240B29-F687-4f45-9708-019B960494DF}">
-                <a14:hiddenLine xmlns="" xmlns:a14="http://schemas.microsoft.com/office/drawing/2010/main" w="9525">
+                <a14:hiddenLine xmlns:a14="http://schemas.microsoft.com/office/drawing/2010/main" xmlns="" w="9525">
                   <a:solidFill>
                     <a:srgbClr val="000000"/>
                   </a:solidFill>
@@ -3589,7 +3590,7 @@
             </a:ln>
             <a:extLst>
               <a:ext uri="{91240B29-F687-4f45-9708-019B960494DF}">
-                <a14:hiddenLine xmlns="" xmlns:a14="http://schemas.microsoft.com/office/drawing/2010/main" w="9525">
+                <a14:hiddenLine xmlns:a14="http://schemas.microsoft.com/office/drawing/2010/main" xmlns="" w="9525">
                   <a:solidFill>
                     <a:srgbClr val="000000"/>
                   </a:solidFill>
@@ -3679,7 +3680,7 @@
             </a:ln>
             <a:extLst>
               <a:ext uri="{91240B29-F687-4f45-9708-019B960494DF}">
-                <a14:hiddenLine xmlns="" xmlns:a14="http://schemas.microsoft.com/office/drawing/2010/main" w="9525">
+                <a14:hiddenLine xmlns:a14="http://schemas.microsoft.com/office/drawing/2010/main" xmlns="" w="9525">
                   <a:solidFill>
                     <a:srgbClr val="000000"/>
                   </a:solidFill>
@@ -3713,7 +3714,7 @@
             </a:ln>
             <a:extLst>
               <a:ext uri="{91240B29-F687-4f45-9708-019B960494DF}">
-                <a14:hiddenLine xmlns="" xmlns:a14="http://schemas.microsoft.com/office/drawing/2010/main" w="9525">
+                <a14:hiddenLine xmlns:a14="http://schemas.microsoft.com/office/drawing/2010/main" xmlns="" w="9525">
                   <a:solidFill>
                     <a:srgbClr val="000000"/>
                   </a:solidFill>
@@ -3778,7 +3779,7 @@
             </a:ln>
             <a:extLst>
               <a:ext uri="{91240B29-F687-4f45-9708-019B960494DF}">
-                <a14:hiddenLine xmlns="" xmlns:a14="http://schemas.microsoft.com/office/drawing/2010/main" w="9525">
+                <a14:hiddenLine xmlns:a14="http://schemas.microsoft.com/office/drawing/2010/main" xmlns="" w="9525">
                   <a:solidFill>
                     <a:srgbClr val="000000"/>
                   </a:solidFill>
@@ -3868,7 +3869,7 @@
             </a:ln>
             <a:extLst>
               <a:ext uri="{91240B29-F687-4f45-9708-019B960494DF}">
-                <a14:hiddenLine xmlns="" xmlns:a14="http://schemas.microsoft.com/office/drawing/2010/main" w="9525">
+                <a14:hiddenLine xmlns:a14="http://schemas.microsoft.com/office/drawing/2010/main" xmlns="" w="9525">
                   <a:solidFill>
                     <a:srgbClr val="000000"/>
                   </a:solidFill>
@@ -3930,7 +3931,7 @@
             </a:ln>
             <a:extLst>
               <a:ext uri="{91240B29-F687-4f45-9708-019B960494DF}">
-                <a14:hiddenLine xmlns="" xmlns:a14="http://schemas.microsoft.com/office/drawing/2010/main" w="9525">
+                <a14:hiddenLine xmlns:a14="http://schemas.microsoft.com/office/drawing/2010/main" xmlns="" w="9525">
                   <a:solidFill>
                     <a:srgbClr val="000000"/>
                   </a:solidFill>
@@ -4020,7 +4021,7 @@
             </a:ln>
             <a:extLst>
               <a:ext uri="{91240B29-F687-4f45-9708-019B960494DF}">
-                <a14:hiddenLine xmlns="" xmlns:a14="http://schemas.microsoft.com/office/drawing/2010/main" w="9525">
+                <a14:hiddenLine xmlns:a14="http://schemas.microsoft.com/office/drawing/2010/main" xmlns="" w="9525">
                   <a:solidFill>
                     <a:srgbClr val="000000"/>
                   </a:solidFill>
@@ -4110,7 +4111,7 @@
             </a:ln>
             <a:extLst>
               <a:ext uri="{91240B29-F687-4f45-9708-019B960494DF}">
-                <a14:hiddenLine xmlns="" xmlns:a14="http://schemas.microsoft.com/office/drawing/2010/main" w="9525">
+                <a14:hiddenLine xmlns:a14="http://schemas.microsoft.com/office/drawing/2010/main" xmlns="" w="9525">
                   <a:solidFill>
                     <a:srgbClr val="000000"/>
                   </a:solidFill>
@@ -4175,7 +4176,7 @@
             </a:ln>
             <a:extLst>
               <a:ext uri="{91240B29-F687-4f45-9708-019B960494DF}">
-                <a14:hiddenLine xmlns="" xmlns:a14="http://schemas.microsoft.com/office/drawing/2010/main" w="9525">
+                <a14:hiddenLine xmlns:a14="http://schemas.microsoft.com/office/drawing/2010/main" xmlns="" w="9525">
                   <a:solidFill>
                     <a:srgbClr val="000000"/>
                   </a:solidFill>
@@ -4237,7 +4238,7 @@
             </a:ln>
             <a:extLst>
               <a:ext uri="{91240B29-F687-4f45-9708-019B960494DF}">
-                <a14:hiddenLine xmlns="" xmlns:a14="http://schemas.microsoft.com/office/drawing/2010/main" w="9525">
+                <a14:hiddenLine xmlns:a14="http://schemas.microsoft.com/office/drawing/2010/main" xmlns="" w="9525">
                   <a:solidFill>
                     <a:srgbClr val="000000"/>
                   </a:solidFill>
@@ -4327,7 +4328,7 @@
             </a:ln>
             <a:extLst>
               <a:ext uri="{91240B29-F687-4f45-9708-019B960494DF}">
-                <a14:hiddenLine xmlns="" xmlns:a14="http://schemas.microsoft.com/office/drawing/2010/main" w="9525">
+                <a14:hiddenLine xmlns:a14="http://schemas.microsoft.com/office/drawing/2010/main" xmlns="" w="9525">
                   <a:solidFill>
                     <a:srgbClr val="000000"/>
                   </a:solidFill>
@@ -4417,7 +4418,7 @@
             </a:ln>
             <a:extLst>
               <a:ext uri="{91240B29-F687-4f45-9708-019B960494DF}">
-                <a14:hiddenLine xmlns="" xmlns:a14="http://schemas.microsoft.com/office/drawing/2010/main" w="9525">
+                <a14:hiddenLine xmlns:a14="http://schemas.microsoft.com/office/drawing/2010/main" xmlns="" w="9525">
                   <a:solidFill>
                     <a:srgbClr val="000000"/>
                   </a:solidFill>
@@ -4479,7 +4480,7 @@
             </a:ln>
             <a:extLst>
               <a:ext uri="{91240B29-F687-4f45-9708-019B960494DF}">
-                <a14:hiddenLine xmlns="" xmlns:a14="http://schemas.microsoft.com/office/drawing/2010/main" w="9525">
+                <a14:hiddenLine xmlns:a14="http://schemas.microsoft.com/office/drawing/2010/main" xmlns="" w="9525">
                   <a:solidFill>
                     <a:srgbClr val="000000"/>
                   </a:solidFill>
@@ -4599,7 +4600,7 @@
             </a:ln>
             <a:extLst>
               <a:ext uri="{91240B29-F687-4f45-9708-019B960494DF}">
-                <a14:hiddenLine xmlns="" xmlns:a14="http://schemas.microsoft.com/office/drawing/2010/main" w="9525">
+                <a14:hiddenLine xmlns:a14="http://schemas.microsoft.com/office/drawing/2010/main" xmlns="" w="9525">
                   <a:solidFill>
                     <a:srgbClr val="000000"/>
                   </a:solidFill>
@@ -4667,7 +4668,7 @@
             </a:ln>
             <a:extLst>
               <a:ext uri="{91240B29-F687-4f45-9708-019B960494DF}">
-                <a14:hiddenLine xmlns="" xmlns:a14="http://schemas.microsoft.com/office/drawing/2010/main" w="9525">
+                <a14:hiddenLine xmlns:a14="http://schemas.microsoft.com/office/drawing/2010/main" xmlns="" w="9525">
                   <a:solidFill>
                     <a:srgbClr val="000000"/>
                   </a:solidFill>
@@ -4757,7 +4758,7 @@
             </a:ln>
             <a:extLst>
               <a:ext uri="{91240B29-F687-4f45-9708-019B960494DF}">
-                <a14:hiddenLine xmlns="" xmlns:a14="http://schemas.microsoft.com/office/drawing/2010/main" w="9525">
+                <a14:hiddenLine xmlns:a14="http://schemas.microsoft.com/office/drawing/2010/main" xmlns="" w="9525">
                   <a:solidFill>
                     <a:srgbClr val="000000"/>
                   </a:solidFill>
@@ -4898,7 +4899,7 @@
             <a:fld id="{B61BEF0D-F0BB-DE4B-95CE-6DB70DBA9567}" type="datetimeFigureOut">
               <a:rPr lang="en-US" smtClean="0"/>
               <a:pPr/>
-              <a:t>8/15/2018</a:t>
+              <a:t>8/20/2018</a:t>
             </a:fld>
             <a:endParaRPr lang="en-US" dirty="0"/>
           </a:p>
@@ -5167,7 +5168,7 @@
             <a:fld id="{B61BEF0D-F0BB-DE4B-95CE-6DB70DBA9567}" type="datetimeFigureOut">
               <a:rPr lang="en-US" smtClean="0"/>
               <a:pPr/>
-              <a:t>8/15/2018</a:t>
+              <a:t>8/20/2018</a:t>
             </a:fld>
             <a:endParaRPr lang="en-US" dirty="0"/>
           </a:p>
@@ -5365,7 +5366,7 @@
             <a:fld id="{B61BEF0D-F0BB-DE4B-95CE-6DB70DBA9567}" type="datetimeFigureOut">
               <a:rPr lang="en-US" smtClean="0"/>
               <a:pPr/>
-              <a:t>8/15/2018</a:t>
+              <a:t>8/20/2018</a:t>
             </a:fld>
             <a:endParaRPr lang="en-US" dirty="0"/>
           </a:p>
@@ -5630,7 +5631,7 @@
             <a:fld id="{B61BEF0D-F0BB-DE4B-95CE-6DB70DBA9567}" type="datetimeFigureOut">
               <a:rPr lang="en-US" smtClean="0"/>
               <a:pPr/>
-              <a:t>8/15/2018</a:t>
+              <a:t>8/20/2018</a:t>
             </a:fld>
             <a:endParaRPr lang="en-US" dirty="0"/>
           </a:p>
@@ -6066,7 +6067,7 @@
             <a:fld id="{B61BEF0D-F0BB-DE4B-95CE-6DB70DBA9567}" type="datetimeFigureOut">
               <a:rPr lang="en-US" smtClean="0"/>
               <a:pPr/>
-              <a:t>8/15/2018</a:t>
+              <a:t>8/20/2018</a:t>
             </a:fld>
             <a:endParaRPr lang="en-US" dirty="0"/>
           </a:p>
@@ -6614,7 +6615,7 @@
             <a:fld id="{B61BEF0D-F0BB-DE4B-95CE-6DB70DBA9567}" type="datetimeFigureOut">
               <a:rPr lang="en-US" smtClean="0"/>
               <a:pPr/>
-              <a:t>8/15/2018</a:t>
+              <a:t>8/20/2018</a:t>
             </a:fld>
             <a:endParaRPr lang="en-US" dirty="0"/>
           </a:p>
@@ -7336,7 +7337,7 @@
             <a:fld id="{B61BEF0D-F0BB-DE4B-95CE-6DB70DBA9567}" type="datetimeFigureOut">
               <a:rPr lang="en-US" smtClean="0"/>
               <a:pPr/>
-              <a:t>8/15/2018</a:t>
+              <a:t>8/20/2018</a:t>
             </a:fld>
             <a:endParaRPr lang="en-US" dirty="0"/>
           </a:p>
@@ -7508,7 +7509,7 @@
             <a:fld id="{B61BEF0D-F0BB-DE4B-95CE-6DB70DBA9567}" type="datetimeFigureOut">
               <a:rPr lang="en-US" smtClean="0"/>
               <a:pPr/>
-              <a:t>8/15/2018</a:t>
+              <a:t>8/20/2018</a:t>
             </a:fld>
             <a:endParaRPr lang="en-US" dirty="0"/>
           </a:p>
@@ -7690,7 +7691,7 @@
             <a:fld id="{B61BEF0D-F0BB-DE4B-95CE-6DB70DBA9567}" type="datetimeFigureOut">
               <a:rPr lang="en-US" smtClean="0"/>
               <a:pPr/>
-              <a:t>8/15/2018</a:t>
+              <a:t>8/20/2018</a:t>
             </a:fld>
             <a:endParaRPr lang="en-US" dirty="0"/>
           </a:p>
@@ -7862,7 +7863,7 @@
             <a:fld id="{B61BEF0D-F0BB-DE4B-95CE-6DB70DBA9567}" type="datetimeFigureOut">
               <a:rPr lang="en-US" smtClean="0"/>
               <a:pPr/>
-              <a:t>8/15/2018</a:t>
+              <a:t>8/20/2018</a:t>
             </a:fld>
             <a:endParaRPr lang="en-US" dirty="0"/>
           </a:p>
@@ -8114,7 +8115,7 @@
             <a:fld id="{B61BEF0D-F0BB-DE4B-95CE-6DB70DBA9567}" type="datetimeFigureOut">
               <a:rPr lang="en-US" smtClean="0"/>
               <a:pPr/>
-              <a:t>8/15/2018</a:t>
+              <a:t>8/20/2018</a:t>
             </a:fld>
             <a:endParaRPr lang="en-US" dirty="0"/>
           </a:p>
@@ -8348,7 +8349,7 @@
             <a:fld id="{B61BEF0D-F0BB-DE4B-95CE-6DB70DBA9567}" type="datetimeFigureOut">
               <a:rPr lang="en-US" smtClean="0"/>
               <a:pPr/>
-              <a:t>8/15/2018</a:t>
+              <a:t>8/20/2018</a:t>
             </a:fld>
             <a:endParaRPr lang="en-US" dirty="0"/>
           </a:p>
@@ -8731,7 +8732,7 @@
             <a:fld id="{B61BEF0D-F0BB-DE4B-95CE-6DB70DBA9567}" type="datetimeFigureOut">
               <a:rPr lang="en-US" smtClean="0"/>
               <a:pPr/>
-              <a:t>8/15/2018</a:t>
+              <a:t>8/20/2018</a:t>
             </a:fld>
             <a:endParaRPr lang="en-US" dirty="0"/>
           </a:p>
@@ -8851,7 +8852,7 @@
             <a:fld id="{B61BEF0D-F0BB-DE4B-95CE-6DB70DBA9567}" type="datetimeFigureOut">
               <a:rPr lang="en-US" smtClean="0"/>
               <a:pPr/>
-              <a:t>8/15/2018</a:t>
+              <a:t>8/20/2018</a:t>
             </a:fld>
             <a:endParaRPr lang="en-US" dirty="0"/>
           </a:p>
@@ -8948,7 +8949,7 @@
             <a:fld id="{B61BEF0D-F0BB-DE4B-95CE-6DB70DBA9567}" type="datetimeFigureOut">
               <a:rPr lang="en-US" smtClean="0"/>
               <a:pPr/>
-              <a:t>8/15/2018</a:t>
+              <a:t>8/20/2018</a:t>
             </a:fld>
             <a:endParaRPr lang="en-US" dirty="0"/>
           </a:p>
@@ -9199,7 +9200,7 @@
             <a:fld id="{B61BEF0D-F0BB-DE4B-95CE-6DB70DBA9567}" type="datetimeFigureOut">
               <a:rPr lang="en-US" smtClean="0"/>
               <a:pPr/>
-              <a:t>8/15/2018</a:t>
+              <a:t>8/20/2018</a:t>
             </a:fld>
             <a:endParaRPr lang="en-US" dirty="0"/>
           </a:p>
@@ -9481,7 +9482,7 @@
             <a:fld id="{B61BEF0D-F0BB-DE4B-95CE-6DB70DBA9567}" type="datetimeFigureOut">
               <a:rPr lang="en-US" smtClean="0"/>
               <a:pPr/>
-              <a:t>8/15/2018</a:t>
+              <a:t>8/20/2018</a:t>
             </a:fld>
             <a:endParaRPr lang="en-US" dirty="0"/>
           </a:p>
@@ -9598,7 +9599,7 @@
           <a:noFill/>
           <a:extLst>
             <a:ext uri="{909E8E84-426E-40dd-AFC4-6F175D3DCCD1}">
-              <a14:hiddenFill xmlns="" xmlns:a14="http://schemas.microsoft.com/office/drawing/2010/main">
+              <a14:hiddenFill xmlns:a14="http://schemas.microsoft.com/office/drawing/2010/main" xmlns="">
                 <a:solidFill>
                   <a:srgbClr val="FFFFFF"/>
                 </a:solidFill>
@@ -9672,7 +9673,7 @@
               </a:ln>
               <a:extLst>
                 <a:ext uri="{91240B29-F687-4f45-9708-019B960494DF}">
-                  <a14:hiddenLine xmlns="" xmlns:a14="http://schemas.microsoft.com/office/drawing/2010/main" w="9525">
+                  <a14:hiddenLine xmlns:a14="http://schemas.microsoft.com/office/drawing/2010/main" xmlns="" w="9525">
                     <a:solidFill>
                       <a:srgbClr val="000000"/>
                     </a:solidFill>
@@ -9762,7 +9763,7 @@
               </a:ln>
               <a:extLst>
                 <a:ext uri="{91240B29-F687-4f45-9708-019B960494DF}">
-                  <a14:hiddenLine xmlns="" xmlns:a14="http://schemas.microsoft.com/office/drawing/2010/main" w="9525">
+                  <a14:hiddenLine xmlns:a14="http://schemas.microsoft.com/office/drawing/2010/main" xmlns="" w="9525">
                     <a:solidFill>
                       <a:srgbClr val="000000"/>
                     </a:solidFill>
@@ -9852,7 +9853,7 @@
               </a:ln>
               <a:extLst>
                 <a:ext uri="{91240B29-F687-4f45-9708-019B960494DF}">
-                  <a14:hiddenLine xmlns="" xmlns:a14="http://schemas.microsoft.com/office/drawing/2010/main" w="9525">
+                  <a14:hiddenLine xmlns:a14="http://schemas.microsoft.com/office/drawing/2010/main" xmlns="" w="9525">
                     <a:solidFill>
                       <a:srgbClr val="000000"/>
                     </a:solidFill>
@@ -9914,7 +9915,7 @@
               </a:ln>
               <a:extLst>
                 <a:ext uri="{91240B29-F687-4f45-9708-019B960494DF}">
-                  <a14:hiddenLine xmlns="" xmlns:a14="http://schemas.microsoft.com/office/drawing/2010/main" w="9525">
+                  <a14:hiddenLine xmlns:a14="http://schemas.microsoft.com/office/drawing/2010/main" xmlns="" w="9525">
                     <a:solidFill>
                       <a:srgbClr val="000000"/>
                     </a:solidFill>
@@ -10004,7 +10005,7 @@
               </a:ln>
               <a:extLst>
                 <a:ext uri="{91240B29-F687-4f45-9708-019B960494DF}">
-                  <a14:hiddenLine xmlns="" xmlns:a14="http://schemas.microsoft.com/office/drawing/2010/main" w="9525">
+                  <a14:hiddenLine xmlns:a14="http://schemas.microsoft.com/office/drawing/2010/main" xmlns="" w="9525">
                     <a:solidFill>
                       <a:srgbClr val="000000"/>
                     </a:solidFill>
@@ -10066,7 +10067,7 @@
               </a:ln>
               <a:extLst>
                 <a:ext uri="{91240B29-F687-4f45-9708-019B960494DF}">
-                  <a14:hiddenLine xmlns="" xmlns:a14="http://schemas.microsoft.com/office/drawing/2010/main" w="9525">
+                  <a14:hiddenLine xmlns:a14="http://schemas.microsoft.com/office/drawing/2010/main" xmlns="" w="9525">
                     <a:solidFill>
                       <a:srgbClr val="000000"/>
                     </a:solidFill>
@@ -10128,7 +10129,7 @@
               </a:ln>
               <a:extLst>
                 <a:ext uri="{91240B29-F687-4f45-9708-019B960494DF}">
-                  <a14:hiddenLine xmlns="" xmlns:a14="http://schemas.microsoft.com/office/drawing/2010/main" w="9525">
+                  <a14:hiddenLine xmlns:a14="http://schemas.microsoft.com/office/drawing/2010/main" xmlns="" w="9525">
                     <a:solidFill>
                       <a:srgbClr val="000000"/>
                     </a:solidFill>
@@ -10218,7 +10219,7 @@
               </a:ln>
               <a:extLst>
                 <a:ext uri="{91240B29-F687-4f45-9708-019B960494DF}">
-                  <a14:hiddenLine xmlns="" xmlns:a14="http://schemas.microsoft.com/office/drawing/2010/main" w="9525">
+                  <a14:hiddenLine xmlns:a14="http://schemas.microsoft.com/office/drawing/2010/main" xmlns="" w="9525">
                     <a:solidFill>
                       <a:srgbClr val="000000"/>
                     </a:solidFill>
@@ -10308,7 +10309,7 @@
               </a:ln>
               <a:extLst>
                 <a:ext uri="{91240B29-F687-4f45-9708-019B960494DF}">
-                  <a14:hiddenLine xmlns="" xmlns:a14="http://schemas.microsoft.com/office/drawing/2010/main" w="9525">
+                  <a14:hiddenLine xmlns:a14="http://schemas.microsoft.com/office/drawing/2010/main" xmlns="" w="9525">
                     <a:solidFill>
                       <a:srgbClr val="000000"/>
                     </a:solidFill>
@@ -10370,7 +10371,7 @@
               </a:ln>
               <a:extLst>
                 <a:ext uri="{91240B29-F687-4f45-9708-019B960494DF}">
-                  <a14:hiddenLine xmlns="" xmlns:a14="http://schemas.microsoft.com/office/drawing/2010/main" w="9525">
+                  <a14:hiddenLine xmlns:a14="http://schemas.microsoft.com/office/drawing/2010/main" xmlns="" w="9525">
                     <a:solidFill>
                       <a:srgbClr val="000000"/>
                     </a:solidFill>
@@ -10480,7 +10481,7 @@
               </a:ln>
               <a:extLst>
                 <a:ext uri="{91240B29-F687-4f45-9708-019B960494DF}">
-                  <a14:hiddenLine xmlns="" xmlns:a14="http://schemas.microsoft.com/office/drawing/2010/main" w="9525">
+                  <a14:hiddenLine xmlns:a14="http://schemas.microsoft.com/office/drawing/2010/main" xmlns="" w="9525">
                     <a:solidFill>
                       <a:srgbClr val="000000"/>
                     </a:solidFill>
@@ -10564,7 +10565,7 @@
               </a:ln>
               <a:extLst>
                 <a:ext uri="{91240B29-F687-4f45-9708-019B960494DF}">
-                  <a14:hiddenLine xmlns="" xmlns:a14="http://schemas.microsoft.com/office/drawing/2010/main" w="9525">
+                  <a14:hiddenLine xmlns:a14="http://schemas.microsoft.com/office/drawing/2010/main" xmlns="" w="9525">
                     <a:solidFill>
                       <a:srgbClr val="000000"/>
                     </a:solidFill>
@@ -10626,7 +10627,7 @@
               </a:ln>
               <a:extLst>
                 <a:ext uri="{91240B29-F687-4f45-9708-019B960494DF}">
-                  <a14:hiddenLine xmlns="" xmlns:a14="http://schemas.microsoft.com/office/drawing/2010/main" w="9525">
+                  <a14:hiddenLine xmlns:a14="http://schemas.microsoft.com/office/drawing/2010/main" xmlns="" w="9525">
                     <a:solidFill>
                       <a:srgbClr val="000000"/>
                     </a:solidFill>
@@ -10688,7 +10689,7 @@
               </a:ln>
               <a:extLst>
                 <a:ext uri="{91240B29-F687-4f45-9708-019B960494DF}">
-                  <a14:hiddenLine xmlns="" xmlns:a14="http://schemas.microsoft.com/office/drawing/2010/main" w="9525">
+                  <a14:hiddenLine xmlns:a14="http://schemas.microsoft.com/office/drawing/2010/main" xmlns="" w="9525">
                     <a:solidFill>
                       <a:srgbClr val="000000"/>
                     </a:solidFill>
@@ -10778,7 +10779,7 @@
               </a:ln>
               <a:extLst>
                 <a:ext uri="{91240B29-F687-4f45-9708-019B960494DF}">
-                  <a14:hiddenLine xmlns="" xmlns:a14="http://schemas.microsoft.com/office/drawing/2010/main" w="9525">
+                  <a14:hiddenLine xmlns:a14="http://schemas.microsoft.com/office/drawing/2010/main" xmlns="" w="9525">
                     <a:solidFill>
                       <a:srgbClr val="000000"/>
                     </a:solidFill>
@@ -10812,7 +10813,7 @@
               </a:ln>
               <a:extLst>
                 <a:ext uri="{91240B29-F687-4f45-9708-019B960494DF}">
-                  <a14:hiddenLine xmlns="" xmlns:a14="http://schemas.microsoft.com/office/drawing/2010/main" w="9525">
+                  <a14:hiddenLine xmlns:a14="http://schemas.microsoft.com/office/drawing/2010/main" xmlns="" w="9525">
                     <a:solidFill>
                       <a:srgbClr val="000000"/>
                     </a:solidFill>
@@ -10877,7 +10878,7 @@
               </a:ln>
               <a:extLst>
                 <a:ext uri="{91240B29-F687-4f45-9708-019B960494DF}">
-                  <a14:hiddenLine xmlns="" xmlns:a14="http://schemas.microsoft.com/office/drawing/2010/main" w="9525">
+                  <a14:hiddenLine xmlns:a14="http://schemas.microsoft.com/office/drawing/2010/main" xmlns="" w="9525">
                     <a:solidFill>
                       <a:srgbClr val="000000"/>
                     </a:solidFill>
@@ -10967,7 +10968,7 @@
               </a:ln>
               <a:extLst>
                 <a:ext uri="{91240B29-F687-4f45-9708-019B960494DF}">
-                  <a14:hiddenLine xmlns="" xmlns:a14="http://schemas.microsoft.com/office/drawing/2010/main" w="9525">
+                  <a14:hiddenLine xmlns:a14="http://schemas.microsoft.com/office/drawing/2010/main" xmlns="" w="9525">
                     <a:solidFill>
                       <a:srgbClr val="000000"/>
                     </a:solidFill>
@@ -11029,7 +11030,7 @@
               </a:ln>
               <a:extLst>
                 <a:ext uri="{91240B29-F687-4f45-9708-019B960494DF}">
-                  <a14:hiddenLine xmlns="" xmlns:a14="http://schemas.microsoft.com/office/drawing/2010/main" w="9525">
+                  <a14:hiddenLine xmlns:a14="http://schemas.microsoft.com/office/drawing/2010/main" xmlns="" w="9525">
                     <a:solidFill>
                       <a:srgbClr val="000000"/>
                     </a:solidFill>
@@ -11119,7 +11120,7 @@
               </a:ln>
               <a:extLst>
                 <a:ext uri="{91240B29-F687-4f45-9708-019B960494DF}">
-                  <a14:hiddenLine xmlns="" xmlns:a14="http://schemas.microsoft.com/office/drawing/2010/main" w="9525">
+                  <a14:hiddenLine xmlns:a14="http://schemas.microsoft.com/office/drawing/2010/main" xmlns="" w="9525">
                     <a:solidFill>
                       <a:srgbClr val="000000"/>
                     </a:solidFill>
@@ -11184,7 +11185,7 @@
               </a:ln>
               <a:extLst>
                 <a:ext uri="{91240B29-F687-4f45-9708-019B960494DF}">
-                  <a14:hiddenLine xmlns="" xmlns:a14="http://schemas.microsoft.com/office/drawing/2010/main" w="9525">
+                  <a14:hiddenLine xmlns:a14="http://schemas.microsoft.com/office/drawing/2010/main" xmlns="" w="9525">
                     <a:solidFill>
                       <a:srgbClr val="000000"/>
                     </a:solidFill>
@@ -11246,7 +11247,7 @@
               </a:ln>
               <a:extLst>
                 <a:ext uri="{91240B29-F687-4f45-9708-019B960494DF}">
-                  <a14:hiddenLine xmlns="" xmlns:a14="http://schemas.microsoft.com/office/drawing/2010/main" w="9525">
+                  <a14:hiddenLine xmlns:a14="http://schemas.microsoft.com/office/drawing/2010/main" xmlns="" w="9525">
                     <a:solidFill>
                       <a:srgbClr val="000000"/>
                     </a:solidFill>
@@ -11336,7 +11337,7 @@
               </a:ln>
               <a:extLst>
                 <a:ext uri="{91240B29-F687-4f45-9708-019B960494DF}">
-                  <a14:hiddenLine xmlns="" xmlns:a14="http://schemas.microsoft.com/office/drawing/2010/main" w="9525">
+                  <a14:hiddenLine xmlns:a14="http://schemas.microsoft.com/office/drawing/2010/main" xmlns="" w="9525">
                     <a:solidFill>
                       <a:srgbClr val="000000"/>
                     </a:solidFill>
@@ -11426,7 +11427,7 @@
               </a:ln>
               <a:extLst>
                 <a:ext uri="{91240B29-F687-4f45-9708-019B960494DF}">
-                  <a14:hiddenLine xmlns="" xmlns:a14="http://schemas.microsoft.com/office/drawing/2010/main" w="9525">
+                  <a14:hiddenLine xmlns:a14="http://schemas.microsoft.com/office/drawing/2010/main" xmlns="" w="9525">
                     <a:solidFill>
                       <a:srgbClr val="000000"/>
                     </a:solidFill>
@@ -11491,7 +11492,7 @@
               </a:ln>
               <a:extLst>
                 <a:ext uri="{91240B29-F687-4f45-9708-019B960494DF}">
-                  <a14:hiddenLine xmlns="" xmlns:a14="http://schemas.microsoft.com/office/drawing/2010/main" w="9525">
+                  <a14:hiddenLine xmlns:a14="http://schemas.microsoft.com/office/drawing/2010/main" xmlns="" w="9525">
                     <a:solidFill>
                       <a:srgbClr val="000000"/>
                     </a:solidFill>
@@ -11611,7 +11612,7 @@
               </a:ln>
               <a:extLst>
                 <a:ext uri="{91240B29-F687-4f45-9708-019B960494DF}">
-                  <a14:hiddenLine xmlns="" xmlns:a14="http://schemas.microsoft.com/office/drawing/2010/main" w="9525">
+                  <a14:hiddenLine xmlns:a14="http://schemas.microsoft.com/office/drawing/2010/main" xmlns="" w="9525">
                     <a:solidFill>
                       <a:srgbClr val="000000"/>
                     </a:solidFill>
@@ -11709,7 +11710,7 @@
               </a:ln>
               <a:extLst>
                 <a:ext uri="{91240B29-F687-4f45-9708-019B960494DF}">
-                  <a14:hiddenLine xmlns="" xmlns:a14="http://schemas.microsoft.com/office/drawing/2010/main" w="9525">
+                  <a14:hiddenLine xmlns:a14="http://schemas.microsoft.com/office/drawing/2010/main" xmlns="" w="9525">
                     <a:solidFill>
                       <a:srgbClr val="000000"/>
                     </a:solidFill>
@@ -11824,7 +11825,7 @@
               </a:ln>
               <a:extLst>
                 <a:ext uri="{91240B29-F687-4f45-9708-019B960494DF}">
-                  <a14:hiddenLine xmlns="" xmlns:a14="http://schemas.microsoft.com/office/drawing/2010/main" w="9525">
+                  <a14:hiddenLine xmlns:a14="http://schemas.microsoft.com/office/drawing/2010/main" xmlns="" w="9525">
                     <a:solidFill>
                       <a:srgbClr val="000000"/>
                     </a:solidFill>
@@ -11914,7 +11915,7 @@
               </a:ln>
               <a:extLst>
                 <a:ext uri="{91240B29-F687-4f45-9708-019B960494DF}">
-                  <a14:hiddenLine xmlns="" xmlns:a14="http://schemas.microsoft.com/office/drawing/2010/main" w="9525">
+                  <a14:hiddenLine xmlns:a14="http://schemas.microsoft.com/office/drawing/2010/main" xmlns="" w="9525">
                     <a:solidFill>
                       <a:srgbClr val="000000"/>
                     </a:solidFill>
@@ -11979,7 +11980,7 @@
               </a:ln>
               <a:extLst>
                 <a:ext uri="{91240B29-F687-4f45-9708-019B960494DF}">
-                  <a14:hiddenLine xmlns="" xmlns:a14="http://schemas.microsoft.com/office/drawing/2010/main" w="9525">
+                  <a14:hiddenLine xmlns:a14="http://schemas.microsoft.com/office/drawing/2010/main" xmlns="" w="9525">
                     <a:solidFill>
                       <a:srgbClr val="000000"/>
                     </a:solidFill>
@@ -12069,7 +12070,7 @@
               </a:ln>
               <a:extLst>
                 <a:ext uri="{91240B29-F687-4f45-9708-019B960494DF}">
-                  <a14:hiddenLine xmlns="" xmlns:a14="http://schemas.microsoft.com/office/drawing/2010/main" w="9525">
+                  <a14:hiddenLine xmlns:a14="http://schemas.microsoft.com/office/drawing/2010/main" xmlns="" w="9525">
                     <a:solidFill>
                       <a:srgbClr val="000000"/>
                     </a:solidFill>
@@ -12137,7 +12138,7 @@
               </a:ln>
               <a:extLst>
                 <a:ext uri="{91240B29-F687-4f45-9708-019B960494DF}">
-                  <a14:hiddenLine xmlns="" xmlns:a14="http://schemas.microsoft.com/office/drawing/2010/main" w="9525">
+                  <a14:hiddenLine xmlns:a14="http://schemas.microsoft.com/office/drawing/2010/main" xmlns="" w="9525">
                     <a:solidFill>
                       <a:srgbClr val="000000"/>
                     </a:solidFill>
@@ -12227,7 +12228,7 @@
               </a:ln>
               <a:extLst>
                 <a:ext uri="{91240B29-F687-4f45-9708-019B960494DF}">
-                  <a14:hiddenLine xmlns="" xmlns:a14="http://schemas.microsoft.com/office/drawing/2010/main" w="9525">
+                  <a14:hiddenLine xmlns:a14="http://schemas.microsoft.com/office/drawing/2010/main" xmlns="" w="9525">
                     <a:solidFill>
                       <a:srgbClr val="000000"/>
                     </a:solidFill>
@@ -12295,7 +12296,7 @@
               </a:ln>
               <a:extLst>
                 <a:ext uri="{91240B29-F687-4f45-9708-019B960494DF}">
-                  <a14:hiddenLine xmlns="" xmlns:a14="http://schemas.microsoft.com/office/drawing/2010/main" w="9525">
+                  <a14:hiddenLine xmlns:a14="http://schemas.microsoft.com/office/drawing/2010/main" xmlns="" w="9525">
                     <a:solidFill>
                       <a:srgbClr val="000000"/>
                     </a:solidFill>
@@ -12385,7 +12386,7 @@
               </a:ln>
               <a:extLst>
                 <a:ext uri="{91240B29-F687-4f45-9708-019B960494DF}">
-                  <a14:hiddenLine xmlns="" xmlns:a14="http://schemas.microsoft.com/office/drawing/2010/main" w="9525">
+                  <a14:hiddenLine xmlns:a14="http://schemas.microsoft.com/office/drawing/2010/main" xmlns="" w="9525">
                     <a:solidFill>
                       <a:srgbClr val="000000"/>
                     </a:solidFill>
@@ -12419,7 +12420,7 @@
               </a:ln>
               <a:extLst>
                 <a:ext uri="{91240B29-F687-4f45-9708-019B960494DF}">
-                  <a14:hiddenLine xmlns="" xmlns:a14="http://schemas.microsoft.com/office/drawing/2010/main" w="9525">
+                  <a14:hiddenLine xmlns:a14="http://schemas.microsoft.com/office/drawing/2010/main" xmlns="" w="9525">
                     <a:solidFill>
                       <a:srgbClr val="000000"/>
                     </a:solidFill>
@@ -12560,7 +12561,7 @@
             <a:fld id="{B61BEF0D-F0BB-DE4B-95CE-6DB70DBA9567}" type="datetimeFigureOut">
               <a:rPr lang="en-US" smtClean="0"/>
               <a:pPr/>
-              <a:t>8/15/2018</a:t>
+              <a:t>8/20/2018</a:t>
             </a:fld>
             <a:endParaRPr lang="en-US" dirty="0"/>
           </a:p>
@@ -13212,7 +13213,6 @@
               <a:rPr lang="es-CR" dirty="0" smtClean="0"/>
               <a:t>Ejemplo</a:t>
             </a:r>
-            <a:endParaRPr lang="es-CR" dirty="0" smtClean="0"/>
           </a:p>
           <a:p>
             <a:r>
@@ -13259,13 +13259,13 @@
   <p:clrMapOvr>
     <a:masterClrMapping/>
   </p:clrMapOvr>
-  <mc:AlternateContent xmlns:mc="http://schemas.openxmlformats.org/markup-compatibility/2006">
-    <mc:Choice xmlns:p14="http://schemas.microsoft.com/office/powerpoint/2010/main" Requires="p14">
+  <mc:AlternateContent xmlns:mc="http://schemas.openxmlformats.org/markup-compatibility/2006" xmlns:p14="http://schemas.microsoft.com/office/powerpoint/2010/main">
+    <mc:Choice Requires="p14">
       <p:transition spd="med" p14:dur="700">
         <p:fade/>
       </p:transition>
     </mc:Choice>
-    <mc:Fallback>
+    <mc:Fallback xmlns="">
       <p:transition spd="med">
         <p:fade/>
       </p:transition>
@@ -13333,8 +13333,8 @@
         </p:nvSpPr>
         <p:spPr>
           <a:xfrm>
-            <a:off x="1141412" y="1818413"/>
-            <a:ext cx="9905999" cy="2051580"/>
+            <a:off x="1141412" y="1818412"/>
+            <a:ext cx="9905999" cy="3557151"/>
           </a:xfrm>
         </p:spPr>
         <p:txBody>
@@ -13343,6 +13343,9 @@
           </a:bodyPr>
           <a:lstStyle/>
           <a:p>
+            <a:endParaRPr lang="es-CR" dirty="0"/>
+          </a:p>
+          <a:p>
             <a:r>
               <a:rPr lang="es-CR" dirty="0" smtClean="0"/>
               <a:t>Un </a:t>
@@ -13380,2622 +13383,6 @@
               <a:buNone/>
             </a:pPr>
             <a:endParaRPr lang="es-CR" dirty="0"/>
-          </a:p>
-        </p:txBody>
-      </p:sp>
-      <p:graphicFrame>
-        <p:nvGraphicFramePr>
-          <p:cNvPr id="6" name="Tabla 5"/>
-          <p:cNvGraphicFramePr>
-            <a:graphicFrameLocks noGrp="1"/>
-          </p:cNvGraphicFramePr>
-          <p:nvPr>
-            <p:extLst>
-              <p:ext uri="{D42A27DB-BD31-4B8C-83A1-F6EECF244321}">
-                <p14:modId xmlns:p14="http://schemas.microsoft.com/office/powerpoint/2010/main" val="3241854085"/>
-              </p:ext>
-            </p:extLst>
-          </p:nvPr>
-        </p:nvGraphicFramePr>
-        <p:xfrm>
-          <a:off x="3074718" y="4418634"/>
-          <a:ext cx="7388630" cy="1551094"/>
-        </p:xfrm>
-        <a:graphic>
-          <a:graphicData uri="http://schemas.openxmlformats.org/drawingml/2006/table">
-            <a:tbl>
-              <a:tblPr/>
-              <a:tblGrid>
-                <a:gridCol w="839617">
-                  <a:extLst>
-                    <a:ext uri="{9D8B030D-6E8A-4147-A177-3AD203B41FA5}">
-                      <a16:colId xmlns:a16="http://schemas.microsoft.com/office/drawing/2014/main" val="230096223"/>
-                    </a:ext>
-                  </a:extLst>
-                </a:gridCol>
-                <a:gridCol w="839617">
-                  <a:extLst>
-                    <a:ext uri="{9D8B030D-6E8A-4147-A177-3AD203B41FA5}">
-                      <a16:colId xmlns:a16="http://schemas.microsoft.com/office/drawing/2014/main" val="1643877370"/>
-                    </a:ext>
-                  </a:extLst>
-                </a:gridCol>
-                <a:gridCol w="839617">
-                  <a:extLst>
-                    <a:ext uri="{9D8B030D-6E8A-4147-A177-3AD203B41FA5}">
-                      <a16:colId xmlns:a16="http://schemas.microsoft.com/office/drawing/2014/main" val="649173016"/>
-                    </a:ext>
-                  </a:extLst>
-                </a:gridCol>
-                <a:gridCol w="335847">
-                  <a:extLst>
-                    <a:ext uri="{9D8B030D-6E8A-4147-A177-3AD203B41FA5}">
-                      <a16:colId xmlns:a16="http://schemas.microsoft.com/office/drawing/2014/main" val="2082234588"/>
-                    </a:ext>
-                  </a:extLst>
-                </a:gridCol>
-                <a:gridCol w="335847">
-                  <a:extLst>
-                    <a:ext uri="{9D8B030D-6E8A-4147-A177-3AD203B41FA5}">
-                      <a16:colId xmlns:a16="http://schemas.microsoft.com/office/drawing/2014/main" val="1551379719"/>
-                    </a:ext>
-                  </a:extLst>
-                </a:gridCol>
-                <a:gridCol w="839617">
-                  <a:extLst>
-                    <a:ext uri="{9D8B030D-6E8A-4147-A177-3AD203B41FA5}">
-                      <a16:colId xmlns:a16="http://schemas.microsoft.com/office/drawing/2014/main" val="1063070198"/>
-                    </a:ext>
-                  </a:extLst>
-                </a:gridCol>
-                <a:gridCol w="839617">
-                  <a:extLst>
-                    <a:ext uri="{9D8B030D-6E8A-4147-A177-3AD203B41FA5}">
-                      <a16:colId xmlns:a16="http://schemas.microsoft.com/office/drawing/2014/main" val="3457803152"/>
-                    </a:ext>
-                  </a:extLst>
-                </a:gridCol>
-                <a:gridCol w="839617">
-                  <a:extLst>
-                    <a:ext uri="{9D8B030D-6E8A-4147-A177-3AD203B41FA5}">
-                      <a16:colId xmlns:a16="http://schemas.microsoft.com/office/drawing/2014/main" val="148783110"/>
-                    </a:ext>
-                  </a:extLst>
-                </a:gridCol>
-                <a:gridCol w="839617">
-                  <a:extLst>
-                    <a:ext uri="{9D8B030D-6E8A-4147-A177-3AD203B41FA5}">
-                      <a16:colId xmlns:a16="http://schemas.microsoft.com/office/drawing/2014/main" val="1504456399"/>
-                    </a:ext>
-                  </a:extLst>
-                </a:gridCol>
-                <a:gridCol w="839617">
-                  <a:extLst>
-                    <a:ext uri="{9D8B030D-6E8A-4147-A177-3AD203B41FA5}">
-                      <a16:colId xmlns:a16="http://schemas.microsoft.com/office/drawing/2014/main" val="3367433559"/>
-                    </a:ext>
-                  </a:extLst>
-                </a:gridCol>
-              </a:tblGrid>
-              <a:tr h="439061">
-                <a:tc>
-                  <a:txBody>
-                    <a:bodyPr/>
-                    <a:lstStyle/>
-                    <a:p>
-                      <a:pPr algn="ctr" fontAlgn="b"/>
-                      <a:r>
-                        <a:rPr lang="es-CR" sz="1400" b="1" i="0" u="none" strike="noStrike" dirty="0">
-                          <a:solidFill>
-                            <a:srgbClr val="99FF33"/>
-                          </a:solidFill>
-                          <a:effectLst/>
-                          <a:latin typeface="Calibri" panose="020F0502020204030204" pitchFamily="34" charset="0"/>
-                        </a:rPr>
-                        <a:t>Mes</a:t>
-                      </a:r>
-                    </a:p>
-                  </a:txBody>
-                  <a:tcPr marL="9525" marR="9525" marT="9525" marB="0" anchor="b">
-                    <a:lnL w="12700" cap="flat" cmpd="sng" algn="ctr">
-                      <a:solidFill>
-                        <a:srgbClr val="000000"/>
-                      </a:solidFill>
-                      <a:prstDash val="solid"/>
-                      <a:round/>
-                      <a:headEnd type="none" w="med" len="med"/>
-                      <a:tailEnd type="none" w="med" len="med"/>
-                    </a:lnL>
-                    <a:lnR w="6350" cap="flat" cmpd="sng" algn="ctr">
-                      <a:solidFill>
-                        <a:srgbClr val="000000"/>
-                      </a:solidFill>
-                      <a:prstDash val="solid"/>
-                      <a:round/>
-                      <a:headEnd type="none" w="med" len="med"/>
-                      <a:tailEnd type="none" w="med" len="med"/>
-                    </a:lnR>
-                    <a:lnT w="12700" cap="flat" cmpd="sng" algn="ctr">
-                      <a:solidFill>
-                        <a:srgbClr val="000000"/>
-                      </a:solidFill>
-                      <a:prstDash val="solid"/>
-                      <a:round/>
-                      <a:headEnd type="none" w="med" len="med"/>
-                      <a:tailEnd type="none" w="med" len="med"/>
-                    </a:lnT>
-                    <a:lnB w="12700" cap="flat" cmpd="sng" algn="ctr">
-                      <a:solidFill>
-                        <a:srgbClr val="000000"/>
-                      </a:solidFill>
-                      <a:prstDash val="solid"/>
-                      <a:round/>
-                      <a:headEnd type="none" w="med" len="med"/>
-                      <a:tailEnd type="none" w="med" len="med"/>
-                    </a:lnB>
-                    <a:solidFill>
-                      <a:srgbClr val="A6A6A6"/>
-                    </a:solidFill>
-                  </a:tcPr>
-                </a:tc>
-                <a:tc>
-                  <a:txBody>
-                    <a:bodyPr/>
-                    <a:lstStyle/>
-                    <a:p>
-                      <a:pPr algn="ctr" fontAlgn="b"/>
-                      <a:r>
-                        <a:rPr lang="es-CR" sz="1400" b="1" i="0" u="none" strike="noStrike" dirty="0" err="1">
-                          <a:solidFill>
-                            <a:srgbClr val="99FF33"/>
-                          </a:solidFill>
-                          <a:effectLst/>
-                          <a:latin typeface="Calibri" panose="020F0502020204030204" pitchFamily="34" charset="0"/>
-                        </a:rPr>
-                        <a:t>DíaDelMes</a:t>
-                      </a:r>
-                      <a:endParaRPr lang="es-CR" sz="1400" b="1" i="0" u="none" strike="noStrike" dirty="0">
-                        <a:solidFill>
-                          <a:srgbClr val="99FF33"/>
-                        </a:solidFill>
-                        <a:effectLst/>
-                        <a:latin typeface="Calibri" panose="020F0502020204030204" pitchFamily="34" charset="0"/>
-                      </a:endParaRPr>
-                    </a:p>
-                  </a:txBody>
-                  <a:tcPr marL="9525" marR="9525" marT="9525" marB="0" anchor="b">
-                    <a:lnL w="6350" cap="flat" cmpd="sng" algn="ctr">
-                      <a:solidFill>
-                        <a:srgbClr val="000000"/>
-                      </a:solidFill>
-                      <a:prstDash val="solid"/>
-                      <a:round/>
-                      <a:headEnd type="none" w="med" len="med"/>
-                      <a:tailEnd type="none" w="med" len="med"/>
-                    </a:lnL>
-                    <a:lnR w="6350" cap="flat" cmpd="sng" algn="ctr">
-                      <a:solidFill>
-                        <a:srgbClr val="000000"/>
-                      </a:solidFill>
-                      <a:prstDash val="solid"/>
-                      <a:round/>
-                      <a:headEnd type="none" w="med" len="med"/>
-                      <a:tailEnd type="none" w="med" len="med"/>
-                    </a:lnR>
-                    <a:lnT w="12700" cap="flat" cmpd="sng" algn="ctr">
-                      <a:solidFill>
-                        <a:srgbClr val="000000"/>
-                      </a:solidFill>
-                      <a:prstDash val="solid"/>
-                      <a:round/>
-                      <a:headEnd type="none" w="med" len="med"/>
-                      <a:tailEnd type="none" w="med" len="med"/>
-                    </a:lnT>
-                    <a:lnB w="12700" cap="flat" cmpd="sng" algn="ctr">
-                      <a:solidFill>
-                        <a:srgbClr val="000000"/>
-                      </a:solidFill>
-                      <a:prstDash val="solid"/>
-                      <a:round/>
-                      <a:headEnd type="none" w="med" len="med"/>
-                      <a:tailEnd type="none" w="med" len="med"/>
-                    </a:lnB>
-                    <a:solidFill>
-                      <a:srgbClr val="A6A6A6"/>
-                    </a:solidFill>
-                  </a:tcPr>
-                </a:tc>
-                <a:tc>
-                  <a:txBody>
-                    <a:bodyPr/>
-                    <a:lstStyle/>
-                    <a:p>
-                      <a:pPr algn="ctr" fontAlgn="b"/>
-                      <a:r>
-                        <a:rPr lang="es-CR" sz="1400" b="1" i="0" u="none" strike="noStrike" dirty="0">
-                          <a:solidFill>
-                            <a:srgbClr val="99FF33"/>
-                          </a:solidFill>
-                          <a:effectLst/>
-                          <a:latin typeface="Calibri" panose="020F0502020204030204" pitchFamily="34" charset="0"/>
-                        </a:rPr>
-                        <a:t>Gastos</a:t>
-                      </a:r>
-                    </a:p>
-                  </a:txBody>
-                  <a:tcPr marL="9525" marR="9525" marT="9525" marB="0" anchor="b">
-                    <a:lnL w="6350" cap="flat" cmpd="sng" algn="ctr">
-                      <a:solidFill>
-                        <a:srgbClr val="000000"/>
-                      </a:solidFill>
-                      <a:prstDash val="solid"/>
-                      <a:round/>
-                      <a:headEnd type="none" w="med" len="med"/>
-                      <a:tailEnd type="none" w="med" len="med"/>
-                    </a:lnL>
-                    <a:lnR w="12700" cap="flat" cmpd="sng" algn="ctr">
-                      <a:solidFill>
-                        <a:srgbClr val="000000"/>
-                      </a:solidFill>
-                      <a:prstDash val="solid"/>
-                      <a:round/>
-                      <a:headEnd type="none" w="med" len="med"/>
-                      <a:tailEnd type="none" w="med" len="med"/>
-                    </a:lnR>
-                    <a:lnT w="12700" cap="flat" cmpd="sng" algn="ctr">
-                      <a:solidFill>
-                        <a:srgbClr val="000000"/>
-                      </a:solidFill>
-                      <a:prstDash val="solid"/>
-                      <a:round/>
-                      <a:headEnd type="none" w="med" len="med"/>
-                      <a:tailEnd type="none" w="med" len="med"/>
-                    </a:lnT>
-                    <a:lnB w="12700" cap="flat" cmpd="sng" algn="ctr">
-                      <a:solidFill>
-                        <a:srgbClr val="000000"/>
-                      </a:solidFill>
-                      <a:prstDash val="solid"/>
-                      <a:round/>
-                      <a:headEnd type="none" w="med" len="med"/>
-                      <a:tailEnd type="none" w="med" len="med"/>
-                    </a:lnB>
-                    <a:solidFill>
-                      <a:srgbClr val="A6A6A6"/>
-                    </a:solidFill>
-                  </a:tcPr>
-                </a:tc>
-                <a:tc>
-                  <a:txBody>
-                    <a:bodyPr/>
-                    <a:lstStyle/>
-                    <a:p>
-                      <a:pPr algn="ctr" fontAlgn="b"/>
-                      <a:endParaRPr lang="es-CR" sz="1400" b="0" i="0" u="none" strike="noStrike" dirty="0">
-                        <a:solidFill>
-                          <a:srgbClr val="000000"/>
-                        </a:solidFill>
-                        <a:effectLst/>
-                        <a:latin typeface="Calibri" panose="020F0502020204030204" pitchFamily="34" charset="0"/>
-                      </a:endParaRPr>
-                    </a:p>
-                  </a:txBody>
-                  <a:tcPr marL="9525" marR="9525" marT="9525" marB="0" anchor="b">
-                    <a:lnL w="12700" cap="flat" cmpd="sng" algn="ctr">
-                      <a:solidFill>
-                        <a:srgbClr val="000000"/>
-                      </a:solidFill>
-                      <a:prstDash val="solid"/>
-                      <a:round/>
-                      <a:headEnd type="none" w="med" len="med"/>
-                      <a:tailEnd type="none" w="med" len="med"/>
-                    </a:lnL>
-                    <a:lnR>
-                      <a:noFill/>
-                    </a:lnR>
-                    <a:lnT>
-                      <a:noFill/>
-                    </a:lnT>
-                    <a:lnB>
-                      <a:noFill/>
-                    </a:lnB>
-                  </a:tcPr>
-                </a:tc>
-                <a:tc>
-                  <a:txBody>
-                    <a:bodyPr/>
-                    <a:lstStyle/>
-                    <a:p>
-                      <a:pPr algn="ctr" fontAlgn="b"/>
-                      <a:endParaRPr lang="es-CR" sz="1400" b="0" i="0" u="none" strike="noStrike" dirty="0">
-                        <a:solidFill>
-                          <a:srgbClr val="000000"/>
-                        </a:solidFill>
-                        <a:effectLst/>
-                        <a:latin typeface="Calibri" panose="020F0502020204030204" pitchFamily="34" charset="0"/>
-                      </a:endParaRPr>
-                    </a:p>
-                  </a:txBody>
-                  <a:tcPr marL="9525" marR="9525" marT="9525" marB="0" anchor="b">
-                    <a:lnL>
-                      <a:noFill/>
-                    </a:lnL>
-                    <a:lnR w="12700" cap="flat" cmpd="sng" algn="ctr">
-                      <a:solidFill>
-                        <a:srgbClr val="000000"/>
-                      </a:solidFill>
-                      <a:prstDash val="solid"/>
-                      <a:round/>
-                      <a:headEnd type="none" w="med" len="med"/>
-                      <a:tailEnd type="none" w="med" len="med"/>
-                    </a:lnR>
-                    <a:lnT>
-                      <a:noFill/>
-                    </a:lnT>
-                    <a:lnB>
-                      <a:noFill/>
-                    </a:lnB>
-                  </a:tcPr>
-                </a:tc>
-                <a:tc>
-                  <a:txBody>
-                    <a:bodyPr/>
-                    <a:lstStyle/>
-                    <a:p>
-                      <a:pPr algn="ctr" fontAlgn="b"/>
-                      <a:r>
-                        <a:rPr lang="es-CR" sz="1400" b="1" i="0" u="none" strike="noStrike" dirty="0">
-                          <a:solidFill>
-                            <a:srgbClr val="99FF33"/>
-                          </a:solidFill>
-                          <a:effectLst/>
-                          <a:latin typeface="Calibri" panose="020F0502020204030204" pitchFamily="34" charset="0"/>
-                        </a:rPr>
-                        <a:t>Mes</a:t>
-                      </a:r>
-                    </a:p>
-                  </a:txBody>
-                  <a:tcPr marL="9525" marR="9525" marT="9525" marB="0" anchor="b">
-                    <a:lnL w="12700" cap="flat" cmpd="sng" algn="ctr">
-                      <a:solidFill>
-                        <a:srgbClr val="000000"/>
-                      </a:solidFill>
-                      <a:prstDash val="solid"/>
-                      <a:round/>
-                      <a:headEnd type="none" w="med" len="med"/>
-                      <a:tailEnd type="none" w="med" len="med"/>
-                    </a:lnL>
-                    <a:lnR w="12700" cap="flat" cmpd="sng" algn="ctr">
-                      <a:solidFill>
-                        <a:srgbClr val="000000"/>
-                      </a:solidFill>
-                      <a:prstDash val="solid"/>
-                      <a:round/>
-                      <a:headEnd type="none" w="med" len="med"/>
-                      <a:tailEnd type="none" w="med" len="med"/>
-                    </a:lnR>
-                    <a:lnT w="12700" cap="flat" cmpd="sng" algn="ctr">
-                      <a:solidFill>
-                        <a:srgbClr val="000000"/>
-                      </a:solidFill>
-                      <a:prstDash val="solid"/>
-                      <a:round/>
-                      <a:headEnd type="none" w="med" len="med"/>
-                      <a:tailEnd type="none" w="med" len="med"/>
-                    </a:lnT>
-                    <a:lnB w="6350" cap="flat" cmpd="sng" algn="ctr">
-                      <a:solidFill>
-                        <a:srgbClr val="000000"/>
-                      </a:solidFill>
-                      <a:prstDash val="solid"/>
-                      <a:round/>
-                      <a:headEnd type="none" w="med" len="med"/>
-                      <a:tailEnd type="none" w="med" len="med"/>
-                    </a:lnB>
-                    <a:solidFill>
-                      <a:srgbClr val="A6A6A6"/>
-                    </a:solidFill>
-                  </a:tcPr>
-                </a:tc>
-                <a:tc>
-                  <a:txBody>
-                    <a:bodyPr/>
-                    <a:lstStyle/>
-                    <a:p>
-                      <a:pPr algn="ctr" fontAlgn="b"/>
-                      <a:r>
-                        <a:rPr lang="es-CR" sz="1400" b="0" i="0" u="none" strike="noStrike" dirty="0">
-                          <a:solidFill>
-                            <a:srgbClr val="99FF33"/>
-                          </a:solidFill>
-                          <a:effectLst/>
-                          <a:latin typeface="Calibri" panose="020F0502020204030204" pitchFamily="34" charset="0"/>
-                        </a:rPr>
-                        <a:t>Enero</a:t>
-                      </a:r>
-                    </a:p>
-                  </a:txBody>
-                  <a:tcPr marL="9525" marR="9525" marT="9525" marB="0" anchor="b">
-                    <a:lnL w="12700" cap="flat" cmpd="sng" algn="ctr">
-                      <a:solidFill>
-                        <a:srgbClr val="000000"/>
-                      </a:solidFill>
-                      <a:prstDash val="solid"/>
-                      <a:round/>
-                      <a:headEnd type="none" w="med" len="med"/>
-                      <a:tailEnd type="none" w="med" len="med"/>
-                    </a:lnL>
-                    <a:lnR w="6350" cap="flat" cmpd="sng" algn="ctr">
-                      <a:solidFill>
-                        <a:srgbClr val="000000"/>
-                      </a:solidFill>
-                      <a:prstDash val="solid"/>
-                      <a:round/>
-                      <a:headEnd type="none" w="med" len="med"/>
-                      <a:tailEnd type="none" w="med" len="med"/>
-                    </a:lnR>
-                    <a:lnT w="12700" cap="flat" cmpd="sng" algn="ctr">
-                      <a:solidFill>
-                        <a:srgbClr val="000000"/>
-                      </a:solidFill>
-                      <a:prstDash val="solid"/>
-                      <a:round/>
-                      <a:headEnd type="none" w="med" len="med"/>
-                      <a:tailEnd type="none" w="med" len="med"/>
-                    </a:lnT>
-                    <a:lnB w="6350" cap="flat" cmpd="sng" algn="ctr">
-                      <a:solidFill>
-                        <a:srgbClr val="000000"/>
-                      </a:solidFill>
-                      <a:prstDash val="solid"/>
-                      <a:round/>
-                      <a:headEnd type="none" w="med" len="med"/>
-                      <a:tailEnd type="none" w="med" len="med"/>
-                    </a:lnB>
-                  </a:tcPr>
-                </a:tc>
-                <a:tc>
-                  <a:txBody>
-                    <a:bodyPr/>
-                    <a:lstStyle/>
-                    <a:p>
-                      <a:pPr algn="ctr" fontAlgn="b"/>
-                      <a:r>
-                        <a:rPr lang="es-CR" sz="1400" b="0" i="0" u="none" strike="noStrike" dirty="0">
-                          <a:solidFill>
-                            <a:srgbClr val="99FF33"/>
-                          </a:solidFill>
-                          <a:effectLst/>
-                          <a:latin typeface="Calibri" panose="020F0502020204030204" pitchFamily="34" charset="0"/>
-                        </a:rPr>
-                        <a:t>Enero</a:t>
-                      </a:r>
-                    </a:p>
-                  </a:txBody>
-                  <a:tcPr marL="9525" marR="9525" marT="9525" marB="0" anchor="b">
-                    <a:lnL w="6350" cap="flat" cmpd="sng" algn="ctr">
-                      <a:solidFill>
-                        <a:srgbClr val="000000"/>
-                      </a:solidFill>
-                      <a:prstDash val="solid"/>
-                      <a:round/>
-                      <a:headEnd type="none" w="med" len="med"/>
-                      <a:tailEnd type="none" w="med" len="med"/>
-                    </a:lnL>
-                    <a:lnR w="6350" cap="flat" cmpd="sng" algn="ctr">
-                      <a:solidFill>
-                        <a:srgbClr val="000000"/>
-                      </a:solidFill>
-                      <a:prstDash val="solid"/>
-                      <a:round/>
-                      <a:headEnd type="none" w="med" len="med"/>
-                      <a:tailEnd type="none" w="med" len="med"/>
-                    </a:lnR>
-                    <a:lnT w="12700" cap="flat" cmpd="sng" algn="ctr">
-                      <a:solidFill>
-                        <a:srgbClr val="000000"/>
-                      </a:solidFill>
-                      <a:prstDash val="solid"/>
-                      <a:round/>
-                      <a:headEnd type="none" w="med" len="med"/>
-                      <a:tailEnd type="none" w="med" len="med"/>
-                    </a:lnT>
-                    <a:lnB w="6350" cap="flat" cmpd="sng" algn="ctr">
-                      <a:solidFill>
-                        <a:srgbClr val="000000"/>
-                      </a:solidFill>
-                      <a:prstDash val="solid"/>
-                      <a:round/>
-                      <a:headEnd type="none" w="med" len="med"/>
-                      <a:tailEnd type="none" w="med" len="med"/>
-                    </a:lnB>
-                  </a:tcPr>
-                </a:tc>
-                <a:tc>
-                  <a:txBody>
-                    <a:bodyPr/>
-                    <a:lstStyle/>
-                    <a:p>
-                      <a:pPr algn="ctr" fontAlgn="b"/>
-                      <a:r>
-                        <a:rPr lang="es-CR" sz="1100" b="0" i="0" u="none" strike="noStrike" dirty="0">
-                          <a:solidFill>
-                            <a:srgbClr val="99FF33"/>
-                          </a:solidFill>
-                          <a:effectLst/>
-                          <a:latin typeface="Calibri" panose="020F0502020204030204" pitchFamily="34" charset="0"/>
-                        </a:rPr>
-                        <a:t>Enero</a:t>
-                      </a:r>
-                    </a:p>
-                  </a:txBody>
-                  <a:tcPr marL="9525" marR="9525" marT="9525" marB="0" anchor="b">
-                    <a:lnL w="6350" cap="flat" cmpd="sng" algn="ctr">
-                      <a:solidFill>
-                        <a:srgbClr val="000000"/>
-                      </a:solidFill>
-                      <a:prstDash val="solid"/>
-                      <a:round/>
-                      <a:headEnd type="none" w="med" len="med"/>
-                      <a:tailEnd type="none" w="med" len="med"/>
-                    </a:lnL>
-                    <a:lnR w="6350" cap="flat" cmpd="sng" algn="ctr">
-                      <a:solidFill>
-                        <a:srgbClr val="000000"/>
-                      </a:solidFill>
-                      <a:prstDash val="solid"/>
-                      <a:round/>
-                      <a:headEnd type="none" w="med" len="med"/>
-                      <a:tailEnd type="none" w="med" len="med"/>
-                    </a:lnR>
-                    <a:lnT w="12700" cap="flat" cmpd="sng" algn="ctr">
-                      <a:solidFill>
-                        <a:srgbClr val="000000"/>
-                      </a:solidFill>
-                      <a:prstDash val="solid"/>
-                      <a:round/>
-                      <a:headEnd type="none" w="med" len="med"/>
-                      <a:tailEnd type="none" w="med" len="med"/>
-                    </a:lnT>
-                    <a:lnB w="6350" cap="flat" cmpd="sng" algn="ctr">
-                      <a:solidFill>
-                        <a:srgbClr val="000000"/>
-                      </a:solidFill>
-                      <a:prstDash val="solid"/>
-                      <a:round/>
-                      <a:headEnd type="none" w="med" len="med"/>
-                      <a:tailEnd type="none" w="med" len="med"/>
-                    </a:lnB>
-                  </a:tcPr>
-                </a:tc>
-                <a:tc>
-                  <a:txBody>
-                    <a:bodyPr/>
-                    <a:lstStyle/>
-                    <a:p>
-                      <a:pPr algn="ctr" fontAlgn="b"/>
-                      <a:r>
-                        <a:rPr lang="es-CR" sz="1100" b="0" i="0" u="none" strike="noStrike">
-                          <a:solidFill>
-                            <a:srgbClr val="99FF33"/>
-                          </a:solidFill>
-                          <a:effectLst/>
-                          <a:latin typeface="Calibri" panose="020F0502020204030204" pitchFamily="34" charset="0"/>
-                        </a:rPr>
-                        <a:t>Enero</a:t>
-                      </a:r>
-                    </a:p>
-                  </a:txBody>
-                  <a:tcPr marL="9525" marR="9525" marT="9525" marB="0" anchor="b">
-                    <a:lnL w="6350" cap="flat" cmpd="sng" algn="ctr">
-                      <a:solidFill>
-                        <a:srgbClr val="000000"/>
-                      </a:solidFill>
-                      <a:prstDash val="solid"/>
-                      <a:round/>
-                      <a:headEnd type="none" w="med" len="med"/>
-                      <a:tailEnd type="none" w="med" len="med"/>
-                    </a:lnL>
-                    <a:lnR w="12700" cap="flat" cmpd="sng" algn="ctr">
-                      <a:solidFill>
-                        <a:srgbClr val="000000"/>
-                      </a:solidFill>
-                      <a:prstDash val="solid"/>
-                      <a:round/>
-                      <a:headEnd type="none" w="med" len="med"/>
-                      <a:tailEnd type="none" w="med" len="med"/>
-                    </a:lnR>
-                    <a:lnT w="12700" cap="flat" cmpd="sng" algn="ctr">
-                      <a:solidFill>
-                        <a:srgbClr val="000000"/>
-                      </a:solidFill>
-                      <a:prstDash val="solid"/>
-                      <a:round/>
-                      <a:headEnd type="none" w="med" len="med"/>
-                      <a:tailEnd type="none" w="med" len="med"/>
-                    </a:lnT>
-                    <a:lnB w="6350" cap="flat" cmpd="sng" algn="ctr">
-                      <a:solidFill>
-                        <a:srgbClr val="000000"/>
-                      </a:solidFill>
-                      <a:prstDash val="solid"/>
-                      <a:round/>
-                      <a:headEnd type="none" w="med" len="med"/>
-                      <a:tailEnd type="none" w="med" len="med"/>
-                    </a:lnB>
-                  </a:tcPr>
-                </a:tc>
-                <a:extLst>
-                  <a:ext uri="{0D108BD9-81ED-4DB2-BD59-A6C34878D82A}">
-                    <a16:rowId xmlns:a16="http://schemas.microsoft.com/office/drawing/2014/main" val="2189654244"/>
-                  </a:ext>
-                </a:extLst>
-              </a:tr>
-              <a:tr h="439061">
-                <a:tc>
-                  <a:txBody>
-                    <a:bodyPr/>
-                    <a:lstStyle/>
-                    <a:p>
-                      <a:pPr algn="ctr" fontAlgn="b"/>
-                      <a:r>
-                        <a:rPr lang="es-CR" sz="1400" b="0" i="0" u="none" strike="noStrike" dirty="0">
-                          <a:solidFill>
-                            <a:srgbClr val="99FF33"/>
-                          </a:solidFill>
-                          <a:effectLst/>
-                          <a:latin typeface="Calibri" panose="020F0502020204030204" pitchFamily="34" charset="0"/>
-                        </a:rPr>
-                        <a:t>Enero</a:t>
-                      </a:r>
-                    </a:p>
-                  </a:txBody>
-                  <a:tcPr marL="9525" marR="9525" marT="9525" marB="0" anchor="b">
-                    <a:lnL w="12700" cap="flat" cmpd="sng" algn="ctr">
-                      <a:solidFill>
-                        <a:srgbClr val="000000"/>
-                      </a:solidFill>
-                      <a:prstDash val="solid"/>
-                      <a:round/>
-                      <a:headEnd type="none" w="med" len="med"/>
-                      <a:tailEnd type="none" w="med" len="med"/>
-                    </a:lnL>
-                    <a:lnR w="6350" cap="flat" cmpd="sng" algn="ctr">
-                      <a:solidFill>
-                        <a:srgbClr val="000000"/>
-                      </a:solidFill>
-                      <a:prstDash val="solid"/>
-                      <a:round/>
-                      <a:headEnd type="none" w="med" len="med"/>
-                      <a:tailEnd type="none" w="med" len="med"/>
-                    </a:lnR>
-                    <a:lnT w="12700" cap="flat" cmpd="sng" algn="ctr">
-                      <a:solidFill>
-                        <a:srgbClr val="000000"/>
-                      </a:solidFill>
-                      <a:prstDash val="solid"/>
-                      <a:round/>
-                      <a:headEnd type="none" w="med" len="med"/>
-                      <a:tailEnd type="none" w="med" len="med"/>
-                    </a:lnT>
-                    <a:lnB w="6350" cap="flat" cmpd="sng" algn="ctr">
-                      <a:solidFill>
-                        <a:srgbClr val="000000"/>
-                      </a:solidFill>
-                      <a:prstDash val="solid"/>
-                      <a:round/>
-                      <a:headEnd type="none" w="med" len="med"/>
-                      <a:tailEnd type="none" w="med" len="med"/>
-                    </a:lnB>
-                  </a:tcPr>
-                </a:tc>
-                <a:tc>
-                  <a:txBody>
-                    <a:bodyPr/>
-                    <a:lstStyle/>
-                    <a:p>
-                      <a:pPr algn="ctr" fontAlgn="b"/>
-                      <a:r>
-                        <a:rPr lang="es-CR" sz="1400" b="0" i="0" u="none" strike="noStrike" dirty="0">
-                          <a:solidFill>
-                            <a:srgbClr val="99FF33"/>
-                          </a:solidFill>
-                          <a:effectLst/>
-                          <a:latin typeface="Calibri" panose="020F0502020204030204" pitchFamily="34" charset="0"/>
-                        </a:rPr>
-                        <a:t>Domingo</a:t>
-                      </a:r>
-                    </a:p>
-                  </a:txBody>
-                  <a:tcPr marL="9525" marR="9525" marT="9525" marB="0" anchor="b">
-                    <a:lnL w="6350" cap="flat" cmpd="sng" algn="ctr">
-                      <a:solidFill>
-                        <a:srgbClr val="000000"/>
-                      </a:solidFill>
-                      <a:prstDash val="solid"/>
-                      <a:round/>
-                      <a:headEnd type="none" w="med" len="med"/>
-                      <a:tailEnd type="none" w="med" len="med"/>
-                    </a:lnL>
-                    <a:lnR w="6350" cap="flat" cmpd="sng" algn="ctr">
-                      <a:solidFill>
-                        <a:srgbClr val="000000"/>
-                      </a:solidFill>
-                      <a:prstDash val="solid"/>
-                      <a:round/>
-                      <a:headEnd type="none" w="med" len="med"/>
-                      <a:tailEnd type="none" w="med" len="med"/>
-                    </a:lnR>
-                    <a:lnT w="12700" cap="flat" cmpd="sng" algn="ctr">
-                      <a:solidFill>
-                        <a:srgbClr val="000000"/>
-                      </a:solidFill>
-                      <a:prstDash val="solid"/>
-                      <a:round/>
-                      <a:headEnd type="none" w="med" len="med"/>
-                      <a:tailEnd type="none" w="med" len="med"/>
-                    </a:lnT>
-                    <a:lnB w="6350" cap="flat" cmpd="sng" algn="ctr">
-                      <a:solidFill>
-                        <a:srgbClr val="000000"/>
-                      </a:solidFill>
-                      <a:prstDash val="solid"/>
-                      <a:round/>
-                      <a:headEnd type="none" w="med" len="med"/>
-                      <a:tailEnd type="none" w="med" len="med"/>
-                    </a:lnB>
-                  </a:tcPr>
-                </a:tc>
-                <a:tc>
-                  <a:txBody>
-                    <a:bodyPr/>
-                    <a:lstStyle/>
-                    <a:p>
-                      <a:pPr algn="ctr" fontAlgn="b"/>
-                      <a:r>
-                        <a:rPr lang="es-CR" sz="1400" b="0" i="0" u="none" strike="noStrike" dirty="0">
-                          <a:solidFill>
-                            <a:srgbClr val="99FF33"/>
-                          </a:solidFill>
-                          <a:effectLst/>
-                          <a:latin typeface="Calibri" panose="020F0502020204030204" pitchFamily="34" charset="0"/>
-                        </a:rPr>
-                        <a:t>200</a:t>
-                      </a:r>
-                    </a:p>
-                  </a:txBody>
-                  <a:tcPr marL="9525" marR="9525" marT="9525" marB="0" anchor="b">
-                    <a:lnL w="6350" cap="flat" cmpd="sng" algn="ctr">
-                      <a:solidFill>
-                        <a:srgbClr val="000000"/>
-                      </a:solidFill>
-                      <a:prstDash val="solid"/>
-                      <a:round/>
-                      <a:headEnd type="none" w="med" len="med"/>
-                      <a:tailEnd type="none" w="med" len="med"/>
-                    </a:lnL>
-                    <a:lnR w="12700" cap="flat" cmpd="sng" algn="ctr">
-                      <a:solidFill>
-                        <a:srgbClr val="000000"/>
-                      </a:solidFill>
-                      <a:prstDash val="solid"/>
-                      <a:round/>
-                      <a:headEnd type="none" w="med" len="med"/>
-                      <a:tailEnd type="none" w="med" len="med"/>
-                    </a:lnR>
-                    <a:lnT w="12700" cap="flat" cmpd="sng" algn="ctr">
-                      <a:solidFill>
-                        <a:srgbClr val="000000"/>
-                      </a:solidFill>
-                      <a:prstDash val="solid"/>
-                      <a:round/>
-                      <a:headEnd type="none" w="med" len="med"/>
-                      <a:tailEnd type="none" w="med" len="med"/>
-                    </a:lnT>
-                    <a:lnB w="6350" cap="flat" cmpd="sng" algn="ctr">
-                      <a:solidFill>
-                        <a:srgbClr val="000000"/>
-                      </a:solidFill>
-                      <a:prstDash val="solid"/>
-                      <a:round/>
-                      <a:headEnd type="none" w="med" len="med"/>
-                      <a:tailEnd type="none" w="med" len="med"/>
-                    </a:lnB>
-                  </a:tcPr>
-                </a:tc>
-                <a:tc>
-                  <a:txBody>
-                    <a:bodyPr/>
-                    <a:lstStyle/>
-                    <a:p>
-                      <a:pPr algn="ctr" fontAlgn="b"/>
-                      <a:endParaRPr lang="es-CR" sz="1400" b="0" i="0" u="none" strike="noStrike">
-                        <a:solidFill>
-                          <a:srgbClr val="000000"/>
-                        </a:solidFill>
-                        <a:effectLst/>
-                        <a:latin typeface="Calibri" panose="020F0502020204030204" pitchFamily="34" charset="0"/>
-                      </a:endParaRPr>
-                    </a:p>
-                  </a:txBody>
-                  <a:tcPr marL="9525" marR="9525" marT="9525" marB="0" anchor="b">
-                    <a:lnL w="12700" cap="flat" cmpd="sng" algn="ctr">
-                      <a:solidFill>
-                        <a:srgbClr val="000000"/>
-                      </a:solidFill>
-                      <a:prstDash val="solid"/>
-                      <a:round/>
-                      <a:headEnd type="none" w="med" len="med"/>
-                      <a:tailEnd type="none" w="med" len="med"/>
-                    </a:lnL>
-                    <a:lnR>
-                      <a:noFill/>
-                    </a:lnR>
-                    <a:lnT>
-                      <a:noFill/>
-                    </a:lnT>
-                    <a:lnB>
-                      <a:noFill/>
-                    </a:lnB>
-                  </a:tcPr>
-                </a:tc>
-                <a:tc>
-                  <a:txBody>
-                    <a:bodyPr/>
-                    <a:lstStyle/>
-                    <a:p>
-                      <a:pPr algn="ctr" fontAlgn="b"/>
-                      <a:endParaRPr lang="es-CR" sz="1400" b="0" i="0" u="none" strike="noStrike">
-                        <a:solidFill>
-                          <a:srgbClr val="000000"/>
-                        </a:solidFill>
-                        <a:effectLst/>
-                        <a:latin typeface="Calibri" panose="020F0502020204030204" pitchFamily="34" charset="0"/>
-                      </a:endParaRPr>
-                    </a:p>
-                  </a:txBody>
-                  <a:tcPr marL="9525" marR="9525" marT="9525" marB="0" anchor="b">
-                    <a:lnL>
-                      <a:noFill/>
-                    </a:lnL>
-                    <a:lnR w="12700" cap="flat" cmpd="sng" algn="ctr">
-                      <a:solidFill>
-                        <a:srgbClr val="000000"/>
-                      </a:solidFill>
-                      <a:prstDash val="solid"/>
-                      <a:round/>
-                      <a:headEnd type="none" w="med" len="med"/>
-                      <a:tailEnd type="none" w="med" len="med"/>
-                    </a:lnR>
-                    <a:lnT>
-                      <a:noFill/>
-                    </a:lnT>
-                    <a:lnB>
-                      <a:noFill/>
-                    </a:lnB>
-                  </a:tcPr>
-                </a:tc>
-                <a:tc>
-                  <a:txBody>
-                    <a:bodyPr/>
-                    <a:lstStyle/>
-                    <a:p>
-                      <a:pPr algn="ctr" fontAlgn="b"/>
-                      <a:r>
-                        <a:rPr lang="es-CR" sz="1400" b="1" i="0" u="none" strike="noStrike">
-                          <a:solidFill>
-                            <a:srgbClr val="99FF33"/>
-                          </a:solidFill>
-                          <a:effectLst/>
-                          <a:latin typeface="Calibri" panose="020F0502020204030204" pitchFamily="34" charset="0"/>
-                        </a:rPr>
-                        <a:t>DíaDelMes</a:t>
-                      </a:r>
-                    </a:p>
-                  </a:txBody>
-                  <a:tcPr marL="9525" marR="9525" marT="9525" marB="0" anchor="b">
-                    <a:lnL w="12700" cap="flat" cmpd="sng" algn="ctr">
-                      <a:solidFill>
-                        <a:srgbClr val="000000"/>
-                      </a:solidFill>
-                      <a:prstDash val="solid"/>
-                      <a:round/>
-                      <a:headEnd type="none" w="med" len="med"/>
-                      <a:tailEnd type="none" w="med" len="med"/>
-                    </a:lnL>
-                    <a:lnR w="12700" cap="flat" cmpd="sng" algn="ctr">
-                      <a:solidFill>
-                        <a:srgbClr val="000000"/>
-                      </a:solidFill>
-                      <a:prstDash val="solid"/>
-                      <a:round/>
-                      <a:headEnd type="none" w="med" len="med"/>
-                      <a:tailEnd type="none" w="med" len="med"/>
-                    </a:lnR>
-                    <a:lnT w="6350" cap="flat" cmpd="sng" algn="ctr">
-                      <a:solidFill>
-                        <a:srgbClr val="000000"/>
-                      </a:solidFill>
-                      <a:prstDash val="solid"/>
-                      <a:round/>
-                      <a:headEnd type="none" w="med" len="med"/>
-                      <a:tailEnd type="none" w="med" len="med"/>
-                    </a:lnT>
-                    <a:lnB w="6350" cap="flat" cmpd="sng" algn="ctr">
-                      <a:solidFill>
-                        <a:srgbClr val="000000"/>
-                      </a:solidFill>
-                      <a:prstDash val="solid"/>
-                      <a:round/>
-                      <a:headEnd type="none" w="med" len="med"/>
-                      <a:tailEnd type="none" w="med" len="med"/>
-                    </a:lnB>
-                    <a:solidFill>
-                      <a:srgbClr val="A6A6A6"/>
-                    </a:solidFill>
-                  </a:tcPr>
-                </a:tc>
-                <a:tc>
-                  <a:txBody>
-                    <a:bodyPr/>
-                    <a:lstStyle/>
-                    <a:p>
-                      <a:pPr algn="ctr" fontAlgn="b"/>
-                      <a:r>
-                        <a:rPr lang="es-CR" sz="1400" b="0" i="0" u="none" strike="noStrike" dirty="0">
-                          <a:solidFill>
-                            <a:srgbClr val="99FF33"/>
-                          </a:solidFill>
-                          <a:effectLst/>
-                          <a:latin typeface="Calibri" panose="020F0502020204030204" pitchFamily="34" charset="0"/>
-                        </a:rPr>
-                        <a:t>Domingo</a:t>
-                      </a:r>
-                    </a:p>
-                  </a:txBody>
-                  <a:tcPr marL="9525" marR="9525" marT="9525" marB="0" anchor="b">
-                    <a:lnL w="12700" cap="flat" cmpd="sng" algn="ctr">
-                      <a:solidFill>
-                        <a:srgbClr val="000000"/>
-                      </a:solidFill>
-                      <a:prstDash val="solid"/>
-                      <a:round/>
-                      <a:headEnd type="none" w="med" len="med"/>
-                      <a:tailEnd type="none" w="med" len="med"/>
-                    </a:lnL>
-                    <a:lnR w="6350" cap="flat" cmpd="sng" algn="ctr">
-                      <a:solidFill>
-                        <a:srgbClr val="000000"/>
-                      </a:solidFill>
-                      <a:prstDash val="solid"/>
-                      <a:round/>
-                      <a:headEnd type="none" w="med" len="med"/>
-                      <a:tailEnd type="none" w="med" len="med"/>
-                    </a:lnR>
-                    <a:lnT w="6350" cap="flat" cmpd="sng" algn="ctr">
-                      <a:solidFill>
-                        <a:srgbClr val="000000"/>
-                      </a:solidFill>
-                      <a:prstDash val="solid"/>
-                      <a:round/>
-                      <a:headEnd type="none" w="med" len="med"/>
-                      <a:tailEnd type="none" w="med" len="med"/>
-                    </a:lnT>
-                    <a:lnB w="6350" cap="flat" cmpd="sng" algn="ctr">
-                      <a:solidFill>
-                        <a:srgbClr val="000000"/>
-                      </a:solidFill>
-                      <a:prstDash val="solid"/>
-                      <a:round/>
-                      <a:headEnd type="none" w="med" len="med"/>
-                      <a:tailEnd type="none" w="med" len="med"/>
-                    </a:lnB>
-                  </a:tcPr>
-                </a:tc>
-                <a:tc>
-                  <a:txBody>
-                    <a:bodyPr/>
-                    <a:lstStyle/>
-                    <a:p>
-                      <a:pPr algn="ctr" fontAlgn="b"/>
-                      <a:r>
-                        <a:rPr lang="es-CR" sz="1400" b="0" i="0" u="none" strike="noStrike" dirty="0">
-                          <a:solidFill>
-                            <a:srgbClr val="99FF33"/>
-                          </a:solidFill>
-                          <a:effectLst/>
-                          <a:latin typeface="Calibri" panose="020F0502020204030204" pitchFamily="34" charset="0"/>
-                        </a:rPr>
-                        <a:t>Lunes</a:t>
-                      </a:r>
-                    </a:p>
-                  </a:txBody>
-                  <a:tcPr marL="9525" marR="9525" marT="9525" marB="0" anchor="b">
-                    <a:lnL w="6350" cap="flat" cmpd="sng" algn="ctr">
-                      <a:solidFill>
-                        <a:srgbClr val="000000"/>
-                      </a:solidFill>
-                      <a:prstDash val="solid"/>
-                      <a:round/>
-                      <a:headEnd type="none" w="med" len="med"/>
-                      <a:tailEnd type="none" w="med" len="med"/>
-                    </a:lnL>
-                    <a:lnR w="6350" cap="flat" cmpd="sng" algn="ctr">
-                      <a:solidFill>
-                        <a:srgbClr val="000000"/>
-                      </a:solidFill>
-                      <a:prstDash val="solid"/>
-                      <a:round/>
-                      <a:headEnd type="none" w="med" len="med"/>
-                      <a:tailEnd type="none" w="med" len="med"/>
-                    </a:lnR>
-                    <a:lnT w="6350" cap="flat" cmpd="sng" algn="ctr">
-                      <a:solidFill>
-                        <a:srgbClr val="000000"/>
-                      </a:solidFill>
-                      <a:prstDash val="solid"/>
-                      <a:round/>
-                      <a:headEnd type="none" w="med" len="med"/>
-                      <a:tailEnd type="none" w="med" len="med"/>
-                    </a:lnT>
-                    <a:lnB w="6350" cap="flat" cmpd="sng" algn="ctr">
-                      <a:solidFill>
-                        <a:srgbClr val="000000"/>
-                      </a:solidFill>
-                      <a:prstDash val="solid"/>
-                      <a:round/>
-                      <a:headEnd type="none" w="med" len="med"/>
-                      <a:tailEnd type="none" w="med" len="med"/>
-                    </a:lnB>
-                  </a:tcPr>
-                </a:tc>
-                <a:tc>
-                  <a:txBody>
-                    <a:bodyPr/>
-                    <a:lstStyle/>
-                    <a:p>
-                      <a:pPr algn="ctr" fontAlgn="b"/>
-                      <a:r>
-                        <a:rPr lang="es-CR" sz="1100" b="0" i="0" u="none" strike="noStrike" dirty="0">
-                          <a:solidFill>
-                            <a:srgbClr val="99FF33"/>
-                          </a:solidFill>
-                          <a:effectLst/>
-                          <a:latin typeface="Calibri" panose="020F0502020204030204" pitchFamily="34" charset="0"/>
-                        </a:rPr>
-                        <a:t>Martes</a:t>
-                      </a:r>
-                    </a:p>
-                  </a:txBody>
-                  <a:tcPr marL="9525" marR="9525" marT="9525" marB="0" anchor="b">
-                    <a:lnL w="6350" cap="flat" cmpd="sng" algn="ctr">
-                      <a:solidFill>
-                        <a:srgbClr val="000000"/>
-                      </a:solidFill>
-                      <a:prstDash val="solid"/>
-                      <a:round/>
-                      <a:headEnd type="none" w="med" len="med"/>
-                      <a:tailEnd type="none" w="med" len="med"/>
-                    </a:lnL>
-                    <a:lnR w="6350" cap="flat" cmpd="sng" algn="ctr">
-                      <a:solidFill>
-                        <a:srgbClr val="000000"/>
-                      </a:solidFill>
-                      <a:prstDash val="solid"/>
-                      <a:round/>
-                      <a:headEnd type="none" w="med" len="med"/>
-                      <a:tailEnd type="none" w="med" len="med"/>
-                    </a:lnR>
-                    <a:lnT w="6350" cap="flat" cmpd="sng" algn="ctr">
-                      <a:solidFill>
-                        <a:srgbClr val="000000"/>
-                      </a:solidFill>
-                      <a:prstDash val="solid"/>
-                      <a:round/>
-                      <a:headEnd type="none" w="med" len="med"/>
-                      <a:tailEnd type="none" w="med" len="med"/>
-                    </a:lnT>
-                    <a:lnB w="6350" cap="flat" cmpd="sng" algn="ctr">
-                      <a:solidFill>
-                        <a:srgbClr val="000000"/>
-                      </a:solidFill>
-                      <a:prstDash val="solid"/>
-                      <a:round/>
-                      <a:headEnd type="none" w="med" len="med"/>
-                      <a:tailEnd type="none" w="med" len="med"/>
-                    </a:lnB>
-                  </a:tcPr>
-                </a:tc>
-                <a:tc>
-                  <a:txBody>
-                    <a:bodyPr/>
-                    <a:lstStyle/>
-                    <a:p>
-                      <a:pPr algn="ctr" fontAlgn="b"/>
-                      <a:r>
-                        <a:rPr lang="es-CR" sz="1100" b="0" i="0" u="none" strike="noStrike" dirty="0">
-                          <a:solidFill>
-                            <a:srgbClr val="99FF33"/>
-                          </a:solidFill>
-                          <a:effectLst/>
-                          <a:latin typeface="Calibri" panose="020F0502020204030204" pitchFamily="34" charset="0"/>
-                        </a:rPr>
-                        <a:t>Miércoles</a:t>
-                      </a:r>
-                    </a:p>
-                  </a:txBody>
-                  <a:tcPr marL="9525" marR="9525" marT="9525" marB="0" anchor="b">
-                    <a:lnL w="6350" cap="flat" cmpd="sng" algn="ctr">
-                      <a:solidFill>
-                        <a:srgbClr val="000000"/>
-                      </a:solidFill>
-                      <a:prstDash val="solid"/>
-                      <a:round/>
-                      <a:headEnd type="none" w="med" len="med"/>
-                      <a:tailEnd type="none" w="med" len="med"/>
-                    </a:lnL>
-                    <a:lnR w="12700" cap="flat" cmpd="sng" algn="ctr">
-                      <a:solidFill>
-                        <a:srgbClr val="000000"/>
-                      </a:solidFill>
-                      <a:prstDash val="solid"/>
-                      <a:round/>
-                      <a:headEnd type="none" w="med" len="med"/>
-                      <a:tailEnd type="none" w="med" len="med"/>
-                    </a:lnR>
-                    <a:lnT w="6350" cap="flat" cmpd="sng" algn="ctr">
-                      <a:solidFill>
-                        <a:srgbClr val="000000"/>
-                      </a:solidFill>
-                      <a:prstDash val="solid"/>
-                      <a:round/>
-                      <a:headEnd type="none" w="med" len="med"/>
-                      <a:tailEnd type="none" w="med" len="med"/>
-                    </a:lnT>
-                    <a:lnB w="6350" cap="flat" cmpd="sng" algn="ctr">
-                      <a:solidFill>
-                        <a:srgbClr val="000000"/>
-                      </a:solidFill>
-                      <a:prstDash val="solid"/>
-                      <a:round/>
-                      <a:headEnd type="none" w="med" len="med"/>
-                      <a:tailEnd type="none" w="med" len="med"/>
-                    </a:lnB>
-                  </a:tcPr>
-                </a:tc>
-                <a:extLst>
-                  <a:ext uri="{0D108BD9-81ED-4DB2-BD59-A6C34878D82A}">
-                    <a16:rowId xmlns:a16="http://schemas.microsoft.com/office/drawing/2014/main" val="1113834509"/>
-                  </a:ext>
-                </a:extLst>
-              </a:tr>
-              <a:tr h="224324">
-                <a:tc>
-                  <a:txBody>
-                    <a:bodyPr/>
-                    <a:lstStyle/>
-                    <a:p>
-                      <a:pPr algn="ctr" fontAlgn="b"/>
-                      <a:r>
-                        <a:rPr lang="es-CR" sz="1400" b="0" i="0" u="none" strike="noStrike">
-                          <a:solidFill>
-                            <a:srgbClr val="99FF33"/>
-                          </a:solidFill>
-                          <a:effectLst/>
-                          <a:latin typeface="Calibri" panose="020F0502020204030204" pitchFamily="34" charset="0"/>
-                        </a:rPr>
-                        <a:t>Enero</a:t>
-                      </a:r>
-                    </a:p>
-                  </a:txBody>
-                  <a:tcPr marL="9525" marR="9525" marT="9525" marB="0" anchor="b">
-                    <a:lnL w="12700" cap="flat" cmpd="sng" algn="ctr">
-                      <a:solidFill>
-                        <a:srgbClr val="000000"/>
-                      </a:solidFill>
-                      <a:prstDash val="solid"/>
-                      <a:round/>
-                      <a:headEnd type="none" w="med" len="med"/>
-                      <a:tailEnd type="none" w="med" len="med"/>
-                    </a:lnL>
-                    <a:lnR w="6350" cap="flat" cmpd="sng" algn="ctr">
-                      <a:solidFill>
-                        <a:srgbClr val="000000"/>
-                      </a:solidFill>
-                      <a:prstDash val="solid"/>
-                      <a:round/>
-                      <a:headEnd type="none" w="med" len="med"/>
-                      <a:tailEnd type="none" w="med" len="med"/>
-                    </a:lnR>
-                    <a:lnT w="6350" cap="flat" cmpd="sng" algn="ctr">
-                      <a:solidFill>
-                        <a:srgbClr val="000000"/>
-                      </a:solidFill>
-                      <a:prstDash val="solid"/>
-                      <a:round/>
-                      <a:headEnd type="none" w="med" len="med"/>
-                      <a:tailEnd type="none" w="med" len="med"/>
-                    </a:lnT>
-                    <a:lnB w="6350" cap="flat" cmpd="sng" algn="ctr">
-                      <a:solidFill>
-                        <a:srgbClr val="000000"/>
-                      </a:solidFill>
-                      <a:prstDash val="solid"/>
-                      <a:round/>
-                      <a:headEnd type="none" w="med" len="med"/>
-                      <a:tailEnd type="none" w="med" len="med"/>
-                    </a:lnB>
-                  </a:tcPr>
-                </a:tc>
-                <a:tc>
-                  <a:txBody>
-                    <a:bodyPr/>
-                    <a:lstStyle/>
-                    <a:p>
-                      <a:pPr algn="ctr" fontAlgn="b"/>
-                      <a:r>
-                        <a:rPr lang="es-CR" sz="1400" b="0" i="0" u="none" strike="noStrike" dirty="0">
-                          <a:solidFill>
-                            <a:srgbClr val="99FF33"/>
-                          </a:solidFill>
-                          <a:effectLst/>
-                          <a:latin typeface="Calibri" panose="020F0502020204030204" pitchFamily="34" charset="0"/>
-                        </a:rPr>
-                        <a:t>Lunes</a:t>
-                      </a:r>
-                    </a:p>
-                  </a:txBody>
-                  <a:tcPr marL="9525" marR="9525" marT="9525" marB="0" anchor="b">
-                    <a:lnL w="6350" cap="flat" cmpd="sng" algn="ctr">
-                      <a:solidFill>
-                        <a:srgbClr val="000000"/>
-                      </a:solidFill>
-                      <a:prstDash val="solid"/>
-                      <a:round/>
-                      <a:headEnd type="none" w="med" len="med"/>
-                      <a:tailEnd type="none" w="med" len="med"/>
-                    </a:lnL>
-                    <a:lnR w="6350" cap="flat" cmpd="sng" algn="ctr">
-                      <a:solidFill>
-                        <a:srgbClr val="000000"/>
-                      </a:solidFill>
-                      <a:prstDash val="solid"/>
-                      <a:round/>
-                      <a:headEnd type="none" w="med" len="med"/>
-                      <a:tailEnd type="none" w="med" len="med"/>
-                    </a:lnR>
-                    <a:lnT w="6350" cap="flat" cmpd="sng" algn="ctr">
-                      <a:solidFill>
-                        <a:srgbClr val="000000"/>
-                      </a:solidFill>
-                      <a:prstDash val="solid"/>
-                      <a:round/>
-                      <a:headEnd type="none" w="med" len="med"/>
-                      <a:tailEnd type="none" w="med" len="med"/>
-                    </a:lnT>
-                    <a:lnB w="6350" cap="flat" cmpd="sng" algn="ctr">
-                      <a:solidFill>
-                        <a:srgbClr val="000000"/>
-                      </a:solidFill>
-                      <a:prstDash val="solid"/>
-                      <a:round/>
-                      <a:headEnd type="none" w="med" len="med"/>
-                      <a:tailEnd type="none" w="med" len="med"/>
-                    </a:lnB>
-                  </a:tcPr>
-                </a:tc>
-                <a:tc>
-                  <a:txBody>
-                    <a:bodyPr/>
-                    <a:lstStyle/>
-                    <a:p>
-                      <a:pPr algn="ctr" fontAlgn="b"/>
-                      <a:r>
-                        <a:rPr lang="es-CR" sz="1400" b="0" i="0" u="none" strike="noStrike" dirty="0">
-                          <a:solidFill>
-                            <a:srgbClr val="99FF33"/>
-                          </a:solidFill>
-                          <a:effectLst/>
-                          <a:latin typeface="Calibri" panose="020F0502020204030204" pitchFamily="34" charset="0"/>
-                        </a:rPr>
-                        <a:t>100</a:t>
-                      </a:r>
-                    </a:p>
-                  </a:txBody>
-                  <a:tcPr marL="9525" marR="9525" marT="9525" marB="0" anchor="b">
-                    <a:lnL w="6350" cap="flat" cmpd="sng" algn="ctr">
-                      <a:solidFill>
-                        <a:srgbClr val="000000"/>
-                      </a:solidFill>
-                      <a:prstDash val="solid"/>
-                      <a:round/>
-                      <a:headEnd type="none" w="med" len="med"/>
-                      <a:tailEnd type="none" w="med" len="med"/>
-                    </a:lnL>
-                    <a:lnR w="12700" cap="flat" cmpd="sng" algn="ctr">
-                      <a:solidFill>
-                        <a:srgbClr val="000000"/>
-                      </a:solidFill>
-                      <a:prstDash val="solid"/>
-                      <a:round/>
-                      <a:headEnd type="none" w="med" len="med"/>
-                      <a:tailEnd type="none" w="med" len="med"/>
-                    </a:lnR>
-                    <a:lnT w="6350" cap="flat" cmpd="sng" algn="ctr">
-                      <a:solidFill>
-                        <a:srgbClr val="000000"/>
-                      </a:solidFill>
-                      <a:prstDash val="solid"/>
-                      <a:round/>
-                      <a:headEnd type="none" w="med" len="med"/>
-                      <a:tailEnd type="none" w="med" len="med"/>
-                    </a:lnT>
-                    <a:lnB w="6350" cap="flat" cmpd="sng" algn="ctr">
-                      <a:solidFill>
-                        <a:srgbClr val="000000"/>
-                      </a:solidFill>
-                      <a:prstDash val="solid"/>
-                      <a:round/>
-                      <a:headEnd type="none" w="med" len="med"/>
-                      <a:tailEnd type="none" w="med" len="med"/>
-                    </a:lnB>
-                  </a:tcPr>
-                </a:tc>
-                <a:tc>
-                  <a:txBody>
-                    <a:bodyPr/>
-                    <a:lstStyle/>
-                    <a:p>
-                      <a:pPr algn="ctr" fontAlgn="b"/>
-                      <a:endParaRPr lang="es-CR" sz="1400" b="0" i="0" u="none" strike="noStrike">
-                        <a:solidFill>
-                          <a:srgbClr val="000000"/>
-                        </a:solidFill>
-                        <a:effectLst/>
-                        <a:latin typeface="Calibri" panose="020F0502020204030204" pitchFamily="34" charset="0"/>
-                      </a:endParaRPr>
-                    </a:p>
-                  </a:txBody>
-                  <a:tcPr marL="9525" marR="9525" marT="9525" marB="0" anchor="b">
-                    <a:lnL w="12700" cap="flat" cmpd="sng" algn="ctr">
-                      <a:solidFill>
-                        <a:srgbClr val="000000"/>
-                      </a:solidFill>
-                      <a:prstDash val="solid"/>
-                      <a:round/>
-                      <a:headEnd type="none" w="med" len="med"/>
-                      <a:tailEnd type="none" w="med" len="med"/>
-                    </a:lnL>
-                    <a:lnR>
-                      <a:noFill/>
-                    </a:lnR>
-                    <a:lnT>
-                      <a:noFill/>
-                    </a:lnT>
-                    <a:lnB>
-                      <a:noFill/>
-                    </a:lnB>
-                  </a:tcPr>
-                </a:tc>
-                <a:tc>
-                  <a:txBody>
-                    <a:bodyPr/>
-                    <a:lstStyle/>
-                    <a:p>
-                      <a:pPr algn="ctr" fontAlgn="b"/>
-                      <a:endParaRPr lang="es-CR" sz="1400" b="0" i="0" u="none" strike="noStrike">
-                        <a:solidFill>
-                          <a:srgbClr val="000000"/>
-                        </a:solidFill>
-                        <a:effectLst/>
-                        <a:latin typeface="Calibri" panose="020F0502020204030204" pitchFamily="34" charset="0"/>
-                      </a:endParaRPr>
-                    </a:p>
-                  </a:txBody>
-                  <a:tcPr marL="9525" marR="9525" marT="9525" marB="0" anchor="b">
-                    <a:lnL>
-                      <a:noFill/>
-                    </a:lnL>
-                    <a:lnR w="12700" cap="flat" cmpd="sng" algn="ctr">
-                      <a:solidFill>
-                        <a:srgbClr val="000000"/>
-                      </a:solidFill>
-                      <a:prstDash val="solid"/>
-                      <a:round/>
-                      <a:headEnd type="none" w="med" len="med"/>
-                      <a:tailEnd type="none" w="med" len="med"/>
-                    </a:lnR>
-                    <a:lnT>
-                      <a:noFill/>
-                    </a:lnT>
-                    <a:lnB>
-                      <a:noFill/>
-                    </a:lnB>
-                  </a:tcPr>
-                </a:tc>
-                <a:tc>
-                  <a:txBody>
-                    <a:bodyPr/>
-                    <a:lstStyle/>
-                    <a:p>
-                      <a:pPr algn="ctr" fontAlgn="b"/>
-                      <a:r>
-                        <a:rPr lang="es-CR" sz="1400" b="1" i="0" u="none" strike="noStrike">
-                          <a:solidFill>
-                            <a:srgbClr val="99FF33"/>
-                          </a:solidFill>
-                          <a:effectLst/>
-                          <a:latin typeface="Calibri" panose="020F0502020204030204" pitchFamily="34" charset="0"/>
-                        </a:rPr>
-                        <a:t>Gastos</a:t>
-                      </a:r>
-                    </a:p>
-                  </a:txBody>
-                  <a:tcPr marL="9525" marR="9525" marT="9525" marB="0" anchor="b">
-                    <a:lnL w="12700" cap="flat" cmpd="sng" algn="ctr">
-                      <a:solidFill>
-                        <a:srgbClr val="000000"/>
-                      </a:solidFill>
-                      <a:prstDash val="solid"/>
-                      <a:round/>
-                      <a:headEnd type="none" w="med" len="med"/>
-                      <a:tailEnd type="none" w="med" len="med"/>
-                    </a:lnL>
-                    <a:lnR w="12700" cap="flat" cmpd="sng" algn="ctr">
-                      <a:solidFill>
-                        <a:srgbClr val="000000"/>
-                      </a:solidFill>
-                      <a:prstDash val="solid"/>
-                      <a:round/>
-                      <a:headEnd type="none" w="med" len="med"/>
-                      <a:tailEnd type="none" w="med" len="med"/>
-                    </a:lnR>
-                    <a:lnT w="6350" cap="flat" cmpd="sng" algn="ctr">
-                      <a:solidFill>
-                        <a:srgbClr val="000000"/>
-                      </a:solidFill>
-                      <a:prstDash val="solid"/>
-                      <a:round/>
-                      <a:headEnd type="none" w="med" len="med"/>
-                      <a:tailEnd type="none" w="med" len="med"/>
-                    </a:lnT>
-                    <a:lnB w="12700" cap="flat" cmpd="sng" algn="ctr">
-                      <a:solidFill>
-                        <a:srgbClr val="000000"/>
-                      </a:solidFill>
-                      <a:prstDash val="solid"/>
-                      <a:round/>
-                      <a:headEnd type="none" w="med" len="med"/>
-                      <a:tailEnd type="none" w="med" len="med"/>
-                    </a:lnB>
-                    <a:solidFill>
-                      <a:srgbClr val="A6A6A6"/>
-                    </a:solidFill>
-                  </a:tcPr>
-                </a:tc>
-                <a:tc>
-                  <a:txBody>
-                    <a:bodyPr/>
-                    <a:lstStyle/>
-                    <a:p>
-                      <a:pPr algn="ctr" fontAlgn="b"/>
-                      <a:r>
-                        <a:rPr lang="es-CR" sz="1400" b="0" i="0" u="none" strike="noStrike">
-                          <a:solidFill>
-                            <a:srgbClr val="99FF33"/>
-                          </a:solidFill>
-                          <a:effectLst/>
-                          <a:latin typeface="Calibri" panose="020F0502020204030204" pitchFamily="34" charset="0"/>
-                        </a:rPr>
-                        <a:t>200</a:t>
-                      </a:r>
-                    </a:p>
-                  </a:txBody>
-                  <a:tcPr marL="9525" marR="9525" marT="9525" marB="0" anchor="b">
-                    <a:lnL w="12700" cap="flat" cmpd="sng" algn="ctr">
-                      <a:solidFill>
-                        <a:srgbClr val="000000"/>
-                      </a:solidFill>
-                      <a:prstDash val="solid"/>
-                      <a:round/>
-                      <a:headEnd type="none" w="med" len="med"/>
-                      <a:tailEnd type="none" w="med" len="med"/>
-                    </a:lnL>
-                    <a:lnR w="6350" cap="flat" cmpd="sng" algn="ctr">
-                      <a:solidFill>
-                        <a:srgbClr val="000000"/>
-                      </a:solidFill>
-                      <a:prstDash val="solid"/>
-                      <a:round/>
-                      <a:headEnd type="none" w="med" len="med"/>
-                      <a:tailEnd type="none" w="med" len="med"/>
-                    </a:lnR>
-                    <a:lnT w="6350" cap="flat" cmpd="sng" algn="ctr">
-                      <a:solidFill>
-                        <a:srgbClr val="000000"/>
-                      </a:solidFill>
-                      <a:prstDash val="solid"/>
-                      <a:round/>
-                      <a:headEnd type="none" w="med" len="med"/>
-                      <a:tailEnd type="none" w="med" len="med"/>
-                    </a:lnT>
-                    <a:lnB w="12700" cap="flat" cmpd="sng" algn="ctr">
-                      <a:solidFill>
-                        <a:srgbClr val="000000"/>
-                      </a:solidFill>
-                      <a:prstDash val="solid"/>
-                      <a:round/>
-                      <a:headEnd type="none" w="med" len="med"/>
-                      <a:tailEnd type="none" w="med" len="med"/>
-                    </a:lnB>
-                  </a:tcPr>
-                </a:tc>
-                <a:tc>
-                  <a:txBody>
-                    <a:bodyPr/>
-                    <a:lstStyle/>
-                    <a:p>
-                      <a:pPr algn="ctr" fontAlgn="b"/>
-                      <a:r>
-                        <a:rPr lang="es-CR" sz="1400" b="0" i="0" u="none" strike="noStrike" dirty="0">
-                          <a:solidFill>
-                            <a:srgbClr val="99FF33"/>
-                          </a:solidFill>
-                          <a:effectLst/>
-                          <a:latin typeface="Calibri" panose="020F0502020204030204" pitchFamily="34" charset="0"/>
-                        </a:rPr>
-                        <a:t>100</a:t>
-                      </a:r>
-                    </a:p>
-                  </a:txBody>
-                  <a:tcPr marL="9525" marR="9525" marT="9525" marB="0" anchor="b">
-                    <a:lnL w="6350" cap="flat" cmpd="sng" algn="ctr">
-                      <a:solidFill>
-                        <a:srgbClr val="000000"/>
-                      </a:solidFill>
-                      <a:prstDash val="solid"/>
-                      <a:round/>
-                      <a:headEnd type="none" w="med" len="med"/>
-                      <a:tailEnd type="none" w="med" len="med"/>
-                    </a:lnL>
-                    <a:lnR w="6350" cap="flat" cmpd="sng" algn="ctr">
-                      <a:solidFill>
-                        <a:srgbClr val="000000"/>
-                      </a:solidFill>
-                      <a:prstDash val="solid"/>
-                      <a:round/>
-                      <a:headEnd type="none" w="med" len="med"/>
-                      <a:tailEnd type="none" w="med" len="med"/>
-                    </a:lnR>
-                    <a:lnT w="6350" cap="flat" cmpd="sng" algn="ctr">
-                      <a:solidFill>
-                        <a:srgbClr val="000000"/>
-                      </a:solidFill>
-                      <a:prstDash val="solid"/>
-                      <a:round/>
-                      <a:headEnd type="none" w="med" len="med"/>
-                      <a:tailEnd type="none" w="med" len="med"/>
-                    </a:lnT>
-                    <a:lnB w="12700" cap="flat" cmpd="sng" algn="ctr">
-                      <a:solidFill>
-                        <a:srgbClr val="000000"/>
-                      </a:solidFill>
-                      <a:prstDash val="solid"/>
-                      <a:round/>
-                      <a:headEnd type="none" w="med" len="med"/>
-                      <a:tailEnd type="none" w="med" len="med"/>
-                    </a:lnB>
-                  </a:tcPr>
-                </a:tc>
-                <a:tc>
-                  <a:txBody>
-                    <a:bodyPr/>
-                    <a:lstStyle/>
-                    <a:p>
-                      <a:pPr algn="ctr" fontAlgn="b"/>
-                      <a:r>
-                        <a:rPr lang="es-CR" sz="1100" b="0" i="0" u="none" strike="noStrike" dirty="0">
-                          <a:solidFill>
-                            <a:srgbClr val="99FF33"/>
-                          </a:solidFill>
-                          <a:effectLst/>
-                          <a:latin typeface="Calibri" panose="020F0502020204030204" pitchFamily="34" charset="0"/>
-                        </a:rPr>
-                        <a:t>123</a:t>
-                      </a:r>
-                    </a:p>
-                  </a:txBody>
-                  <a:tcPr marL="9525" marR="9525" marT="9525" marB="0" anchor="b">
-                    <a:lnL w="6350" cap="flat" cmpd="sng" algn="ctr">
-                      <a:solidFill>
-                        <a:srgbClr val="000000"/>
-                      </a:solidFill>
-                      <a:prstDash val="solid"/>
-                      <a:round/>
-                      <a:headEnd type="none" w="med" len="med"/>
-                      <a:tailEnd type="none" w="med" len="med"/>
-                    </a:lnL>
-                    <a:lnR w="6350" cap="flat" cmpd="sng" algn="ctr">
-                      <a:solidFill>
-                        <a:srgbClr val="000000"/>
-                      </a:solidFill>
-                      <a:prstDash val="solid"/>
-                      <a:round/>
-                      <a:headEnd type="none" w="med" len="med"/>
-                      <a:tailEnd type="none" w="med" len="med"/>
-                    </a:lnR>
-                    <a:lnT w="6350" cap="flat" cmpd="sng" algn="ctr">
-                      <a:solidFill>
-                        <a:srgbClr val="000000"/>
-                      </a:solidFill>
-                      <a:prstDash val="solid"/>
-                      <a:round/>
-                      <a:headEnd type="none" w="med" len="med"/>
-                      <a:tailEnd type="none" w="med" len="med"/>
-                    </a:lnT>
-                    <a:lnB w="12700" cap="flat" cmpd="sng" algn="ctr">
-                      <a:solidFill>
-                        <a:srgbClr val="000000"/>
-                      </a:solidFill>
-                      <a:prstDash val="solid"/>
-                      <a:round/>
-                      <a:headEnd type="none" w="med" len="med"/>
-                      <a:tailEnd type="none" w="med" len="med"/>
-                    </a:lnB>
-                  </a:tcPr>
-                </a:tc>
-                <a:tc>
-                  <a:txBody>
-                    <a:bodyPr/>
-                    <a:lstStyle/>
-                    <a:p>
-                      <a:pPr algn="ctr" fontAlgn="b"/>
-                      <a:r>
-                        <a:rPr lang="es-CR" sz="1100" b="0" i="0" u="none" strike="noStrike" dirty="0">
-                          <a:solidFill>
-                            <a:srgbClr val="99FF33"/>
-                          </a:solidFill>
-                          <a:effectLst/>
-                          <a:latin typeface="Calibri" panose="020F0502020204030204" pitchFamily="34" charset="0"/>
-                        </a:rPr>
-                        <a:t>154</a:t>
-                      </a:r>
-                    </a:p>
-                  </a:txBody>
-                  <a:tcPr marL="9525" marR="9525" marT="9525" marB="0" anchor="b">
-                    <a:lnL w="6350" cap="flat" cmpd="sng" algn="ctr">
-                      <a:solidFill>
-                        <a:srgbClr val="000000"/>
-                      </a:solidFill>
-                      <a:prstDash val="solid"/>
-                      <a:round/>
-                      <a:headEnd type="none" w="med" len="med"/>
-                      <a:tailEnd type="none" w="med" len="med"/>
-                    </a:lnL>
-                    <a:lnR w="12700" cap="flat" cmpd="sng" algn="ctr">
-                      <a:solidFill>
-                        <a:srgbClr val="000000"/>
-                      </a:solidFill>
-                      <a:prstDash val="solid"/>
-                      <a:round/>
-                      <a:headEnd type="none" w="med" len="med"/>
-                      <a:tailEnd type="none" w="med" len="med"/>
-                    </a:lnR>
-                    <a:lnT w="6350" cap="flat" cmpd="sng" algn="ctr">
-                      <a:solidFill>
-                        <a:srgbClr val="000000"/>
-                      </a:solidFill>
-                      <a:prstDash val="solid"/>
-                      <a:round/>
-                      <a:headEnd type="none" w="med" len="med"/>
-                      <a:tailEnd type="none" w="med" len="med"/>
-                    </a:lnT>
-                    <a:lnB w="12700" cap="flat" cmpd="sng" algn="ctr">
-                      <a:solidFill>
-                        <a:srgbClr val="000000"/>
-                      </a:solidFill>
-                      <a:prstDash val="solid"/>
-                      <a:round/>
-                      <a:headEnd type="none" w="med" len="med"/>
-                      <a:tailEnd type="none" w="med" len="med"/>
-                    </a:lnB>
-                  </a:tcPr>
-                </a:tc>
-                <a:extLst>
-                  <a:ext uri="{0D108BD9-81ED-4DB2-BD59-A6C34878D82A}">
-                    <a16:rowId xmlns:a16="http://schemas.microsoft.com/office/drawing/2014/main" val="2248917466"/>
-                  </a:ext>
-                </a:extLst>
-              </a:tr>
-              <a:tr h="224324">
-                <a:tc>
-                  <a:txBody>
-                    <a:bodyPr/>
-                    <a:lstStyle/>
-                    <a:p>
-                      <a:pPr algn="ctr" fontAlgn="b"/>
-                      <a:r>
-                        <a:rPr lang="es-CR" sz="1400" b="0" i="0" u="none" strike="noStrike">
-                          <a:solidFill>
-                            <a:srgbClr val="99FF33"/>
-                          </a:solidFill>
-                          <a:effectLst/>
-                          <a:latin typeface="Calibri" panose="020F0502020204030204" pitchFamily="34" charset="0"/>
-                        </a:rPr>
-                        <a:t>Enero</a:t>
-                      </a:r>
-                    </a:p>
-                  </a:txBody>
-                  <a:tcPr marL="9525" marR="9525" marT="9525" marB="0" anchor="b">
-                    <a:lnL w="12700" cap="flat" cmpd="sng" algn="ctr">
-                      <a:solidFill>
-                        <a:srgbClr val="000000"/>
-                      </a:solidFill>
-                      <a:prstDash val="solid"/>
-                      <a:round/>
-                      <a:headEnd type="none" w="med" len="med"/>
-                      <a:tailEnd type="none" w="med" len="med"/>
-                    </a:lnL>
-                    <a:lnR w="6350" cap="flat" cmpd="sng" algn="ctr">
-                      <a:solidFill>
-                        <a:srgbClr val="000000"/>
-                      </a:solidFill>
-                      <a:prstDash val="solid"/>
-                      <a:round/>
-                      <a:headEnd type="none" w="med" len="med"/>
-                      <a:tailEnd type="none" w="med" len="med"/>
-                    </a:lnR>
-                    <a:lnT w="6350" cap="flat" cmpd="sng" algn="ctr">
-                      <a:solidFill>
-                        <a:srgbClr val="000000"/>
-                      </a:solidFill>
-                      <a:prstDash val="solid"/>
-                      <a:round/>
-                      <a:headEnd type="none" w="med" len="med"/>
-                      <a:tailEnd type="none" w="med" len="med"/>
-                    </a:lnT>
-                    <a:lnB w="6350" cap="flat" cmpd="sng" algn="ctr">
-                      <a:solidFill>
-                        <a:srgbClr val="000000"/>
-                      </a:solidFill>
-                      <a:prstDash val="solid"/>
-                      <a:round/>
-                      <a:headEnd type="none" w="med" len="med"/>
-                      <a:tailEnd type="none" w="med" len="med"/>
-                    </a:lnB>
-                  </a:tcPr>
-                </a:tc>
-                <a:tc>
-                  <a:txBody>
-                    <a:bodyPr/>
-                    <a:lstStyle/>
-                    <a:p>
-                      <a:pPr algn="ctr" fontAlgn="b"/>
-                      <a:r>
-                        <a:rPr lang="es-CR" sz="1400" b="0" i="0" u="none" strike="noStrike" dirty="0">
-                          <a:solidFill>
-                            <a:srgbClr val="99FF33"/>
-                          </a:solidFill>
-                          <a:effectLst/>
-                          <a:latin typeface="Calibri" panose="020F0502020204030204" pitchFamily="34" charset="0"/>
-                        </a:rPr>
-                        <a:t>Martes</a:t>
-                      </a:r>
-                    </a:p>
-                  </a:txBody>
-                  <a:tcPr marL="9525" marR="9525" marT="9525" marB="0" anchor="b">
-                    <a:lnL w="6350" cap="flat" cmpd="sng" algn="ctr">
-                      <a:solidFill>
-                        <a:srgbClr val="000000"/>
-                      </a:solidFill>
-                      <a:prstDash val="solid"/>
-                      <a:round/>
-                      <a:headEnd type="none" w="med" len="med"/>
-                      <a:tailEnd type="none" w="med" len="med"/>
-                    </a:lnL>
-                    <a:lnR w="6350" cap="flat" cmpd="sng" algn="ctr">
-                      <a:solidFill>
-                        <a:srgbClr val="000000"/>
-                      </a:solidFill>
-                      <a:prstDash val="solid"/>
-                      <a:round/>
-                      <a:headEnd type="none" w="med" len="med"/>
-                      <a:tailEnd type="none" w="med" len="med"/>
-                    </a:lnR>
-                    <a:lnT w="6350" cap="flat" cmpd="sng" algn="ctr">
-                      <a:solidFill>
-                        <a:srgbClr val="000000"/>
-                      </a:solidFill>
-                      <a:prstDash val="solid"/>
-                      <a:round/>
-                      <a:headEnd type="none" w="med" len="med"/>
-                      <a:tailEnd type="none" w="med" len="med"/>
-                    </a:lnT>
-                    <a:lnB w="6350" cap="flat" cmpd="sng" algn="ctr">
-                      <a:solidFill>
-                        <a:srgbClr val="000000"/>
-                      </a:solidFill>
-                      <a:prstDash val="solid"/>
-                      <a:round/>
-                      <a:headEnd type="none" w="med" len="med"/>
-                      <a:tailEnd type="none" w="med" len="med"/>
-                    </a:lnB>
-                  </a:tcPr>
-                </a:tc>
-                <a:tc>
-                  <a:txBody>
-                    <a:bodyPr/>
-                    <a:lstStyle/>
-                    <a:p>
-                      <a:pPr algn="ctr" fontAlgn="b"/>
-                      <a:r>
-                        <a:rPr lang="es-CR" sz="1400" b="0" i="0" u="none" strike="noStrike" dirty="0">
-                          <a:solidFill>
-                            <a:srgbClr val="99FF33"/>
-                          </a:solidFill>
-                          <a:effectLst/>
-                          <a:latin typeface="Calibri" panose="020F0502020204030204" pitchFamily="34" charset="0"/>
-                        </a:rPr>
-                        <a:t>123</a:t>
-                      </a:r>
-                    </a:p>
-                  </a:txBody>
-                  <a:tcPr marL="9525" marR="9525" marT="9525" marB="0" anchor="b">
-                    <a:lnL w="6350" cap="flat" cmpd="sng" algn="ctr">
-                      <a:solidFill>
-                        <a:srgbClr val="000000"/>
-                      </a:solidFill>
-                      <a:prstDash val="solid"/>
-                      <a:round/>
-                      <a:headEnd type="none" w="med" len="med"/>
-                      <a:tailEnd type="none" w="med" len="med"/>
-                    </a:lnL>
-                    <a:lnR w="12700" cap="flat" cmpd="sng" algn="ctr">
-                      <a:solidFill>
-                        <a:srgbClr val="000000"/>
-                      </a:solidFill>
-                      <a:prstDash val="solid"/>
-                      <a:round/>
-                      <a:headEnd type="none" w="med" len="med"/>
-                      <a:tailEnd type="none" w="med" len="med"/>
-                    </a:lnR>
-                    <a:lnT w="6350" cap="flat" cmpd="sng" algn="ctr">
-                      <a:solidFill>
-                        <a:srgbClr val="000000"/>
-                      </a:solidFill>
-                      <a:prstDash val="solid"/>
-                      <a:round/>
-                      <a:headEnd type="none" w="med" len="med"/>
-                      <a:tailEnd type="none" w="med" len="med"/>
-                    </a:lnT>
-                    <a:lnB w="6350" cap="flat" cmpd="sng" algn="ctr">
-                      <a:solidFill>
-                        <a:srgbClr val="000000"/>
-                      </a:solidFill>
-                      <a:prstDash val="solid"/>
-                      <a:round/>
-                      <a:headEnd type="none" w="med" len="med"/>
-                      <a:tailEnd type="none" w="med" len="med"/>
-                    </a:lnB>
-                  </a:tcPr>
-                </a:tc>
-                <a:tc>
-                  <a:txBody>
-                    <a:bodyPr/>
-                    <a:lstStyle/>
-                    <a:p>
-                      <a:pPr algn="ctr" fontAlgn="b"/>
-                      <a:endParaRPr lang="es-CR" sz="1400" b="0" i="0" u="none" strike="noStrike">
-                        <a:solidFill>
-                          <a:srgbClr val="000000"/>
-                        </a:solidFill>
-                        <a:effectLst/>
-                        <a:latin typeface="Calibri" panose="020F0502020204030204" pitchFamily="34" charset="0"/>
-                      </a:endParaRPr>
-                    </a:p>
-                  </a:txBody>
-                  <a:tcPr marL="9525" marR="9525" marT="9525" marB="0" anchor="b">
-                    <a:lnL w="12700" cap="flat" cmpd="sng" algn="ctr">
-                      <a:solidFill>
-                        <a:srgbClr val="000000"/>
-                      </a:solidFill>
-                      <a:prstDash val="solid"/>
-                      <a:round/>
-                      <a:headEnd type="none" w="med" len="med"/>
-                      <a:tailEnd type="none" w="med" len="med"/>
-                    </a:lnL>
-                    <a:lnR>
-                      <a:noFill/>
-                    </a:lnR>
-                    <a:lnT>
-                      <a:noFill/>
-                    </a:lnT>
-                    <a:lnB>
-                      <a:noFill/>
-                    </a:lnB>
-                  </a:tcPr>
-                </a:tc>
-                <a:tc>
-                  <a:txBody>
-                    <a:bodyPr/>
-                    <a:lstStyle/>
-                    <a:p>
-                      <a:pPr algn="ctr" fontAlgn="b"/>
-                      <a:endParaRPr lang="es-CR" sz="1400" b="0" i="0" u="none" strike="noStrike">
-                        <a:solidFill>
-                          <a:srgbClr val="000000"/>
-                        </a:solidFill>
-                        <a:effectLst/>
-                        <a:latin typeface="Calibri" panose="020F0502020204030204" pitchFamily="34" charset="0"/>
-                      </a:endParaRPr>
-                    </a:p>
-                  </a:txBody>
-                  <a:tcPr marL="9525" marR="9525" marT="9525" marB="0" anchor="b">
-                    <a:lnL>
-                      <a:noFill/>
-                    </a:lnL>
-                    <a:lnR>
-                      <a:noFill/>
-                    </a:lnR>
-                    <a:lnT>
-                      <a:noFill/>
-                    </a:lnT>
-                    <a:lnB>
-                      <a:noFill/>
-                    </a:lnB>
-                  </a:tcPr>
-                </a:tc>
-                <a:tc>
-                  <a:txBody>
-                    <a:bodyPr/>
-                    <a:lstStyle/>
-                    <a:p>
-                      <a:pPr algn="ctr" fontAlgn="b"/>
-                      <a:endParaRPr lang="es-CR" sz="1400" b="0" i="0" u="none" strike="noStrike">
-                        <a:solidFill>
-                          <a:srgbClr val="000000"/>
-                        </a:solidFill>
-                        <a:effectLst/>
-                        <a:latin typeface="Calibri" panose="020F0502020204030204" pitchFamily="34" charset="0"/>
-                      </a:endParaRPr>
-                    </a:p>
-                  </a:txBody>
-                  <a:tcPr marL="9525" marR="9525" marT="9525" marB="0" anchor="b">
-                    <a:lnL>
-                      <a:noFill/>
-                    </a:lnL>
-                    <a:lnR>
-                      <a:noFill/>
-                    </a:lnR>
-                    <a:lnT w="12700" cap="flat" cmpd="sng" algn="ctr">
-                      <a:solidFill>
-                        <a:srgbClr val="000000"/>
-                      </a:solidFill>
-                      <a:prstDash val="solid"/>
-                      <a:round/>
-                      <a:headEnd type="none" w="med" len="med"/>
-                      <a:tailEnd type="none" w="med" len="med"/>
-                    </a:lnT>
-                    <a:lnB>
-                      <a:noFill/>
-                    </a:lnB>
-                  </a:tcPr>
-                </a:tc>
-                <a:tc>
-                  <a:txBody>
-                    <a:bodyPr/>
-                    <a:lstStyle/>
-                    <a:p>
-                      <a:pPr algn="ctr" fontAlgn="b"/>
-                      <a:endParaRPr lang="es-CR" sz="1400" b="0" i="0" u="none" strike="noStrike">
-                        <a:solidFill>
-                          <a:srgbClr val="000000"/>
-                        </a:solidFill>
-                        <a:effectLst/>
-                        <a:latin typeface="Calibri" panose="020F0502020204030204" pitchFamily="34" charset="0"/>
-                      </a:endParaRPr>
-                    </a:p>
-                  </a:txBody>
-                  <a:tcPr marL="9525" marR="9525" marT="9525" marB="0" anchor="b">
-                    <a:lnL>
-                      <a:noFill/>
-                    </a:lnL>
-                    <a:lnR>
-                      <a:noFill/>
-                    </a:lnR>
-                    <a:lnT w="12700" cap="flat" cmpd="sng" algn="ctr">
-                      <a:solidFill>
-                        <a:srgbClr val="000000"/>
-                      </a:solidFill>
-                      <a:prstDash val="solid"/>
-                      <a:round/>
-                      <a:headEnd type="none" w="med" len="med"/>
-                      <a:tailEnd type="none" w="med" len="med"/>
-                    </a:lnT>
-                    <a:lnB>
-                      <a:noFill/>
-                    </a:lnB>
-                  </a:tcPr>
-                </a:tc>
-                <a:tc>
-                  <a:txBody>
-                    <a:bodyPr/>
-                    <a:lstStyle/>
-                    <a:p>
-                      <a:pPr algn="ctr" fontAlgn="b"/>
-                      <a:endParaRPr lang="es-CR" sz="1400" b="0" i="0" u="none" strike="noStrike" dirty="0">
-                        <a:solidFill>
-                          <a:srgbClr val="000000"/>
-                        </a:solidFill>
-                        <a:effectLst/>
-                        <a:latin typeface="Calibri" panose="020F0502020204030204" pitchFamily="34" charset="0"/>
-                      </a:endParaRPr>
-                    </a:p>
-                  </a:txBody>
-                  <a:tcPr marL="9525" marR="9525" marT="9525" marB="0" anchor="b">
-                    <a:lnL>
-                      <a:noFill/>
-                    </a:lnL>
-                    <a:lnR>
-                      <a:noFill/>
-                    </a:lnR>
-                    <a:lnT w="12700" cap="flat" cmpd="sng" algn="ctr">
-                      <a:solidFill>
-                        <a:srgbClr val="000000"/>
-                      </a:solidFill>
-                      <a:prstDash val="solid"/>
-                      <a:round/>
-                      <a:headEnd type="none" w="med" len="med"/>
-                      <a:tailEnd type="none" w="med" len="med"/>
-                    </a:lnT>
-                    <a:lnB>
-                      <a:noFill/>
-                    </a:lnB>
-                  </a:tcPr>
-                </a:tc>
-                <a:tc>
-                  <a:txBody>
-                    <a:bodyPr/>
-                    <a:lstStyle/>
-                    <a:p>
-                      <a:pPr algn="ctr" fontAlgn="b"/>
-                      <a:endParaRPr lang="es-CR" sz="1100" b="0" i="0" u="none" strike="noStrike" dirty="0">
-                        <a:solidFill>
-                          <a:srgbClr val="000000"/>
-                        </a:solidFill>
-                        <a:effectLst/>
-                        <a:latin typeface="Calibri" panose="020F0502020204030204" pitchFamily="34" charset="0"/>
-                      </a:endParaRPr>
-                    </a:p>
-                  </a:txBody>
-                  <a:tcPr marL="9525" marR="9525" marT="9525" marB="0" anchor="b">
-                    <a:lnL>
-                      <a:noFill/>
-                    </a:lnL>
-                    <a:lnR>
-                      <a:noFill/>
-                    </a:lnR>
-                    <a:lnT w="12700" cap="flat" cmpd="sng" algn="ctr">
-                      <a:solidFill>
-                        <a:srgbClr val="000000"/>
-                      </a:solidFill>
-                      <a:prstDash val="solid"/>
-                      <a:round/>
-                      <a:headEnd type="none" w="med" len="med"/>
-                      <a:tailEnd type="none" w="med" len="med"/>
-                    </a:lnT>
-                    <a:lnB>
-                      <a:noFill/>
-                    </a:lnB>
-                  </a:tcPr>
-                </a:tc>
-                <a:tc>
-                  <a:txBody>
-                    <a:bodyPr/>
-                    <a:lstStyle/>
-                    <a:p>
-                      <a:pPr algn="ctr" fontAlgn="b"/>
-                      <a:endParaRPr lang="es-CR" sz="1100" b="0" i="0" u="none" strike="noStrike" dirty="0">
-                        <a:solidFill>
-                          <a:srgbClr val="000000"/>
-                        </a:solidFill>
-                        <a:effectLst/>
-                        <a:latin typeface="Calibri" panose="020F0502020204030204" pitchFamily="34" charset="0"/>
-                      </a:endParaRPr>
-                    </a:p>
-                  </a:txBody>
-                  <a:tcPr marL="9525" marR="9525" marT="9525" marB="0" anchor="b">
-                    <a:lnL>
-                      <a:noFill/>
-                    </a:lnL>
-                    <a:lnR>
-                      <a:noFill/>
-                    </a:lnR>
-                    <a:lnT w="12700" cap="flat" cmpd="sng" algn="ctr">
-                      <a:solidFill>
-                        <a:srgbClr val="000000"/>
-                      </a:solidFill>
-                      <a:prstDash val="solid"/>
-                      <a:round/>
-                      <a:headEnd type="none" w="med" len="med"/>
-                      <a:tailEnd type="none" w="med" len="med"/>
-                    </a:lnT>
-                    <a:lnB>
-                      <a:noFill/>
-                    </a:lnB>
-                  </a:tcPr>
-                </a:tc>
-                <a:extLst>
-                  <a:ext uri="{0D108BD9-81ED-4DB2-BD59-A6C34878D82A}">
-                    <a16:rowId xmlns:a16="http://schemas.microsoft.com/office/drawing/2014/main" val="2667447371"/>
-                  </a:ext>
-                </a:extLst>
-              </a:tr>
-              <a:tr h="224324">
-                <a:tc>
-                  <a:txBody>
-                    <a:bodyPr/>
-                    <a:lstStyle/>
-                    <a:p>
-                      <a:pPr algn="ctr" fontAlgn="b"/>
-                      <a:r>
-                        <a:rPr lang="es-CR" sz="1400" b="0" i="0" u="none" strike="noStrike">
-                          <a:solidFill>
-                            <a:srgbClr val="99FF33"/>
-                          </a:solidFill>
-                          <a:effectLst/>
-                          <a:latin typeface="Calibri" panose="020F0502020204030204" pitchFamily="34" charset="0"/>
-                        </a:rPr>
-                        <a:t>Enero</a:t>
-                      </a:r>
-                    </a:p>
-                  </a:txBody>
-                  <a:tcPr marL="9525" marR="9525" marT="9525" marB="0" anchor="b">
-                    <a:lnL w="12700" cap="flat" cmpd="sng" algn="ctr">
-                      <a:solidFill>
-                        <a:srgbClr val="000000"/>
-                      </a:solidFill>
-                      <a:prstDash val="solid"/>
-                      <a:round/>
-                      <a:headEnd type="none" w="med" len="med"/>
-                      <a:tailEnd type="none" w="med" len="med"/>
-                    </a:lnL>
-                    <a:lnR w="6350" cap="flat" cmpd="sng" algn="ctr">
-                      <a:solidFill>
-                        <a:srgbClr val="000000"/>
-                      </a:solidFill>
-                      <a:prstDash val="solid"/>
-                      <a:round/>
-                      <a:headEnd type="none" w="med" len="med"/>
-                      <a:tailEnd type="none" w="med" len="med"/>
-                    </a:lnR>
-                    <a:lnT w="6350" cap="flat" cmpd="sng" algn="ctr">
-                      <a:solidFill>
-                        <a:srgbClr val="000000"/>
-                      </a:solidFill>
-                      <a:prstDash val="solid"/>
-                      <a:round/>
-                      <a:headEnd type="none" w="med" len="med"/>
-                      <a:tailEnd type="none" w="med" len="med"/>
-                    </a:lnT>
-                    <a:lnB w="12700" cap="flat" cmpd="sng" algn="ctr">
-                      <a:solidFill>
-                        <a:srgbClr val="000000"/>
-                      </a:solidFill>
-                      <a:prstDash val="solid"/>
-                      <a:round/>
-                      <a:headEnd type="none" w="med" len="med"/>
-                      <a:tailEnd type="none" w="med" len="med"/>
-                    </a:lnB>
-                  </a:tcPr>
-                </a:tc>
-                <a:tc>
-                  <a:txBody>
-                    <a:bodyPr/>
-                    <a:lstStyle/>
-                    <a:p>
-                      <a:pPr algn="ctr" fontAlgn="b"/>
-                      <a:r>
-                        <a:rPr lang="es-CR" sz="1400" b="0" i="0" u="none" strike="noStrike">
-                          <a:solidFill>
-                            <a:srgbClr val="99FF33"/>
-                          </a:solidFill>
-                          <a:effectLst/>
-                          <a:latin typeface="Calibri" panose="020F0502020204030204" pitchFamily="34" charset="0"/>
-                        </a:rPr>
-                        <a:t>Miércoles</a:t>
-                      </a:r>
-                    </a:p>
-                  </a:txBody>
-                  <a:tcPr marL="9525" marR="9525" marT="9525" marB="0" anchor="b">
-                    <a:lnL w="6350" cap="flat" cmpd="sng" algn="ctr">
-                      <a:solidFill>
-                        <a:srgbClr val="000000"/>
-                      </a:solidFill>
-                      <a:prstDash val="solid"/>
-                      <a:round/>
-                      <a:headEnd type="none" w="med" len="med"/>
-                      <a:tailEnd type="none" w="med" len="med"/>
-                    </a:lnL>
-                    <a:lnR w="6350" cap="flat" cmpd="sng" algn="ctr">
-                      <a:solidFill>
-                        <a:srgbClr val="000000"/>
-                      </a:solidFill>
-                      <a:prstDash val="solid"/>
-                      <a:round/>
-                      <a:headEnd type="none" w="med" len="med"/>
-                      <a:tailEnd type="none" w="med" len="med"/>
-                    </a:lnR>
-                    <a:lnT w="6350" cap="flat" cmpd="sng" algn="ctr">
-                      <a:solidFill>
-                        <a:srgbClr val="000000"/>
-                      </a:solidFill>
-                      <a:prstDash val="solid"/>
-                      <a:round/>
-                      <a:headEnd type="none" w="med" len="med"/>
-                      <a:tailEnd type="none" w="med" len="med"/>
-                    </a:lnT>
-                    <a:lnB w="12700" cap="flat" cmpd="sng" algn="ctr">
-                      <a:solidFill>
-                        <a:srgbClr val="000000"/>
-                      </a:solidFill>
-                      <a:prstDash val="solid"/>
-                      <a:round/>
-                      <a:headEnd type="none" w="med" len="med"/>
-                      <a:tailEnd type="none" w="med" len="med"/>
-                    </a:lnB>
-                  </a:tcPr>
-                </a:tc>
-                <a:tc>
-                  <a:txBody>
-                    <a:bodyPr/>
-                    <a:lstStyle/>
-                    <a:p>
-                      <a:pPr algn="ctr" fontAlgn="b"/>
-                      <a:r>
-                        <a:rPr lang="es-CR" sz="1400" b="0" i="0" u="none" strike="noStrike" dirty="0">
-                          <a:solidFill>
-                            <a:srgbClr val="99FF33"/>
-                          </a:solidFill>
-                          <a:effectLst/>
-                          <a:latin typeface="Calibri" panose="020F0502020204030204" pitchFamily="34" charset="0"/>
-                        </a:rPr>
-                        <a:t>154</a:t>
-                      </a:r>
-                    </a:p>
-                  </a:txBody>
-                  <a:tcPr marL="9525" marR="9525" marT="9525" marB="0" anchor="b">
-                    <a:lnL w="6350" cap="flat" cmpd="sng" algn="ctr">
-                      <a:solidFill>
-                        <a:srgbClr val="000000"/>
-                      </a:solidFill>
-                      <a:prstDash val="solid"/>
-                      <a:round/>
-                      <a:headEnd type="none" w="med" len="med"/>
-                      <a:tailEnd type="none" w="med" len="med"/>
-                    </a:lnL>
-                    <a:lnR w="12700" cap="flat" cmpd="sng" algn="ctr">
-                      <a:solidFill>
-                        <a:srgbClr val="000000"/>
-                      </a:solidFill>
-                      <a:prstDash val="solid"/>
-                      <a:round/>
-                      <a:headEnd type="none" w="med" len="med"/>
-                      <a:tailEnd type="none" w="med" len="med"/>
-                    </a:lnR>
-                    <a:lnT w="6350" cap="flat" cmpd="sng" algn="ctr">
-                      <a:solidFill>
-                        <a:srgbClr val="000000"/>
-                      </a:solidFill>
-                      <a:prstDash val="solid"/>
-                      <a:round/>
-                      <a:headEnd type="none" w="med" len="med"/>
-                      <a:tailEnd type="none" w="med" len="med"/>
-                    </a:lnT>
-                    <a:lnB w="12700" cap="flat" cmpd="sng" algn="ctr">
-                      <a:solidFill>
-                        <a:srgbClr val="000000"/>
-                      </a:solidFill>
-                      <a:prstDash val="solid"/>
-                      <a:round/>
-                      <a:headEnd type="none" w="med" len="med"/>
-                      <a:tailEnd type="none" w="med" len="med"/>
-                    </a:lnB>
-                  </a:tcPr>
-                </a:tc>
-                <a:tc>
-                  <a:txBody>
-                    <a:bodyPr/>
-                    <a:lstStyle/>
-                    <a:p>
-                      <a:pPr algn="ctr" fontAlgn="b"/>
-                      <a:endParaRPr lang="es-CR" sz="1400" b="0" i="0" u="none" strike="noStrike">
-                        <a:solidFill>
-                          <a:srgbClr val="000000"/>
-                        </a:solidFill>
-                        <a:effectLst/>
-                        <a:latin typeface="Calibri" panose="020F0502020204030204" pitchFamily="34" charset="0"/>
-                      </a:endParaRPr>
-                    </a:p>
-                  </a:txBody>
-                  <a:tcPr marL="9525" marR="9525" marT="9525" marB="0" anchor="b">
-                    <a:lnL w="12700" cap="flat" cmpd="sng" algn="ctr">
-                      <a:solidFill>
-                        <a:srgbClr val="000000"/>
-                      </a:solidFill>
-                      <a:prstDash val="solid"/>
-                      <a:round/>
-                      <a:headEnd type="none" w="med" len="med"/>
-                      <a:tailEnd type="none" w="med" len="med"/>
-                    </a:lnL>
-                    <a:lnR>
-                      <a:noFill/>
-                    </a:lnR>
-                    <a:lnT>
-                      <a:noFill/>
-                    </a:lnT>
-                    <a:lnB>
-                      <a:noFill/>
-                    </a:lnB>
-                  </a:tcPr>
-                </a:tc>
-                <a:tc>
-                  <a:txBody>
-                    <a:bodyPr/>
-                    <a:lstStyle/>
-                    <a:p>
-                      <a:pPr algn="ctr" fontAlgn="b"/>
-                      <a:endParaRPr lang="es-CR" sz="1400" b="0" i="0" u="none" strike="noStrike">
-                        <a:solidFill>
-                          <a:srgbClr val="000000"/>
-                        </a:solidFill>
-                        <a:effectLst/>
-                        <a:latin typeface="Calibri" panose="020F0502020204030204" pitchFamily="34" charset="0"/>
-                      </a:endParaRPr>
-                    </a:p>
-                  </a:txBody>
-                  <a:tcPr marL="9525" marR="9525" marT="9525" marB="0" anchor="b">
-                    <a:lnL>
-                      <a:noFill/>
-                    </a:lnL>
-                    <a:lnR>
-                      <a:noFill/>
-                    </a:lnR>
-                    <a:lnT>
-                      <a:noFill/>
-                    </a:lnT>
-                    <a:lnB>
-                      <a:noFill/>
-                    </a:lnB>
-                  </a:tcPr>
-                </a:tc>
-                <a:tc>
-                  <a:txBody>
-                    <a:bodyPr/>
-                    <a:lstStyle/>
-                    <a:p>
-                      <a:pPr algn="ctr" fontAlgn="b"/>
-                      <a:endParaRPr lang="es-CR" sz="1400" b="0" i="0" u="none" strike="noStrike">
-                        <a:solidFill>
-                          <a:srgbClr val="000000"/>
-                        </a:solidFill>
-                        <a:effectLst/>
-                        <a:latin typeface="Calibri" panose="020F0502020204030204" pitchFamily="34" charset="0"/>
-                      </a:endParaRPr>
-                    </a:p>
-                  </a:txBody>
-                  <a:tcPr marL="9525" marR="9525" marT="9525" marB="0" anchor="b">
-                    <a:lnL>
-                      <a:noFill/>
-                    </a:lnL>
-                    <a:lnR>
-                      <a:noFill/>
-                    </a:lnR>
-                    <a:lnT>
-                      <a:noFill/>
-                    </a:lnT>
-                    <a:lnB>
-                      <a:noFill/>
-                    </a:lnB>
-                  </a:tcPr>
-                </a:tc>
-                <a:tc>
-                  <a:txBody>
-                    <a:bodyPr/>
-                    <a:lstStyle/>
-                    <a:p>
-                      <a:pPr algn="ctr" fontAlgn="b"/>
-                      <a:endParaRPr lang="es-CR" sz="1400" b="0" i="0" u="none" strike="noStrike">
-                        <a:solidFill>
-                          <a:srgbClr val="000000"/>
-                        </a:solidFill>
-                        <a:effectLst/>
-                        <a:latin typeface="Calibri" panose="020F0502020204030204" pitchFamily="34" charset="0"/>
-                      </a:endParaRPr>
-                    </a:p>
-                  </a:txBody>
-                  <a:tcPr marL="9525" marR="9525" marT="9525" marB="0" anchor="b">
-                    <a:lnL>
-                      <a:noFill/>
-                    </a:lnL>
-                    <a:lnR>
-                      <a:noFill/>
-                    </a:lnR>
-                    <a:lnT>
-                      <a:noFill/>
-                    </a:lnT>
-                    <a:lnB>
-                      <a:noFill/>
-                    </a:lnB>
-                  </a:tcPr>
-                </a:tc>
-                <a:tc>
-                  <a:txBody>
-                    <a:bodyPr/>
-                    <a:lstStyle/>
-                    <a:p>
-                      <a:pPr algn="ctr" fontAlgn="b"/>
-                      <a:endParaRPr lang="es-CR" sz="1400" b="0" i="0" u="none" strike="noStrike" dirty="0">
-                        <a:solidFill>
-                          <a:srgbClr val="000000"/>
-                        </a:solidFill>
-                        <a:effectLst/>
-                        <a:latin typeface="Calibri" panose="020F0502020204030204" pitchFamily="34" charset="0"/>
-                      </a:endParaRPr>
-                    </a:p>
-                  </a:txBody>
-                  <a:tcPr marL="9525" marR="9525" marT="9525" marB="0" anchor="b">
-                    <a:lnL>
-                      <a:noFill/>
-                    </a:lnL>
-                    <a:lnR>
-                      <a:noFill/>
-                    </a:lnR>
-                    <a:lnT>
-                      <a:noFill/>
-                    </a:lnT>
-                    <a:lnB>
-                      <a:noFill/>
-                    </a:lnB>
-                  </a:tcPr>
-                </a:tc>
-                <a:tc>
-                  <a:txBody>
-                    <a:bodyPr/>
-                    <a:lstStyle/>
-                    <a:p>
-                      <a:pPr algn="ctr" fontAlgn="b"/>
-                      <a:endParaRPr lang="es-CR" sz="1100" b="0" i="0" u="none" strike="noStrike" dirty="0">
-                        <a:solidFill>
-                          <a:srgbClr val="000000"/>
-                        </a:solidFill>
-                        <a:effectLst/>
-                        <a:latin typeface="Calibri" panose="020F0502020204030204" pitchFamily="34" charset="0"/>
-                      </a:endParaRPr>
-                    </a:p>
-                  </a:txBody>
-                  <a:tcPr marL="9525" marR="9525" marT="9525" marB="0" anchor="b">
-                    <a:lnL>
-                      <a:noFill/>
-                    </a:lnL>
-                    <a:lnR>
-                      <a:noFill/>
-                    </a:lnR>
-                    <a:lnT>
-                      <a:noFill/>
-                    </a:lnT>
-                    <a:lnB>
-                      <a:noFill/>
-                    </a:lnB>
-                  </a:tcPr>
-                </a:tc>
-                <a:tc>
-                  <a:txBody>
-                    <a:bodyPr/>
-                    <a:lstStyle/>
-                    <a:p>
-                      <a:pPr algn="ctr" fontAlgn="b"/>
-                      <a:endParaRPr lang="es-CR" sz="1100" b="0" i="0" u="none" strike="noStrike" dirty="0">
-                        <a:solidFill>
-                          <a:srgbClr val="000000"/>
-                        </a:solidFill>
-                        <a:effectLst/>
-                        <a:latin typeface="Calibri" panose="020F0502020204030204" pitchFamily="34" charset="0"/>
-                      </a:endParaRPr>
-                    </a:p>
-                  </a:txBody>
-                  <a:tcPr marL="9525" marR="9525" marT="9525" marB="0" anchor="b">
-                    <a:lnL>
-                      <a:noFill/>
-                    </a:lnL>
-                    <a:lnR>
-                      <a:noFill/>
-                    </a:lnR>
-                    <a:lnT>
-                      <a:noFill/>
-                    </a:lnT>
-                    <a:lnB>
-                      <a:noFill/>
-                    </a:lnB>
-                  </a:tcPr>
-                </a:tc>
-                <a:extLst>
-                  <a:ext uri="{0D108BD9-81ED-4DB2-BD59-A6C34878D82A}">
-                    <a16:rowId xmlns:a16="http://schemas.microsoft.com/office/drawing/2014/main" val="2706825843"/>
-                  </a:ext>
-                </a:extLst>
-              </a:tr>
-            </a:tbl>
-          </a:graphicData>
-        </a:graphic>
-      </p:graphicFrame>
-      <p:sp>
-        <p:nvSpPr>
-          <p:cNvPr id="7" name="Flecha derecha 6"/>
-          <p:cNvSpPr/>
-          <p:nvPr/>
-        </p:nvSpPr>
-        <p:spPr>
-          <a:xfrm>
-            <a:off x="5669876" y="4776165"/>
-            <a:ext cx="548051" cy="318346"/>
-          </a:xfrm>
-          <a:prstGeom prst="rightArrow">
-            <a:avLst/>
-          </a:prstGeom>
-        </p:spPr>
-        <p:style>
-          <a:lnRef idx="2">
-            <a:schemeClr val="accent1">
-              <a:shade val="50000"/>
-            </a:schemeClr>
-          </a:lnRef>
-          <a:fillRef idx="1">
-            <a:schemeClr val="accent1"/>
-          </a:fillRef>
-          <a:effectRef idx="0">
-            <a:schemeClr val="accent1"/>
-          </a:effectRef>
-          <a:fontRef idx="minor">
-            <a:schemeClr val="lt1"/>
-          </a:fontRef>
-        </p:style>
-        <p:txBody>
-          <a:bodyPr rtlCol="0" anchor="ctr"/>
-          <a:lstStyle/>
-          <a:p>
-            <a:pPr algn="ctr"/>
-            <a:endParaRPr lang="es-CR"/>
-          </a:p>
-        </p:txBody>
-      </p:sp>
-      <p:sp>
-        <p:nvSpPr>
-          <p:cNvPr id="8" name="CuadroTexto 7"/>
-          <p:cNvSpPr txBox="1"/>
-          <p:nvPr/>
-        </p:nvSpPr>
-        <p:spPr>
-          <a:xfrm>
-            <a:off x="1807620" y="4690880"/>
-            <a:ext cx="1267098" cy="400110"/>
-          </a:xfrm>
-          <a:prstGeom prst="rect">
-            <a:avLst/>
-          </a:prstGeom>
-          <a:noFill/>
-        </p:spPr>
-        <p:txBody>
-          <a:bodyPr wrap="square" rtlCol="0">
-            <a:spAutoFit/>
-          </a:bodyPr>
-          <a:lstStyle/>
-          <a:p>
-            <a:r>
-              <a:rPr lang="es-CR" sz="2000" dirty="0" smtClean="0"/>
-              <a:t>Ejemplo:</a:t>
-            </a:r>
-            <a:endParaRPr lang="es-CR" sz="2000" dirty="0"/>
           </a:p>
         </p:txBody>
       </p:sp>
@@ -16009,13 +13396,13 @@
   <p:clrMapOvr>
     <a:masterClrMapping/>
   </p:clrMapOvr>
-  <mc:AlternateContent xmlns:mc="http://schemas.openxmlformats.org/markup-compatibility/2006">
-    <mc:Choice xmlns:p14="http://schemas.microsoft.com/office/powerpoint/2010/main" Requires="p14">
+  <mc:AlternateContent xmlns:mc="http://schemas.openxmlformats.org/markup-compatibility/2006" xmlns:p14="http://schemas.microsoft.com/office/powerpoint/2010/main">
+    <mc:Choice Requires="p14">
       <p:transition spd="med" p14:dur="700">
         <p:fade/>
       </p:transition>
     </mc:Choice>
-    <mc:Fallback>
+    <mc:Fallback xmlns="">
       <p:transition spd="med">
         <p:fade/>
       </p:transition>
@@ -16024,9 +13411,133 @@
   <p:timing>
     <p:tnLst>
       <p:par>
-        <p:cTn id="1" dur="indefinite" restart="never" nodeType="tmRoot"/>
+        <p:cTn id="1" dur="indefinite" restart="never" nodeType="tmRoot">
+          <p:childTnLst>
+            <p:seq concurrent="1" nextAc="seek">
+              <p:cTn id="2" dur="indefinite" nodeType="mainSeq">
+                <p:childTnLst>
+                  <p:par>
+                    <p:cTn id="3" fill="hold">
+                      <p:stCondLst>
+                        <p:cond delay="indefinite"/>
+                      </p:stCondLst>
+                      <p:childTnLst>
+                        <p:par>
+                          <p:cTn id="4" fill="hold">
+                            <p:stCondLst>
+                              <p:cond delay="0"/>
+                            </p:stCondLst>
+                            <p:childTnLst>
+                              <p:par>
+                                <p:cTn id="5" presetID="1" presetClass="entr" presetSubtype="0" fill="hold" grpId="0" nodeType="clickEffect">
+                                  <p:stCondLst>
+                                    <p:cond delay="0"/>
+                                  </p:stCondLst>
+                                  <p:childTnLst>
+                                    <p:set>
+                                      <p:cBhvr>
+                                        <p:cTn id="6" dur="1" fill="hold">
+                                          <p:stCondLst>
+                                            <p:cond delay="0"/>
+                                          </p:stCondLst>
+                                        </p:cTn>
+                                        <p:tgtEl>
+                                          <p:spTgt spid="3">
+                                            <p:txEl>
+                                              <p:pRg st="1" end="1"/>
+                                            </p:txEl>
+                                          </p:spTgt>
+                                        </p:tgtEl>
+                                        <p:attrNameLst>
+                                          <p:attrName>style.visibility</p:attrName>
+                                        </p:attrNameLst>
+                                      </p:cBhvr>
+                                      <p:to>
+                                        <p:strVal val="visible"/>
+                                      </p:to>
+                                    </p:set>
+                                  </p:childTnLst>
+                                </p:cTn>
+                              </p:par>
+                            </p:childTnLst>
+                          </p:cTn>
+                        </p:par>
+                      </p:childTnLst>
+                    </p:cTn>
+                  </p:par>
+                  <p:par>
+                    <p:cTn id="7" fill="hold">
+                      <p:stCondLst>
+                        <p:cond delay="indefinite"/>
+                      </p:stCondLst>
+                      <p:childTnLst>
+                        <p:par>
+                          <p:cTn id="8" fill="hold">
+                            <p:stCondLst>
+                              <p:cond delay="0"/>
+                            </p:stCondLst>
+                            <p:childTnLst>
+                              <p:par>
+                                <p:cTn id="9" presetID="1" presetClass="entr" presetSubtype="0" fill="hold" grpId="0" nodeType="clickEffect">
+                                  <p:stCondLst>
+                                    <p:cond delay="0"/>
+                                  </p:stCondLst>
+                                  <p:childTnLst>
+                                    <p:set>
+                                      <p:cBhvr>
+                                        <p:cTn id="10" dur="1" fill="hold">
+                                          <p:stCondLst>
+                                            <p:cond delay="0"/>
+                                          </p:stCondLst>
+                                        </p:cTn>
+                                        <p:tgtEl>
+                                          <p:spTgt spid="3">
+                                            <p:txEl>
+                                              <p:pRg st="2" end="2"/>
+                                            </p:txEl>
+                                          </p:spTgt>
+                                        </p:tgtEl>
+                                        <p:attrNameLst>
+                                          <p:attrName>style.visibility</p:attrName>
+                                        </p:attrNameLst>
+                                      </p:cBhvr>
+                                      <p:to>
+                                        <p:strVal val="visible"/>
+                                      </p:to>
+                                    </p:set>
+                                  </p:childTnLst>
+                                </p:cTn>
+                              </p:par>
+                            </p:childTnLst>
+                          </p:cTn>
+                        </p:par>
+                      </p:childTnLst>
+                    </p:cTn>
+                  </p:par>
+                </p:childTnLst>
+              </p:cTn>
+              <p:prevCondLst>
+                <p:cond evt="onPrev" delay="0">
+                  <p:tgtEl>
+                    <p:sldTgt/>
+                  </p:tgtEl>
+                </p:cond>
+              </p:prevCondLst>
+              <p:nextCondLst>
+                <p:cond evt="onNext" delay="0">
+                  <p:tgtEl>
+                    <p:sldTgt/>
+                  </p:tgtEl>
+                </p:cond>
+              </p:nextCondLst>
+            </p:seq>
+          </p:childTnLst>
+        </p:cTn>
       </p:par>
     </p:tnLst>
+    <p:bldLst>
+      <p:bldP spid="3" grpId="0" build="p"/>
+    </p:bldLst>
   </p:timing>
 </p:sld>
 </file>
@@ -16065,7 +13576,7 @@
           <a:p>
             <a:r>
               <a:rPr lang="es-CR" dirty="0" smtClean="0"/>
-              <a:t>UNPIVOT</a:t>
+              <a:t>Ejemplo PIVOT</a:t>
             </a:r>
             <a:endParaRPr lang="es-CR" dirty="0"/>
           </a:p>
@@ -16088,2574 +13599,105 @@
           <a:p>
             <a:r>
               <a:rPr lang="es-CR" dirty="0"/>
-              <a:t>R</a:t>
+              <a:t>Si tenemos una consulta</a:t>
             </a:r>
             <a:r>
               <a:rPr lang="es-CR" dirty="0" smtClean="0"/>
-              <a:t>ealiza </a:t>
-            </a:r>
-            <a:r>
-              <a:rPr lang="es-CR" dirty="0"/>
-              <a:t>la operación contraria a PIVOT girando las columnas de una expresión con valores de tabla a valores de columna.</a:t>
-            </a:r>
+              <a:t>:</a:t>
+            </a:r>
+          </a:p>
+          <a:p>
+            <a:endParaRPr lang="es-CR" dirty="0" smtClean="0"/>
+          </a:p>
+          <a:p>
+            <a:endParaRPr lang="es-CR" dirty="0"/>
+          </a:p>
+          <a:p>
+            <a:endParaRPr lang="es-CR" dirty="0" smtClean="0"/>
           </a:p>
         </p:txBody>
       </p:sp>
-      <p:graphicFrame>
-        <p:nvGraphicFramePr>
-          <p:cNvPr id="4" name="Tabla 3"/>
-          <p:cNvGraphicFramePr>
-            <a:graphicFrameLocks noGrp="1"/>
-          </p:cNvGraphicFramePr>
-          <p:nvPr>
-            <p:extLst>
-              <p:ext uri="{D42A27DB-BD31-4B8C-83A1-F6EECF244321}">
-                <p14:modId xmlns:p14="http://schemas.microsoft.com/office/powerpoint/2010/main" val="3101434515"/>
-              </p:ext>
-            </p:extLst>
-          </p:nvPr>
-        </p:nvGraphicFramePr>
-        <p:xfrm>
-          <a:off x="3153095" y="4092063"/>
-          <a:ext cx="7388630" cy="1551094"/>
-        </p:xfrm>
-        <a:graphic>
-          <a:graphicData uri="http://schemas.openxmlformats.org/drawingml/2006/table">
-            <a:tbl>
-              <a:tblPr/>
-              <a:tblGrid>
-                <a:gridCol w="839617">
-                  <a:extLst>
-                    <a:ext uri="{9D8B030D-6E8A-4147-A177-3AD203B41FA5}">
-                      <a16:colId xmlns:a16="http://schemas.microsoft.com/office/drawing/2014/main" val="230096223"/>
-                    </a:ext>
-                  </a:extLst>
-                </a:gridCol>
-                <a:gridCol w="839617">
-                  <a:extLst>
-                    <a:ext uri="{9D8B030D-6E8A-4147-A177-3AD203B41FA5}">
-                      <a16:colId xmlns:a16="http://schemas.microsoft.com/office/drawing/2014/main" val="1643877370"/>
-                    </a:ext>
-                  </a:extLst>
-                </a:gridCol>
-                <a:gridCol w="839617">
-                  <a:extLst>
-                    <a:ext uri="{9D8B030D-6E8A-4147-A177-3AD203B41FA5}">
-                      <a16:colId xmlns:a16="http://schemas.microsoft.com/office/drawing/2014/main" val="649173016"/>
-                    </a:ext>
-                  </a:extLst>
-                </a:gridCol>
-                <a:gridCol w="335847">
-                  <a:extLst>
-                    <a:ext uri="{9D8B030D-6E8A-4147-A177-3AD203B41FA5}">
-                      <a16:colId xmlns:a16="http://schemas.microsoft.com/office/drawing/2014/main" val="2082234588"/>
-                    </a:ext>
-                  </a:extLst>
-                </a:gridCol>
-                <a:gridCol w="335847">
-                  <a:extLst>
-                    <a:ext uri="{9D8B030D-6E8A-4147-A177-3AD203B41FA5}">
-                      <a16:colId xmlns:a16="http://schemas.microsoft.com/office/drawing/2014/main" val="1551379719"/>
-                    </a:ext>
-                  </a:extLst>
-                </a:gridCol>
-                <a:gridCol w="839617">
-                  <a:extLst>
-                    <a:ext uri="{9D8B030D-6E8A-4147-A177-3AD203B41FA5}">
-                      <a16:colId xmlns:a16="http://schemas.microsoft.com/office/drawing/2014/main" val="1063070198"/>
-                    </a:ext>
-                  </a:extLst>
-                </a:gridCol>
-                <a:gridCol w="839617">
-                  <a:extLst>
-                    <a:ext uri="{9D8B030D-6E8A-4147-A177-3AD203B41FA5}">
-                      <a16:colId xmlns:a16="http://schemas.microsoft.com/office/drawing/2014/main" val="3457803152"/>
-                    </a:ext>
-                  </a:extLst>
-                </a:gridCol>
-                <a:gridCol w="839617">
-                  <a:extLst>
-                    <a:ext uri="{9D8B030D-6E8A-4147-A177-3AD203B41FA5}">
-                      <a16:colId xmlns:a16="http://schemas.microsoft.com/office/drawing/2014/main" val="148783110"/>
-                    </a:ext>
-                  </a:extLst>
-                </a:gridCol>
-                <a:gridCol w="839617">
-                  <a:extLst>
-                    <a:ext uri="{9D8B030D-6E8A-4147-A177-3AD203B41FA5}">
-                      <a16:colId xmlns:a16="http://schemas.microsoft.com/office/drawing/2014/main" val="1504456399"/>
-                    </a:ext>
-                  </a:extLst>
-                </a:gridCol>
-                <a:gridCol w="839617">
-                  <a:extLst>
-                    <a:ext uri="{9D8B030D-6E8A-4147-A177-3AD203B41FA5}">
-                      <a16:colId xmlns:a16="http://schemas.microsoft.com/office/drawing/2014/main" val="3367433559"/>
-                    </a:ext>
-                  </a:extLst>
-                </a:gridCol>
-              </a:tblGrid>
-              <a:tr h="439061">
-                <a:tc>
-                  <a:txBody>
-                    <a:bodyPr/>
-                    <a:lstStyle/>
-                    <a:p>
-                      <a:pPr algn="ctr" fontAlgn="b"/>
-                      <a:r>
-                        <a:rPr lang="es-CR" sz="1400" b="1" i="0" u="none" strike="noStrike" dirty="0">
-                          <a:solidFill>
-                            <a:srgbClr val="99FF33"/>
-                          </a:solidFill>
-                          <a:effectLst/>
-                          <a:latin typeface="Calibri" panose="020F0502020204030204" pitchFamily="34" charset="0"/>
-                        </a:rPr>
-                        <a:t>Mes</a:t>
-                      </a:r>
-                    </a:p>
-                  </a:txBody>
-                  <a:tcPr marL="9525" marR="9525" marT="9525" marB="0" anchor="b">
-                    <a:lnL w="12700" cap="flat" cmpd="sng" algn="ctr">
-                      <a:solidFill>
-                        <a:srgbClr val="000000"/>
-                      </a:solidFill>
-                      <a:prstDash val="solid"/>
-                      <a:round/>
-                      <a:headEnd type="none" w="med" len="med"/>
-                      <a:tailEnd type="none" w="med" len="med"/>
-                    </a:lnL>
-                    <a:lnR w="6350" cap="flat" cmpd="sng" algn="ctr">
-                      <a:solidFill>
-                        <a:srgbClr val="000000"/>
-                      </a:solidFill>
-                      <a:prstDash val="solid"/>
-                      <a:round/>
-                      <a:headEnd type="none" w="med" len="med"/>
-                      <a:tailEnd type="none" w="med" len="med"/>
-                    </a:lnR>
-                    <a:lnT w="12700" cap="flat" cmpd="sng" algn="ctr">
-                      <a:solidFill>
-                        <a:srgbClr val="000000"/>
-                      </a:solidFill>
-                      <a:prstDash val="solid"/>
-                      <a:round/>
-                      <a:headEnd type="none" w="med" len="med"/>
-                      <a:tailEnd type="none" w="med" len="med"/>
-                    </a:lnT>
-                    <a:lnB w="12700" cap="flat" cmpd="sng" algn="ctr">
-                      <a:solidFill>
-                        <a:srgbClr val="000000"/>
-                      </a:solidFill>
-                      <a:prstDash val="solid"/>
-                      <a:round/>
-                      <a:headEnd type="none" w="med" len="med"/>
-                      <a:tailEnd type="none" w="med" len="med"/>
-                    </a:lnB>
-                    <a:solidFill>
-                      <a:srgbClr val="A6A6A6"/>
-                    </a:solidFill>
-                  </a:tcPr>
-                </a:tc>
-                <a:tc>
-                  <a:txBody>
-                    <a:bodyPr/>
-                    <a:lstStyle/>
-                    <a:p>
-                      <a:pPr algn="ctr" fontAlgn="b"/>
-                      <a:r>
-                        <a:rPr lang="es-CR" sz="1400" b="1" i="0" u="none" strike="noStrike" dirty="0" err="1">
-                          <a:solidFill>
-                            <a:srgbClr val="99FF33"/>
-                          </a:solidFill>
-                          <a:effectLst/>
-                          <a:latin typeface="Calibri" panose="020F0502020204030204" pitchFamily="34" charset="0"/>
-                        </a:rPr>
-                        <a:t>DíaDelMes</a:t>
-                      </a:r>
-                      <a:endParaRPr lang="es-CR" sz="1400" b="1" i="0" u="none" strike="noStrike" dirty="0">
-                        <a:solidFill>
-                          <a:srgbClr val="99FF33"/>
-                        </a:solidFill>
-                        <a:effectLst/>
-                        <a:latin typeface="Calibri" panose="020F0502020204030204" pitchFamily="34" charset="0"/>
-                      </a:endParaRPr>
-                    </a:p>
-                  </a:txBody>
-                  <a:tcPr marL="9525" marR="9525" marT="9525" marB="0" anchor="b">
-                    <a:lnL w="6350" cap="flat" cmpd="sng" algn="ctr">
-                      <a:solidFill>
-                        <a:srgbClr val="000000"/>
-                      </a:solidFill>
-                      <a:prstDash val="solid"/>
-                      <a:round/>
-                      <a:headEnd type="none" w="med" len="med"/>
-                      <a:tailEnd type="none" w="med" len="med"/>
-                    </a:lnL>
-                    <a:lnR w="6350" cap="flat" cmpd="sng" algn="ctr">
-                      <a:solidFill>
-                        <a:srgbClr val="000000"/>
-                      </a:solidFill>
-                      <a:prstDash val="solid"/>
-                      <a:round/>
-                      <a:headEnd type="none" w="med" len="med"/>
-                      <a:tailEnd type="none" w="med" len="med"/>
-                    </a:lnR>
-                    <a:lnT w="12700" cap="flat" cmpd="sng" algn="ctr">
-                      <a:solidFill>
-                        <a:srgbClr val="000000"/>
-                      </a:solidFill>
-                      <a:prstDash val="solid"/>
-                      <a:round/>
-                      <a:headEnd type="none" w="med" len="med"/>
-                      <a:tailEnd type="none" w="med" len="med"/>
-                    </a:lnT>
-                    <a:lnB w="12700" cap="flat" cmpd="sng" algn="ctr">
-                      <a:solidFill>
-                        <a:srgbClr val="000000"/>
-                      </a:solidFill>
-                      <a:prstDash val="solid"/>
-                      <a:round/>
-                      <a:headEnd type="none" w="med" len="med"/>
-                      <a:tailEnd type="none" w="med" len="med"/>
-                    </a:lnB>
-                    <a:solidFill>
-                      <a:srgbClr val="A6A6A6"/>
-                    </a:solidFill>
-                  </a:tcPr>
-                </a:tc>
-                <a:tc>
-                  <a:txBody>
-                    <a:bodyPr/>
-                    <a:lstStyle/>
-                    <a:p>
-                      <a:pPr algn="ctr" fontAlgn="b"/>
-                      <a:r>
-                        <a:rPr lang="es-CR" sz="1400" b="1" i="0" u="none" strike="noStrike" dirty="0">
-                          <a:solidFill>
-                            <a:srgbClr val="99FF33"/>
-                          </a:solidFill>
-                          <a:effectLst/>
-                          <a:latin typeface="Calibri" panose="020F0502020204030204" pitchFamily="34" charset="0"/>
-                        </a:rPr>
-                        <a:t>Gastos</a:t>
-                      </a:r>
-                    </a:p>
-                  </a:txBody>
-                  <a:tcPr marL="9525" marR="9525" marT="9525" marB="0" anchor="b">
-                    <a:lnL w="6350" cap="flat" cmpd="sng" algn="ctr">
-                      <a:solidFill>
-                        <a:srgbClr val="000000"/>
-                      </a:solidFill>
-                      <a:prstDash val="solid"/>
-                      <a:round/>
-                      <a:headEnd type="none" w="med" len="med"/>
-                      <a:tailEnd type="none" w="med" len="med"/>
-                    </a:lnL>
-                    <a:lnR w="12700" cap="flat" cmpd="sng" algn="ctr">
-                      <a:solidFill>
-                        <a:srgbClr val="000000"/>
-                      </a:solidFill>
-                      <a:prstDash val="solid"/>
-                      <a:round/>
-                      <a:headEnd type="none" w="med" len="med"/>
-                      <a:tailEnd type="none" w="med" len="med"/>
-                    </a:lnR>
-                    <a:lnT w="12700" cap="flat" cmpd="sng" algn="ctr">
-                      <a:solidFill>
-                        <a:srgbClr val="000000"/>
-                      </a:solidFill>
-                      <a:prstDash val="solid"/>
-                      <a:round/>
-                      <a:headEnd type="none" w="med" len="med"/>
-                      <a:tailEnd type="none" w="med" len="med"/>
-                    </a:lnT>
-                    <a:lnB w="12700" cap="flat" cmpd="sng" algn="ctr">
-                      <a:solidFill>
-                        <a:srgbClr val="000000"/>
-                      </a:solidFill>
-                      <a:prstDash val="solid"/>
-                      <a:round/>
-                      <a:headEnd type="none" w="med" len="med"/>
-                      <a:tailEnd type="none" w="med" len="med"/>
-                    </a:lnB>
-                    <a:solidFill>
-                      <a:srgbClr val="A6A6A6"/>
-                    </a:solidFill>
-                  </a:tcPr>
-                </a:tc>
-                <a:tc>
-                  <a:txBody>
-                    <a:bodyPr/>
-                    <a:lstStyle/>
-                    <a:p>
-                      <a:pPr algn="ctr" fontAlgn="b"/>
-                      <a:endParaRPr lang="es-CR" sz="1400" b="0" i="0" u="none" strike="noStrike" dirty="0">
-                        <a:solidFill>
-                          <a:srgbClr val="000000"/>
-                        </a:solidFill>
-                        <a:effectLst/>
-                        <a:latin typeface="Calibri" panose="020F0502020204030204" pitchFamily="34" charset="0"/>
-                      </a:endParaRPr>
-                    </a:p>
-                  </a:txBody>
-                  <a:tcPr marL="9525" marR="9525" marT="9525" marB="0" anchor="b">
-                    <a:lnL w="12700" cap="flat" cmpd="sng" algn="ctr">
-                      <a:solidFill>
-                        <a:srgbClr val="000000"/>
-                      </a:solidFill>
-                      <a:prstDash val="solid"/>
-                      <a:round/>
-                      <a:headEnd type="none" w="med" len="med"/>
-                      <a:tailEnd type="none" w="med" len="med"/>
-                    </a:lnL>
-                    <a:lnR>
-                      <a:noFill/>
-                    </a:lnR>
-                    <a:lnT>
-                      <a:noFill/>
-                    </a:lnT>
-                    <a:lnB>
-                      <a:noFill/>
-                    </a:lnB>
-                  </a:tcPr>
-                </a:tc>
-                <a:tc>
-                  <a:txBody>
-                    <a:bodyPr/>
-                    <a:lstStyle/>
-                    <a:p>
-                      <a:pPr algn="ctr" fontAlgn="b"/>
-                      <a:endParaRPr lang="es-CR" sz="1400" b="0" i="0" u="none" strike="noStrike" dirty="0">
-                        <a:solidFill>
-                          <a:srgbClr val="000000"/>
-                        </a:solidFill>
-                        <a:effectLst/>
-                        <a:latin typeface="Calibri" panose="020F0502020204030204" pitchFamily="34" charset="0"/>
-                      </a:endParaRPr>
-                    </a:p>
-                  </a:txBody>
-                  <a:tcPr marL="9525" marR="9525" marT="9525" marB="0" anchor="b">
-                    <a:lnL>
-                      <a:noFill/>
-                    </a:lnL>
-                    <a:lnR w="12700" cap="flat" cmpd="sng" algn="ctr">
-                      <a:solidFill>
-                        <a:srgbClr val="000000"/>
-                      </a:solidFill>
-                      <a:prstDash val="solid"/>
-                      <a:round/>
-                      <a:headEnd type="none" w="med" len="med"/>
-                      <a:tailEnd type="none" w="med" len="med"/>
-                    </a:lnR>
-                    <a:lnT>
-                      <a:noFill/>
-                    </a:lnT>
-                    <a:lnB>
-                      <a:noFill/>
-                    </a:lnB>
-                  </a:tcPr>
-                </a:tc>
-                <a:tc>
-                  <a:txBody>
-                    <a:bodyPr/>
-                    <a:lstStyle/>
-                    <a:p>
-                      <a:pPr algn="ctr" fontAlgn="b"/>
-                      <a:r>
-                        <a:rPr lang="es-CR" sz="1400" b="1" i="0" u="none" strike="noStrike" dirty="0">
-                          <a:solidFill>
-                            <a:srgbClr val="99FF33"/>
-                          </a:solidFill>
-                          <a:effectLst/>
-                          <a:latin typeface="Calibri" panose="020F0502020204030204" pitchFamily="34" charset="0"/>
-                        </a:rPr>
-                        <a:t>Mes</a:t>
-                      </a:r>
-                    </a:p>
-                  </a:txBody>
-                  <a:tcPr marL="9525" marR="9525" marT="9525" marB="0" anchor="b">
-                    <a:lnL w="12700" cap="flat" cmpd="sng" algn="ctr">
-                      <a:solidFill>
-                        <a:srgbClr val="000000"/>
-                      </a:solidFill>
-                      <a:prstDash val="solid"/>
-                      <a:round/>
-                      <a:headEnd type="none" w="med" len="med"/>
-                      <a:tailEnd type="none" w="med" len="med"/>
-                    </a:lnL>
-                    <a:lnR w="12700" cap="flat" cmpd="sng" algn="ctr">
-                      <a:solidFill>
-                        <a:srgbClr val="000000"/>
-                      </a:solidFill>
-                      <a:prstDash val="solid"/>
-                      <a:round/>
-                      <a:headEnd type="none" w="med" len="med"/>
-                      <a:tailEnd type="none" w="med" len="med"/>
-                    </a:lnR>
-                    <a:lnT w="12700" cap="flat" cmpd="sng" algn="ctr">
-                      <a:solidFill>
-                        <a:srgbClr val="000000"/>
-                      </a:solidFill>
-                      <a:prstDash val="solid"/>
-                      <a:round/>
-                      <a:headEnd type="none" w="med" len="med"/>
-                      <a:tailEnd type="none" w="med" len="med"/>
-                    </a:lnT>
-                    <a:lnB w="6350" cap="flat" cmpd="sng" algn="ctr">
-                      <a:solidFill>
-                        <a:srgbClr val="000000"/>
-                      </a:solidFill>
-                      <a:prstDash val="solid"/>
-                      <a:round/>
-                      <a:headEnd type="none" w="med" len="med"/>
-                      <a:tailEnd type="none" w="med" len="med"/>
-                    </a:lnB>
-                    <a:solidFill>
-                      <a:srgbClr val="A6A6A6"/>
-                    </a:solidFill>
-                  </a:tcPr>
-                </a:tc>
-                <a:tc>
-                  <a:txBody>
-                    <a:bodyPr/>
-                    <a:lstStyle/>
-                    <a:p>
-                      <a:pPr algn="ctr" fontAlgn="b"/>
-                      <a:r>
-                        <a:rPr lang="es-CR" sz="1400" b="0" i="0" u="none" strike="noStrike" dirty="0">
-                          <a:solidFill>
-                            <a:srgbClr val="99FF33"/>
-                          </a:solidFill>
-                          <a:effectLst/>
-                          <a:latin typeface="Calibri" panose="020F0502020204030204" pitchFamily="34" charset="0"/>
-                        </a:rPr>
-                        <a:t>Enero</a:t>
-                      </a:r>
-                    </a:p>
-                  </a:txBody>
-                  <a:tcPr marL="9525" marR="9525" marT="9525" marB="0" anchor="b">
-                    <a:lnL w="12700" cap="flat" cmpd="sng" algn="ctr">
-                      <a:solidFill>
-                        <a:srgbClr val="000000"/>
-                      </a:solidFill>
-                      <a:prstDash val="solid"/>
-                      <a:round/>
-                      <a:headEnd type="none" w="med" len="med"/>
-                      <a:tailEnd type="none" w="med" len="med"/>
-                    </a:lnL>
-                    <a:lnR w="6350" cap="flat" cmpd="sng" algn="ctr">
-                      <a:solidFill>
-                        <a:srgbClr val="000000"/>
-                      </a:solidFill>
-                      <a:prstDash val="solid"/>
-                      <a:round/>
-                      <a:headEnd type="none" w="med" len="med"/>
-                      <a:tailEnd type="none" w="med" len="med"/>
-                    </a:lnR>
-                    <a:lnT w="12700" cap="flat" cmpd="sng" algn="ctr">
-                      <a:solidFill>
-                        <a:srgbClr val="000000"/>
-                      </a:solidFill>
-                      <a:prstDash val="solid"/>
-                      <a:round/>
-                      <a:headEnd type="none" w="med" len="med"/>
-                      <a:tailEnd type="none" w="med" len="med"/>
-                    </a:lnT>
-                    <a:lnB w="6350" cap="flat" cmpd="sng" algn="ctr">
-                      <a:solidFill>
-                        <a:srgbClr val="000000"/>
-                      </a:solidFill>
-                      <a:prstDash val="solid"/>
-                      <a:round/>
-                      <a:headEnd type="none" w="med" len="med"/>
-                      <a:tailEnd type="none" w="med" len="med"/>
-                    </a:lnB>
-                  </a:tcPr>
-                </a:tc>
-                <a:tc>
-                  <a:txBody>
-                    <a:bodyPr/>
-                    <a:lstStyle/>
-                    <a:p>
-                      <a:pPr algn="ctr" fontAlgn="b"/>
-                      <a:r>
-                        <a:rPr lang="es-CR" sz="1400" b="0" i="0" u="none" strike="noStrike" dirty="0">
-                          <a:solidFill>
-                            <a:srgbClr val="99FF33"/>
-                          </a:solidFill>
-                          <a:effectLst/>
-                          <a:latin typeface="Calibri" panose="020F0502020204030204" pitchFamily="34" charset="0"/>
-                        </a:rPr>
-                        <a:t>Enero</a:t>
-                      </a:r>
-                    </a:p>
-                  </a:txBody>
-                  <a:tcPr marL="9525" marR="9525" marT="9525" marB="0" anchor="b">
-                    <a:lnL w="6350" cap="flat" cmpd="sng" algn="ctr">
-                      <a:solidFill>
-                        <a:srgbClr val="000000"/>
-                      </a:solidFill>
-                      <a:prstDash val="solid"/>
-                      <a:round/>
-                      <a:headEnd type="none" w="med" len="med"/>
-                      <a:tailEnd type="none" w="med" len="med"/>
-                    </a:lnL>
-                    <a:lnR w="6350" cap="flat" cmpd="sng" algn="ctr">
-                      <a:solidFill>
-                        <a:srgbClr val="000000"/>
-                      </a:solidFill>
-                      <a:prstDash val="solid"/>
-                      <a:round/>
-                      <a:headEnd type="none" w="med" len="med"/>
-                      <a:tailEnd type="none" w="med" len="med"/>
-                    </a:lnR>
-                    <a:lnT w="12700" cap="flat" cmpd="sng" algn="ctr">
-                      <a:solidFill>
-                        <a:srgbClr val="000000"/>
-                      </a:solidFill>
-                      <a:prstDash val="solid"/>
-                      <a:round/>
-                      <a:headEnd type="none" w="med" len="med"/>
-                      <a:tailEnd type="none" w="med" len="med"/>
-                    </a:lnT>
-                    <a:lnB w="6350" cap="flat" cmpd="sng" algn="ctr">
-                      <a:solidFill>
-                        <a:srgbClr val="000000"/>
-                      </a:solidFill>
-                      <a:prstDash val="solid"/>
-                      <a:round/>
-                      <a:headEnd type="none" w="med" len="med"/>
-                      <a:tailEnd type="none" w="med" len="med"/>
-                    </a:lnB>
-                  </a:tcPr>
-                </a:tc>
-                <a:tc>
-                  <a:txBody>
-                    <a:bodyPr/>
-                    <a:lstStyle/>
-                    <a:p>
-                      <a:pPr algn="ctr" fontAlgn="b"/>
-                      <a:r>
-                        <a:rPr lang="es-CR" sz="1100" b="0" i="0" u="none" strike="noStrike" dirty="0">
-                          <a:solidFill>
-                            <a:srgbClr val="99FF33"/>
-                          </a:solidFill>
-                          <a:effectLst/>
-                          <a:latin typeface="Calibri" panose="020F0502020204030204" pitchFamily="34" charset="0"/>
-                        </a:rPr>
-                        <a:t>Enero</a:t>
-                      </a:r>
-                    </a:p>
-                  </a:txBody>
-                  <a:tcPr marL="9525" marR="9525" marT="9525" marB="0" anchor="b">
-                    <a:lnL w="6350" cap="flat" cmpd="sng" algn="ctr">
-                      <a:solidFill>
-                        <a:srgbClr val="000000"/>
-                      </a:solidFill>
-                      <a:prstDash val="solid"/>
-                      <a:round/>
-                      <a:headEnd type="none" w="med" len="med"/>
-                      <a:tailEnd type="none" w="med" len="med"/>
-                    </a:lnL>
-                    <a:lnR w="6350" cap="flat" cmpd="sng" algn="ctr">
-                      <a:solidFill>
-                        <a:srgbClr val="000000"/>
-                      </a:solidFill>
-                      <a:prstDash val="solid"/>
-                      <a:round/>
-                      <a:headEnd type="none" w="med" len="med"/>
-                      <a:tailEnd type="none" w="med" len="med"/>
-                    </a:lnR>
-                    <a:lnT w="12700" cap="flat" cmpd="sng" algn="ctr">
-                      <a:solidFill>
-                        <a:srgbClr val="000000"/>
-                      </a:solidFill>
-                      <a:prstDash val="solid"/>
-                      <a:round/>
-                      <a:headEnd type="none" w="med" len="med"/>
-                      <a:tailEnd type="none" w="med" len="med"/>
-                    </a:lnT>
-                    <a:lnB w="6350" cap="flat" cmpd="sng" algn="ctr">
-                      <a:solidFill>
-                        <a:srgbClr val="000000"/>
-                      </a:solidFill>
-                      <a:prstDash val="solid"/>
-                      <a:round/>
-                      <a:headEnd type="none" w="med" len="med"/>
-                      <a:tailEnd type="none" w="med" len="med"/>
-                    </a:lnB>
-                  </a:tcPr>
-                </a:tc>
-                <a:tc>
-                  <a:txBody>
-                    <a:bodyPr/>
-                    <a:lstStyle/>
-                    <a:p>
-                      <a:pPr algn="ctr" fontAlgn="b"/>
-                      <a:r>
-                        <a:rPr lang="es-CR" sz="1100" b="0" i="0" u="none" strike="noStrike">
-                          <a:solidFill>
-                            <a:srgbClr val="99FF33"/>
-                          </a:solidFill>
-                          <a:effectLst/>
-                          <a:latin typeface="Calibri" panose="020F0502020204030204" pitchFamily="34" charset="0"/>
-                        </a:rPr>
-                        <a:t>Enero</a:t>
-                      </a:r>
-                    </a:p>
-                  </a:txBody>
-                  <a:tcPr marL="9525" marR="9525" marT="9525" marB="0" anchor="b">
-                    <a:lnL w="6350" cap="flat" cmpd="sng" algn="ctr">
-                      <a:solidFill>
-                        <a:srgbClr val="000000"/>
-                      </a:solidFill>
-                      <a:prstDash val="solid"/>
-                      <a:round/>
-                      <a:headEnd type="none" w="med" len="med"/>
-                      <a:tailEnd type="none" w="med" len="med"/>
-                    </a:lnL>
-                    <a:lnR w="12700" cap="flat" cmpd="sng" algn="ctr">
-                      <a:solidFill>
-                        <a:srgbClr val="000000"/>
-                      </a:solidFill>
-                      <a:prstDash val="solid"/>
-                      <a:round/>
-                      <a:headEnd type="none" w="med" len="med"/>
-                      <a:tailEnd type="none" w="med" len="med"/>
-                    </a:lnR>
-                    <a:lnT w="12700" cap="flat" cmpd="sng" algn="ctr">
-                      <a:solidFill>
-                        <a:srgbClr val="000000"/>
-                      </a:solidFill>
-                      <a:prstDash val="solid"/>
-                      <a:round/>
-                      <a:headEnd type="none" w="med" len="med"/>
-                      <a:tailEnd type="none" w="med" len="med"/>
-                    </a:lnT>
-                    <a:lnB w="6350" cap="flat" cmpd="sng" algn="ctr">
-                      <a:solidFill>
-                        <a:srgbClr val="000000"/>
-                      </a:solidFill>
-                      <a:prstDash val="solid"/>
-                      <a:round/>
-                      <a:headEnd type="none" w="med" len="med"/>
-                      <a:tailEnd type="none" w="med" len="med"/>
-                    </a:lnB>
-                  </a:tcPr>
-                </a:tc>
-                <a:extLst>
-                  <a:ext uri="{0D108BD9-81ED-4DB2-BD59-A6C34878D82A}">
-                    <a16:rowId xmlns:a16="http://schemas.microsoft.com/office/drawing/2014/main" val="2189654244"/>
-                  </a:ext>
-                </a:extLst>
-              </a:tr>
-              <a:tr h="439061">
-                <a:tc>
-                  <a:txBody>
-                    <a:bodyPr/>
-                    <a:lstStyle/>
-                    <a:p>
-                      <a:pPr algn="ctr" fontAlgn="b"/>
-                      <a:r>
-                        <a:rPr lang="es-CR" sz="1400" b="0" i="0" u="none" strike="noStrike" dirty="0">
-                          <a:solidFill>
-                            <a:srgbClr val="99FF33"/>
-                          </a:solidFill>
-                          <a:effectLst/>
-                          <a:latin typeface="Calibri" panose="020F0502020204030204" pitchFamily="34" charset="0"/>
-                        </a:rPr>
-                        <a:t>Enero</a:t>
-                      </a:r>
-                    </a:p>
-                  </a:txBody>
-                  <a:tcPr marL="9525" marR="9525" marT="9525" marB="0" anchor="b">
-                    <a:lnL w="12700" cap="flat" cmpd="sng" algn="ctr">
-                      <a:solidFill>
-                        <a:srgbClr val="000000"/>
-                      </a:solidFill>
-                      <a:prstDash val="solid"/>
-                      <a:round/>
-                      <a:headEnd type="none" w="med" len="med"/>
-                      <a:tailEnd type="none" w="med" len="med"/>
-                    </a:lnL>
-                    <a:lnR w="6350" cap="flat" cmpd="sng" algn="ctr">
-                      <a:solidFill>
-                        <a:srgbClr val="000000"/>
-                      </a:solidFill>
-                      <a:prstDash val="solid"/>
-                      <a:round/>
-                      <a:headEnd type="none" w="med" len="med"/>
-                      <a:tailEnd type="none" w="med" len="med"/>
-                    </a:lnR>
-                    <a:lnT w="12700" cap="flat" cmpd="sng" algn="ctr">
-                      <a:solidFill>
-                        <a:srgbClr val="000000"/>
-                      </a:solidFill>
-                      <a:prstDash val="solid"/>
-                      <a:round/>
-                      <a:headEnd type="none" w="med" len="med"/>
-                      <a:tailEnd type="none" w="med" len="med"/>
-                    </a:lnT>
-                    <a:lnB w="6350" cap="flat" cmpd="sng" algn="ctr">
-                      <a:solidFill>
-                        <a:srgbClr val="000000"/>
-                      </a:solidFill>
-                      <a:prstDash val="solid"/>
-                      <a:round/>
-                      <a:headEnd type="none" w="med" len="med"/>
-                      <a:tailEnd type="none" w="med" len="med"/>
-                    </a:lnB>
-                  </a:tcPr>
-                </a:tc>
-                <a:tc>
-                  <a:txBody>
-                    <a:bodyPr/>
-                    <a:lstStyle/>
-                    <a:p>
-                      <a:pPr algn="ctr" fontAlgn="b"/>
-                      <a:r>
-                        <a:rPr lang="es-CR" sz="1400" b="0" i="0" u="none" strike="noStrike" dirty="0">
-                          <a:solidFill>
-                            <a:srgbClr val="99FF33"/>
-                          </a:solidFill>
-                          <a:effectLst/>
-                          <a:latin typeface="Calibri" panose="020F0502020204030204" pitchFamily="34" charset="0"/>
-                        </a:rPr>
-                        <a:t>Domingo</a:t>
-                      </a:r>
-                    </a:p>
-                  </a:txBody>
-                  <a:tcPr marL="9525" marR="9525" marT="9525" marB="0" anchor="b">
-                    <a:lnL w="6350" cap="flat" cmpd="sng" algn="ctr">
-                      <a:solidFill>
-                        <a:srgbClr val="000000"/>
-                      </a:solidFill>
-                      <a:prstDash val="solid"/>
-                      <a:round/>
-                      <a:headEnd type="none" w="med" len="med"/>
-                      <a:tailEnd type="none" w="med" len="med"/>
-                    </a:lnL>
-                    <a:lnR w="6350" cap="flat" cmpd="sng" algn="ctr">
-                      <a:solidFill>
-                        <a:srgbClr val="000000"/>
-                      </a:solidFill>
-                      <a:prstDash val="solid"/>
-                      <a:round/>
-                      <a:headEnd type="none" w="med" len="med"/>
-                      <a:tailEnd type="none" w="med" len="med"/>
-                    </a:lnR>
-                    <a:lnT w="12700" cap="flat" cmpd="sng" algn="ctr">
-                      <a:solidFill>
-                        <a:srgbClr val="000000"/>
-                      </a:solidFill>
-                      <a:prstDash val="solid"/>
-                      <a:round/>
-                      <a:headEnd type="none" w="med" len="med"/>
-                      <a:tailEnd type="none" w="med" len="med"/>
-                    </a:lnT>
-                    <a:lnB w="6350" cap="flat" cmpd="sng" algn="ctr">
-                      <a:solidFill>
-                        <a:srgbClr val="000000"/>
-                      </a:solidFill>
-                      <a:prstDash val="solid"/>
-                      <a:round/>
-                      <a:headEnd type="none" w="med" len="med"/>
-                      <a:tailEnd type="none" w="med" len="med"/>
-                    </a:lnB>
-                  </a:tcPr>
-                </a:tc>
-                <a:tc>
-                  <a:txBody>
-                    <a:bodyPr/>
-                    <a:lstStyle/>
-                    <a:p>
-                      <a:pPr algn="ctr" fontAlgn="b"/>
-                      <a:r>
-                        <a:rPr lang="es-CR" sz="1400" b="0" i="0" u="none" strike="noStrike" dirty="0">
-                          <a:solidFill>
-                            <a:srgbClr val="99FF33"/>
-                          </a:solidFill>
-                          <a:effectLst/>
-                          <a:latin typeface="Calibri" panose="020F0502020204030204" pitchFamily="34" charset="0"/>
-                        </a:rPr>
-                        <a:t>200</a:t>
-                      </a:r>
-                    </a:p>
-                  </a:txBody>
-                  <a:tcPr marL="9525" marR="9525" marT="9525" marB="0" anchor="b">
-                    <a:lnL w="6350" cap="flat" cmpd="sng" algn="ctr">
-                      <a:solidFill>
-                        <a:srgbClr val="000000"/>
-                      </a:solidFill>
-                      <a:prstDash val="solid"/>
-                      <a:round/>
-                      <a:headEnd type="none" w="med" len="med"/>
-                      <a:tailEnd type="none" w="med" len="med"/>
-                    </a:lnL>
-                    <a:lnR w="12700" cap="flat" cmpd="sng" algn="ctr">
-                      <a:solidFill>
-                        <a:srgbClr val="000000"/>
-                      </a:solidFill>
-                      <a:prstDash val="solid"/>
-                      <a:round/>
-                      <a:headEnd type="none" w="med" len="med"/>
-                      <a:tailEnd type="none" w="med" len="med"/>
-                    </a:lnR>
-                    <a:lnT w="12700" cap="flat" cmpd="sng" algn="ctr">
-                      <a:solidFill>
-                        <a:srgbClr val="000000"/>
-                      </a:solidFill>
-                      <a:prstDash val="solid"/>
-                      <a:round/>
-                      <a:headEnd type="none" w="med" len="med"/>
-                      <a:tailEnd type="none" w="med" len="med"/>
-                    </a:lnT>
-                    <a:lnB w="6350" cap="flat" cmpd="sng" algn="ctr">
-                      <a:solidFill>
-                        <a:srgbClr val="000000"/>
-                      </a:solidFill>
-                      <a:prstDash val="solid"/>
-                      <a:round/>
-                      <a:headEnd type="none" w="med" len="med"/>
-                      <a:tailEnd type="none" w="med" len="med"/>
-                    </a:lnB>
-                  </a:tcPr>
-                </a:tc>
-                <a:tc>
-                  <a:txBody>
-                    <a:bodyPr/>
-                    <a:lstStyle/>
-                    <a:p>
-                      <a:pPr algn="ctr" fontAlgn="b"/>
-                      <a:endParaRPr lang="es-CR" sz="1400" b="0" i="0" u="none" strike="noStrike" dirty="0">
-                        <a:solidFill>
-                          <a:srgbClr val="000000"/>
-                        </a:solidFill>
-                        <a:effectLst/>
-                        <a:latin typeface="Calibri" panose="020F0502020204030204" pitchFamily="34" charset="0"/>
-                      </a:endParaRPr>
-                    </a:p>
-                  </a:txBody>
-                  <a:tcPr marL="9525" marR="9525" marT="9525" marB="0" anchor="b">
-                    <a:lnL w="12700" cap="flat" cmpd="sng" algn="ctr">
-                      <a:solidFill>
-                        <a:srgbClr val="000000"/>
-                      </a:solidFill>
-                      <a:prstDash val="solid"/>
-                      <a:round/>
-                      <a:headEnd type="none" w="med" len="med"/>
-                      <a:tailEnd type="none" w="med" len="med"/>
-                    </a:lnL>
-                    <a:lnR>
-                      <a:noFill/>
-                    </a:lnR>
-                    <a:lnT>
-                      <a:noFill/>
-                    </a:lnT>
-                    <a:lnB>
-                      <a:noFill/>
-                    </a:lnB>
-                  </a:tcPr>
-                </a:tc>
-                <a:tc>
-                  <a:txBody>
-                    <a:bodyPr/>
-                    <a:lstStyle/>
-                    <a:p>
-                      <a:pPr algn="ctr" fontAlgn="b"/>
-                      <a:endParaRPr lang="es-CR" sz="1400" b="0" i="0" u="none" strike="noStrike" dirty="0">
-                        <a:solidFill>
-                          <a:srgbClr val="000000"/>
-                        </a:solidFill>
-                        <a:effectLst/>
-                        <a:latin typeface="Calibri" panose="020F0502020204030204" pitchFamily="34" charset="0"/>
-                      </a:endParaRPr>
-                    </a:p>
-                  </a:txBody>
-                  <a:tcPr marL="9525" marR="9525" marT="9525" marB="0" anchor="b">
-                    <a:lnL>
-                      <a:noFill/>
-                    </a:lnL>
-                    <a:lnR w="12700" cap="flat" cmpd="sng" algn="ctr">
-                      <a:solidFill>
-                        <a:srgbClr val="000000"/>
-                      </a:solidFill>
-                      <a:prstDash val="solid"/>
-                      <a:round/>
-                      <a:headEnd type="none" w="med" len="med"/>
-                      <a:tailEnd type="none" w="med" len="med"/>
-                    </a:lnR>
-                    <a:lnT>
-                      <a:noFill/>
-                    </a:lnT>
-                    <a:lnB>
-                      <a:noFill/>
-                    </a:lnB>
-                  </a:tcPr>
-                </a:tc>
-                <a:tc>
-                  <a:txBody>
-                    <a:bodyPr/>
-                    <a:lstStyle/>
-                    <a:p>
-                      <a:pPr algn="ctr" fontAlgn="b"/>
-                      <a:r>
-                        <a:rPr lang="es-CR" sz="1400" b="1" i="0" u="none" strike="noStrike">
-                          <a:solidFill>
-                            <a:srgbClr val="99FF33"/>
-                          </a:solidFill>
-                          <a:effectLst/>
-                          <a:latin typeface="Calibri" panose="020F0502020204030204" pitchFamily="34" charset="0"/>
-                        </a:rPr>
-                        <a:t>DíaDelMes</a:t>
-                      </a:r>
-                    </a:p>
-                  </a:txBody>
-                  <a:tcPr marL="9525" marR="9525" marT="9525" marB="0" anchor="b">
-                    <a:lnL w="12700" cap="flat" cmpd="sng" algn="ctr">
-                      <a:solidFill>
-                        <a:srgbClr val="000000"/>
-                      </a:solidFill>
-                      <a:prstDash val="solid"/>
-                      <a:round/>
-                      <a:headEnd type="none" w="med" len="med"/>
-                      <a:tailEnd type="none" w="med" len="med"/>
-                    </a:lnL>
-                    <a:lnR w="12700" cap="flat" cmpd="sng" algn="ctr">
-                      <a:solidFill>
-                        <a:srgbClr val="000000"/>
-                      </a:solidFill>
-                      <a:prstDash val="solid"/>
-                      <a:round/>
-                      <a:headEnd type="none" w="med" len="med"/>
-                      <a:tailEnd type="none" w="med" len="med"/>
-                    </a:lnR>
-                    <a:lnT w="6350" cap="flat" cmpd="sng" algn="ctr">
-                      <a:solidFill>
-                        <a:srgbClr val="000000"/>
-                      </a:solidFill>
-                      <a:prstDash val="solid"/>
-                      <a:round/>
-                      <a:headEnd type="none" w="med" len="med"/>
-                      <a:tailEnd type="none" w="med" len="med"/>
-                    </a:lnT>
-                    <a:lnB w="6350" cap="flat" cmpd="sng" algn="ctr">
-                      <a:solidFill>
-                        <a:srgbClr val="000000"/>
-                      </a:solidFill>
-                      <a:prstDash val="solid"/>
-                      <a:round/>
-                      <a:headEnd type="none" w="med" len="med"/>
-                      <a:tailEnd type="none" w="med" len="med"/>
-                    </a:lnB>
-                    <a:solidFill>
-                      <a:srgbClr val="A6A6A6"/>
-                    </a:solidFill>
-                  </a:tcPr>
-                </a:tc>
-                <a:tc>
-                  <a:txBody>
-                    <a:bodyPr/>
-                    <a:lstStyle/>
-                    <a:p>
-                      <a:pPr algn="ctr" fontAlgn="b"/>
-                      <a:r>
-                        <a:rPr lang="es-CR" sz="1400" b="0" i="0" u="none" strike="noStrike" dirty="0">
-                          <a:solidFill>
-                            <a:srgbClr val="99FF33"/>
-                          </a:solidFill>
-                          <a:effectLst/>
-                          <a:latin typeface="Calibri" panose="020F0502020204030204" pitchFamily="34" charset="0"/>
-                        </a:rPr>
-                        <a:t>Domingo</a:t>
-                      </a:r>
-                    </a:p>
-                  </a:txBody>
-                  <a:tcPr marL="9525" marR="9525" marT="9525" marB="0" anchor="b">
-                    <a:lnL w="12700" cap="flat" cmpd="sng" algn="ctr">
-                      <a:solidFill>
-                        <a:srgbClr val="000000"/>
-                      </a:solidFill>
-                      <a:prstDash val="solid"/>
-                      <a:round/>
-                      <a:headEnd type="none" w="med" len="med"/>
-                      <a:tailEnd type="none" w="med" len="med"/>
-                    </a:lnL>
-                    <a:lnR w="6350" cap="flat" cmpd="sng" algn="ctr">
-                      <a:solidFill>
-                        <a:srgbClr val="000000"/>
-                      </a:solidFill>
-                      <a:prstDash val="solid"/>
-                      <a:round/>
-                      <a:headEnd type="none" w="med" len="med"/>
-                      <a:tailEnd type="none" w="med" len="med"/>
-                    </a:lnR>
-                    <a:lnT w="6350" cap="flat" cmpd="sng" algn="ctr">
-                      <a:solidFill>
-                        <a:srgbClr val="000000"/>
-                      </a:solidFill>
-                      <a:prstDash val="solid"/>
-                      <a:round/>
-                      <a:headEnd type="none" w="med" len="med"/>
-                      <a:tailEnd type="none" w="med" len="med"/>
-                    </a:lnT>
-                    <a:lnB w="6350" cap="flat" cmpd="sng" algn="ctr">
-                      <a:solidFill>
-                        <a:srgbClr val="000000"/>
-                      </a:solidFill>
-                      <a:prstDash val="solid"/>
-                      <a:round/>
-                      <a:headEnd type="none" w="med" len="med"/>
-                      <a:tailEnd type="none" w="med" len="med"/>
-                    </a:lnB>
-                  </a:tcPr>
-                </a:tc>
-                <a:tc>
-                  <a:txBody>
-                    <a:bodyPr/>
-                    <a:lstStyle/>
-                    <a:p>
-                      <a:pPr algn="ctr" fontAlgn="b"/>
-                      <a:r>
-                        <a:rPr lang="es-CR" sz="1400" b="0" i="0" u="none" strike="noStrike" dirty="0">
-                          <a:solidFill>
-                            <a:srgbClr val="99FF33"/>
-                          </a:solidFill>
-                          <a:effectLst/>
-                          <a:latin typeface="Calibri" panose="020F0502020204030204" pitchFamily="34" charset="0"/>
-                        </a:rPr>
-                        <a:t>Lunes</a:t>
-                      </a:r>
-                    </a:p>
-                  </a:txBody>
-                  <a:tcPr marL="9525" marR="9525" marT="9525" marB="0" anchor="b">
-                    <a:lnL w="6350" cap="flat" cmpd="sng" algn="ctr">
-                      <a:solidFill>
-                        <a:srgbClr val="000000"/>
-                      </a:solidFill>
-                      <a:prstDash val="solid"/>
-                      <a:round/>
-                      <a:headEnd type="none" w="med" len="med"/>
-                      <a:tailEnd type="none" w="med" len="med"/>
-                    </a:lnL>
-                    <a:lnR w="6350" cap="flat" cmpd="sng" algn="ctr">
-                      <a:solidFill>
-                        <a:srgbClr val="000000"/>
-                      </a:solidFill>
-                      <a:prstDash val="solid"/>
-                      <a:round/>
-                      <a:headEnd type="none" w="med" len="med"/>
-                      <a:tailEnd type="none" w="med" len="med"/>
-                    </a:lnR>
-                    <a:lnT w="6350" cap="flat" cmpd="sng" algn="ctr">
-                      <a:solidFill>
-                        <a:srgbClr val="000000"/>
-                      </a:solidFill>
-                      <a:prstDash val="solid"/>
-                      <a:round/>
-                      <a:headEnd type="none" w="med" len="med"/>
-                      <a:tailEnd type="none" w="med" len="med"/>
-                    </a:lnT>
-                    <a:lnB w="6350" cap="flat" cmpd="sng" algn="ctr">
-                      <a:solidFill>
-                        <a:srgbClr val="000000"/>
-                      </a:solidFill>
-                      <a:prstDash val="solid"/>
-                      <a:round/>
-                      <a:headEnd type="none" w="med" len="med"/>
-                      <a:tailEnd type="none" w="med" len="med"/>
-                    </a:lnB>
-                  </a:tcPr>
-                </a:tc>
-                <a:tc>
-                  <a:txBody>
-                    <a:bodyPr/>
-                    <a:lstStyle/>
-                    <a:p>
-                      <a:pPr algn="ctr" fontAlgn="b"/>
-                      <a:r>
-                        <a:rPr lang="es-CR" sz="1100" b="0" i="0" u="none" strike="noStrike" dirty="0">
-                          <a:solidFill>
-                            <a:srgbClr val="99FF33"/>
-                          </a:solidFill>
-                          <a:effectLst/>
-                          <a:latin typeface="Calibri" panose="020F0502020204030204" pitchFamily="34" charset="0"/>
-                        </a:rPr>
-                        <a:t>Martes</a:t>
-                      </a:r>
-                    </a:p>
-                  </a:txBody>
-                  <a:tcPr marL="9525" marR="9525" marT="9525" marB="0" anchor="b">
-                    <a:lnL w="6350" cap="flat" cmpd="sng" algn="ctr">
-                      <a:solidFill>
-                        <a:srgbClr val="000000"/>
-                      </a:solidFill>
-                      <a:prstDash val="solid"/>
-                      <a:round/>
-                      <a:headEnd type="none" w="med" len="med"/>
-                      <a:tailEnd type="none" w="med" len="med"/>
-                    </a:lnL>
-                    <a:lnR w="6350" cap="flat" cmpd="sng" algn="ctr">
-                      <a:solidFill>
-                        <a:srgbClr val="000000"/>
-                      </a:solidFill>
-                      <a:prstDash val="solid"/>
-                      <a:round/>
-                      <a:headEnd type="none" w="med" len="med"/>
-                      <a:tailEnd type="none" w="med" len="med"/>
-                    </a:lnR>
-                    <a:lnT w="6350" cap="flat" cmpd="sng" algn="ctr">
-                      <a:solidFill>
-                        <a:srgbClr val="000000"/>
-                      </a:solidFill>
-                      <a:prstDash val="solid"/>
-                      <a:round/>
-                      <a:headEnd type="none" w="med" len="med"/>
-                      <a:tailEnd type="none" w="med" len="med"/>
-                    </a:lnT>
-                    <a:lnB w="6350" cap="flat" cmpd="sng" algn="ctr">
-                      <a:solidFill>
-                        <a:srgbClr val="000000"/>
-                      </a:solidFill>
-                      <a:prstDash val="solid"/>
-                      <a:round/>
-                      <a:headEnd type="none" w="med" len="med"/>
-                      <a:tailEnd type="none" w="med" len="med"/>
-                    </a:lnB>
-                  </a:tcPr>
-                </a:tc>
-                <a:tc>
-                  <a:txBody>
-                    <a:bodyPr/>
-                    <a:lstStyle/>
-                    <a:p>
-                      <a:pPr algn="ctr" fontAlgn="b"/>
-                      <a:r>
-                        <a:rPr lang="es-CR" sz="1100" b="0" i="0" u="none" strike="noStrike" dirty="0">
-                          <a:solidFill>
-                            <a:srgbClr val="99FF33"/>
-                          </a:solidFill>
-                          <a:effectLst/>
-                          <a:latin typeface="Calibri" panose="020F0502020204030204" pitchFamily="34" charset="0"/>
-                        </a:rPr>
-                        <a:t>Miércoles</a:t>
-                      </a:r>
-                    </a:p>
-                  </a:txBody>
-                  <a:tcPr marL="9525" marR="9525" marT="9525" marB="0" anchor="b">
-                    <a:lnL w="6350" cap="flat" cmpd="sng" algn="ctr">
-                      <a:solidFill>
-                        <a:srgbClr val="000000"/>
-                      </a:solidFill>
-                      <a:prstDash val="solid"/>
-                      <a:round/>
-                      <a:headEnd type="none" w="med" len="med"/>
-                      <a:tailEnd type="none" w="med" len="med"/>
-                    </a:lnL>
-                    <a:lnR w="12700" cap="flat" cmpd="sng" algn="ctr">
-                      <a:solidFill>
-                        <a:srgbClr val="000000"/>
-                      </a:solidFill>
-                      <a:prstDash val="solid"/>
-                      <a:round/>
-                      <a:headEnd type="none" w="med" len="med"/>
-                      <a:tailEnd type="none" w="med" len="med"/>
-                    </a:lnR>
-                    <a:lnT w="6350" cap="flat" cmpd="sng" algn="ctr">
-                      <a:solidFill>
-                        <a:srgbClr val="000000"/>
-                      </a:solidFill>
-                      <a:prstDash val="solid"/>
-                      <a:round/>
-                      <a:headEnd type="none" w="med" len="med"/>
-                      <a:tailEnd type="none" w="med" len="med"/>
-                    </a:lnT>
-                    <a:lnB w="6350" cap="flat" cmpd="sng" algn="ctr">
-                      <a:solidFill>
-                        <a:srgbClr val="000000"/>
-                      </a:solidFill>
-                      <a:prstDash val="solid"/>
-                      <a:round/>
-                      <a:headEnd type="none" w="med" len="med"/>
-                      <a:tailEnd type="none" w="med" len="med"/>
-                    </a:lnB>
-                  </a:tcPr>
-                </a:tc>
-                <a:extLst>
-                  <a:ext uri="{0D108BD9-81ED-4DB2-BD59-A6C34878D82A}">
-                    <a16:rowId xmlns:a16="http://schemas.microsoft.com/office/drawing/2014/main" val="1113834509"/>
-                  </a:ext>
-                </a:extLst>
-              </a:tr>
-              <a:tr h="224324">
-                <a:tc>
-                  <a:txBody>
-                    <a:bodyPr/>
-                    <a:lstStyle/>
-                    <a:p>
-                      <a:pPr algn="ctr" fontAlgn="b"/>
-                      <a:r>
-                        <a:rPr lang="es-CR" sz="1400" b="0" i="0" u="none" strike="noStrike">
-                          <a:solidFill>
-                            <a:srgbClr val="99FF33"/>
-                          </a:solidFill>
-                          <a:effectLst/>
-                          <a:latin typeface="Calibri" panose="020F0502020204030204" pitchFamily="34" charset="0"/>
-                        </a:rPr>
-                        <a:t>Enero</a:t>
-                      </a:r>
-                    </a:p>
-                  </a:txBody>
-                  <a:tcPr marL="9525" marR="9525" marT="9525" marB="0" anchor="b">
-                    <a:lnL w="12700" cap="flat" cmpd="sng" algn="ctr">
-                      <a:solidFill>
-                        <a:srgbClr val="000000"/>
-                      </a:solidFill>
-                      <a:prstDash val="solid"/>
-                      <a:round/>
-                      <a:headEnd type="none" w="med" len="med"/>
-                      <a:tailEnd type="none" w="med" len="med"/>
-                    </a:lnL>
-                    <a:lnR w="6350" cap="flat" cmpd="sng" algn="ctr">
-                      <a:solidFill>
-                        <a:srgbClr val="000000"/>
-                      </a:solidFill>
-                      <a:prstDash val="solid"/>
-                      <a:round/>
-                      <a:headEnd type="none" w="med" len="med"/>
-                      <a:tailEnd type="none" w="med" len="med"/>
-                    </a:lnR>
-                    <a:lnT w="6350" cap="flat" cmpd="sng" algn="ctr">
-                      <a:solidFill>
-                        <a:srgbClr val="000000"/>
-                      </a:solidFill>
-                      <a:prstDash val="solid"/>
-                      <a:round/>
-                      <a:headEnd type="none" w="med" len="med"/>
-                      <a:tailEnd type="none" w="med" len="med"/>
-                    </a:lnT>
-                    <a:lnB w="6350" cap="flat" cmpd="sng" algn="ctr">
-                      <a:solidFill>
-                        <a:srgbClr val="000000"/>
-                      </a:solidFill>
-                      <a:prstDash val="solid"/>
-                      <a:round/>
-                      <a:headEnd type="none" w="med" len="med"/>
-                      <a:tailEnd type="none" w="med" len="med"/>
-                    </a:lnB>
-                  </a:tcPr>
-                </a:tc>
-                <a:tc>
-                  <a:txBody>
-                    <a:bodyPr/>
-                    <a:lstStyle/>
-                    <a:p>
-                      <a:pPr algn="ctr" fontAlgn="b"/>
-                      <a:r>
-                        <a:rPr lang="es-CR" sz="1400" b="0" i="0" u="none" strike="noStrike" dirty="0">
-                          <a:solidFill>
-                            <a:srgbClr val="99FF33"/>
-                          </a:solidFill>
-                          <a:effectLst/>
-                          <a:latin typeface="Calibri" panose="020F0502020204030204" pitchFamily="34" charset="0"/>
-                        </a:rPr>
-                        <a:t>Lunes</a:t>
-                      </a:r>
-                    </a:p>
-                  </a:txBody>
-                  <a:tcPr marL="9525" marR="9525" marT="9525" marB="0" anchor="b">
-                    <a:lnL w="6350" cap="flat" cmpd="sng" algn="ctr">
-                      <a:solidFill>
-                        <a:srgbClr val="000000"/>
-                      </a:solidFill>
-                      <a:prstDash val="solid"/>
-                      <a:round/>
-                      <a:headEnd type="none" w="med" len="med"/>
-                      <a:tailEnd type="none" w="med" len="med"/>
-                    </a:lnL>
-                    <a:lnR w="6350" cap="flat" cmpd="sng" algn="ctr">
-                      <a:solidFill>
-                        <a:srgbClr val="000000"/>
-                      </a:solidFill>
-                      <a:prstDash val="solid"/>
-                      <a:round/>
-                      <a:headEnd type="none" w="med" len="med"/>
-                      <a:tailEnd type="none" w="med" len="med"/>
-                    </a:lnR>
-                    <a:lnT w="6350" cap="flat" cmpd="sng" algn="ctr">
-                      <a:solidFill>
-                        <a:srgbClr val="000000"/>
-                      </a:solidFill>
-                      <a:prstDash val="solid"/>
-                      <a:round/>
-                      <a:headEnd type="none" w="med" len="med"/>
-                      <a:tailEnd type="none" w="med" len="med"/>
-                    </a:lnT>
-                    <a:lnB w="6350" cap="flat" cmpd="sng" algn="ctr">
-                      <a:solidFill>
-                        <a:srgbClr val="000000"/>
-                      </a:solidFill>
-                      <a:prstDash val="solid"/>
-                      <a:round/>
-                      <a:headEnd type="none" w="med" len="med"/>
-                      <a:tailEnd type="none" w="med" len="med"/>
-                    </a:lnB>
-                  </a:tcPr>
-                </a:tc>
-                <a:tc>
-                  <a:txBody>
-                    <a:bodyPr/>
-                    <a:lstStyle/>
-                    <a:p>
-                      <a:pPr algn="ctr" fontAlgn="b"/>
-                      <a:r>
-                        <a:rPr lang="es-CR" sz="1400" b="0" i="0" u="none" strike="noStrike" dirty="0">
-                          <a:solidFill>
-                            <a:srgbClr val="99FF33"/>
-                          </a:solidFill>
-                          <a:effectLst/>
-                          <a:latin typeface="Calibri" panose="020F0502020204030204" pitchFamily="34" charset="0"/>
-                        </a:rPr>
-                        <a:t>100</a:t>
-                      </a:r>
-                    </a:p>
-                  </a:txBody>
-                  <a:tcPr marL="9525" marR="9525" marT="9525" marB="0" anchor="b">
-                    <a:lnL w="6350" cap="flat" cmpd="sng" algn="ctr">
-                      <a:solidFill>
-                        <a:srgbClr val="000000"/>
-                      </a:solidFill>
-                      <a:prstDash val="solid"/>
-                      <a:round/>
-                      <a:headEnd type="none" w="med" len="med"/>
-                      <a:tailEnd type="none" w="med" len="med"/>
-                    </a:lnL>
-                    <a:lnR w="12700" cap="flat" cmpd="sng" algn="ctr">
-                      <a:solidFill>
-                        <a:srgbClr val="000000"/>
-                      </a:solidFill>
-                      <a:prstDash val="solid"/>
-                      <a:round/>
-                      <a:headEnd type="none" w="med" len="med"/>
-                      <a:tailEnd type="none" w="med" len="med"/>
-                    </a:lnR>
-                    <a:lnT w="6350" cap="flat" cmpd="sng" algn="ctr">
-                      <a:solidFill>
-                        <a:srgbClr val="000000"/>
-                      </a:solidFill>
-                      <a:prstDash val="solid"/>
-                      <a:round/>
-                      <a:headEnd type="none" w="med" len="med"/>
-                      <a:tailEnd type="none" w="med" len="med"/>
-                    </a:lnT>
-                    <a:lnB w="6350" cap="flat" cmpd="sng" algn="ctr">
-                      <a:solidFill>
-                        <a:srgbClr val="000000"/>
-                      </a:solidFill>
-                      <a:prstDash val="solid"/>
-                      <a:round/>
-                      <a:headEnd type="none" w="med" len="med"/>
-                      <a:tailEnd type="none" w="med" len="med"/>
-                    </a:lnB>
-                  </a:tcPr>
-                </a:tc>
-                <a:tc>
-                  <a:txBody>
-                    <a:bodyPr/>
-                    <a:lstStyle/>
-                    <a:p>
-                      <a:pPr algn="ctr" fontAlgn="b"/>
-                      <a:endParaRPr lang="es-CR" sz="1400" b="0" i="0" u="none" strike="noStrike">
-                        <a:solidFill>
-                          <a:srgbClr val="000000"/>
-                        </a:solidFill>
-                        <a:effectLst/>
-                        <a:latin typeface="Calibri" panose="020F0502020204030204" pitchFamily="34" charset="0"/>
-                      </a:endParaRPr>
-                    </a:p>
-                  </a:txBody>
-                  <a:tcPr marL="9525" marR="9525" marT="9525" marB="0" anchor="b">
-                    <a:lnL w="12700" cap="flat" cmpd="sng" algn="ctr">
-                      <a:solidFill>
-                        <a:srgbClr val="000000"/>
-                      </a:solidFill>
-                      <a:prstDash val="solid"/>
-                      <a:round/>
-                      <a:headEnd type="none" w="med" len="med"/>
-                      <a:tailEnd type="none" w="med" len="med"/>
-                    </a:lnL>
-                    <a:lnR>
-                      <a:noFill/>
-                    </a:lnR>
-                    <a:lnT>
-                      <a:noFill/>
-                    </a:lnT>
-                    <a:lnB>
-                      <a:noFill/>
-                    </a:lnB>
-                  </a:tcPr>
-                </a:tc>
-                <a:tc>
-                  <a:txBody>
-                    <a:bodyPr/>
-                    <a:lstStyle/>
-                    <a:p>
-                      <a:pPr algn="ctr" fontAlgn="b"/>
-                      <a:endParaRPr lang="es-CR" sz="1400" b="0" i="0" u="none" strike="noStrike" dirty="0">
-                        <a:solidFill>
-                          <a:srgbClr val="000000"/>
-                        </a:solidFill>
-                        <a:effectLst/>
-                        <a:latin typeface="Calibri" panose="020F0502020204030204" pitchFamily="34" charset="0"/>
-                      </a:endParaRPr>
-                    </a:p>
-                  </a:txBody>
-                  <a:tcPr marL="9525" marR="9525" marT="9525" marB="0" anchor="b">
-                    <a:lnL>
-                      <a:noFill/>
-                    </a:lnL>
-                    <a:lnR w="12700" cap="flat" cmpd="sng" algn="ctr">
-                      <a:solidFill>
-                        <a:srgbClr val="000000"/>
-                      </a:solidFill>
-                      <a:prstDash val="solid"/>
-                      <a:round/>
-                      <a:headEnd type="none" w="med" len="med"/>
-                      <a:tailEnd type="none" w="med" len="med"/>
-                    </a:lnR>
-                    <a:lnT>
-                      <a:noFill/>
-                    </a:lnT>
-                    <a:lnB>
-                      <a:noFill/>
-                    </a:lnB>
-                  </a:tcPr>
-                </a:tc>
-                <a:tc>
-                  <a:txBody>
-                    <a:bodyPr/>
-                    <a:lstStyle/>
-                    <a:p>
-                      <a:pPr algn="ctr" fontAlgn="b"/>
-                      <a:r>
-                        <a:rPr lang="es-CR" sz="1400" b="1" i="0" u="none" strike="noStrike" dirty="0">
-                          <a:solidFill>
-                            <a:srgbClr val="99FF33"/>
-                          </a:solidFill>
-                          <a:effectLst/>
-                          <a:latin typeface="Calibri" panose="020F0502020204030204" pitchFamily="34" charset="0"/>
-                        </a:rPr>
-                        <a:t>Gastos</a:t>
-                      </a:r>
-                    </a:p>
-                  </a:txBody>
-                  <a:tcPr marL="9525" marR="9525" marT="9525" marB="0" anchor="b">
-                    <a:lnL w="12700" cap="flat" cmpd="sng" algn="ctr">
-                      <a:solidFill>
-                        <a:srgbClr val="000000"/>
-                      </a:solidFill>
-                      <a:prstDash val="solid"/>
-                      <a:round/>
-                      <a:headEnd type="none" w="med" len="med"/>
-                      <a:tailEnd type="none" w="med" len="med"/>
-                    </a:lnL>
-                    <a:lnR w="12700" cap="flat" cmpd="sng" algn="ctr">
-                      <a:solidFill>
-                        <a:srgbClr val="000000"/>
-                      </a:solidFill>
-                      <a:prstDash val="solid"/>
-                      <a:round/>
-                      <a:headEnd type="none" w="med" len="med"/>
-                      <a:tailEnd type="none" w="med" len="med"/>
-                    </a:lnR>
-                    <a:lnT w="6350" cap="flat" cmpd="sng" algn="ctr">
-                      <a:solidFill>
-                        <a:srgbClr val="000000"/>
-                      </a:solidFill>
-                      <a:prstDash val="solid"/>
-                      <a:round/>
-                      <a:headEnd type="none" w="med" len="med"/>
-                      <a:tailEnd type="none" w="med" len="med"/>
-                    </a:lnT>
-                    <a:lnB w="12700" cap="flat" cmpd="sng" algn="ctr">
-                      <a:solidFill>
-                        <a:srgbClr val="000000"/>
-                      </a:solidFill>
-                      <a:prstDash val="solid"/>
-                      <a:round/>
-                      <a:headEnd type="none" w="med" len="med"/>
-                      <a:tailEnd type="none" w="med" len="med"/>
-                    </a:lnB>
-                    <a:solidFill>
-                      <a:srgbClr val="A6A6A6"/>
-                    </a:solidFill>
-                  </a:tcPr>
-                </a:tc>
-                <a:tc>
-                  <a:txBody>
-                    <a:bodyPr/>
-                    <a:lstStyle/>
-                    <a:p>
-                      <a:pPr algn="ctr" fontAlgn="b"/>
-                      <a:r>
-                        <a:rPr lang="es-CR" sz="1400" b="0" i="0" u="none" strike="noStrike">
-                          <a:solidFill>
-                            <a:srgbClr val="99FF33"/>
-                          </a:solidFill>
-                          <a:effectLst/>
-                          <a:latin typeface="Calibri" panose="020F0502020204030204" pitchFamily="34" charset="0"/>
-                        </a:rPr>
-                        <a:t>200</a:t>
-                      </a:r>
-                    </a:p>
-                  </a:txBody>
-                  <a:tcPr marL="9525" marR="9525" marT="9525" marB="0" anchor="b">
-                    <a:lnL w="12700" cap="flat" cmpd="sng" algn="ctr">
-                      <a:solidFill>
-                        <a:srgbClr val="000000"/>
-                      </a:solidFill>
-                      <a:prstDash val="solid"/>
-                      <a:round/>
-                      <a:headEnd type="none" w="med" len="med"/>
-                      <a:tailEnd type="none" w="med" len="med"/>
-                    </a:lnL>
-                    <a:lnR w="6350" cap="flat" cmpd="sng" algn="ctr">
-                      <a:solidFill>
-                        <a:srgbClr val="000000"/>
-                      </a:solidFill>
-                      <a:prstDash val="solid"/>
-                      <a:round/>
-                      <a:headEnd type="none" w="med" len="med"/>
-                      <a:tailEnd type="none" w="med" len="med"/>
-                    </a:lnR>
-                    <a:lnT w="6350" cap="flat" cmpd="sng" algn="ctr">
-                      <a:solidFill>
-                        <a:srgbClr val="000000"/>
-                      </a:solidFill>
-                      <a:prstDash val="solid"/>
-                      <a:round/>
-                      <a:headEnd type="none" w="med" len="med"/>
-                      <a:tailEnd type="none" w="med" len="med"/>
-                    </a:lnT>
-                    <a:lnB w="12700" cap="flat" cmpd="sng" algn="ctr">
-                      <a:solidFill>
-                        <a:srgbClr val="000000"/>
-                      </a:solidFill>
-                      <a:prstDash val="solid"/>
-                      <a:round/>
-                      <a:headEnd type="none" w="med" len="med"/>
-                      <a:tailEnd type="none" w="med" len="med"/>
-                    </a:lnB>
-                  </a:tcPr>
-                </a:tc>
-                <a:tc>
-                  <a:txBody>
-                    <a:bodyPr/>
-                    <a:lstStyle/>
-                    <a:p>
-                      <a:pPr algn="ctr" fontAlgn="b"/>
-                      <a:r>
-                        <a:rPr lang="es-CR" sz="1400" b="0" i="0" u="none" strike="noStrike" dirty="0">
-                          <a:solidFill>
-                            <a:srgbClr val="99FF33"/>
-                          </a:solidFill>
-                          <a:effectLst/>
-                          <a:latin typeface="Calibri" panose="020F0502020204030204" pitchFamily="34" charset="0"/>
-                        </a:rPr>
-                        <a:t>100</a:t>
-                      </a:r>
-                    </a:p>
-                  </a:txBody>
-                  <a:tcPr marL="9525" marR="9525" marT="9525" marB="0" anchor="b">
-                    <a:lnL w="6350" cap="flat" cmpd="sng" algn="ctr">
-                      <a:solidFill>
-                        <a:srgbClr val="000000"/>
-                      </a:solidFill>
-                      <a:prstDash val="solid"/>
-                      <a:round/>
-                      <a:headEnd type="none" w="med" len="med"/>
-                      <a:tailEnd type="none" w="med" len="med"/>
-                    </a:lnL>
-                    <a:lnR w="6350" cap="flat" cmpd="sng" algn="ctr">
-                      <a:solidFill>
-                        <a:srgbClr val="000000"/>
-                      </a:solidFill>
-                      <a:prstDash val="solid"/>
-                      <a:round/>
-                      <a:headEnd type="none" w="med" len="med"/>
-                      <a:tailEnd type="none" w="med" len="med"/>
-                    </a:lnR>
-                    <a:lnT w="6350" cap="flat" cmpd="sng" algn="ctr">
-                      <a:solidFill>
-                        <a:srgbClr val="000000"/>
-                      </a:solidFill>
-                      <a:prstDash val="solid"/>
-                      <a:round/>
-                      <a:headEnd type="none" w="med" len="med"/>
-                      <a:tailEnd type="none" w="med" len="med"/>
-                    </a:lnT>
-                    <a:lnB w="12700" cap="flat" cmpd="sng" algn="ctr">
-                      <a:solidFill>
-                        <a:srgbClr val="000000"/>
-                      </a:solidFill>
-                      <a:prstDash val="solid"/>
-                      <a:round/>
-                      <a:headEnd type="none" w="med" len="med"/>
-                      <a:tailEnd type="none" w="med" len="med"/>
-                    </a:lnB>
-                  </a:tcPr>
-                </a:tc>
-                <a:tc>
-                  <a:txBody>
-                    <a:bodyPr/>
-                    <a:lstStyle/>
-                    <a:p>
-                      <a:pPr algn="ctr" fontAlgn="b"/>
-                      <a:r>
-                        <a:rPr lang="es-CR" sz="1100" b="0" i="0" u="none" strike="noStrike" dirty="0">
-                          <a:solidFill>
-                            <a:srgbClr val="99FF33"/>
-                          </a:solidFill>
-                          <a:effectLst/>
-                          <a:latin typeface="Calibri" panose="020F0502020204030204" pitchFamily="34" charset="0"/>
-                        </a:rPr>
-                        <a:t>123</a:t>
-                      </a:r>
-                    </a:p>
-                  </a:txBody>
-                  <a:tcPr marL="9525" marR="9525" marT="9525" marB="0" anchor="b">
-                    <a:lnL w="6350" cap="flat" cmpd="sng" algn="ctr">
-                      <a:solidFill>
-                        <a:srgbClr val="000000"/>
-                      </a:solidFill>
-                      <a:prstDash val="solid"/>
-                      <a:round/>
-                      <a:headEnd type="none" w="med" len="med"/>
-                      <a:tailEnd type="none" w="med" len="med"/>
-                    </a:lnL>
-                    <a:lnR w="6350" cap="flat" cmpd="sng" algn="ctr">
-                      <a:solidFill>
-                        <a:srgbClr val="000000"/>
-                      </a:solidFill>
-                      <a:prstDash val="solid"/>
-                      <a:round/>
-                      <a:headEnd type="none" w="med" len="med"/>
-                      <a:tailEnd type="none" w="med" len="med"/>
-                    </a:lnR>
-                    <a:lnT w="6350" cap="flat" cmpd="sng" algn="ctr">
-                      <a:solidFill>
-                        <a:srgbClr val="000000"/>
-                      </a:solidFill>
-                      <a:prstDash val="solid"/>
-                      <a:round/>
-                      <a:headEnd type="none" w="med" len="med"/>
-                      <a:tailEnd type="none" w="med" len="med"/>
-                    </a:lnT>
-                    <a:lnB w="12700" cap="flat" cmpd="sng" algn="ctr">
-                      <a:solidFill>
-                        <a:srgbClr val="000000"/>
-                      </a:solidFill>
-                      <a:prstDash val="solid"/>
-                      <a:round/>
-                      <a:headEnd type="none" w="med" len="med"/>
-                      <a:tailEnd type="none" w="med" len="med"/>
-                    </a:lnB>
-                  </a:tcPr>
-                </a:tc>
-                <a:tc>
-                  <a:txBody>
-                    <a:bodyPr/>
-                    <a:lstStyle/>
-                    <a:p>
-                      <a:pPr algn="ctr" fontAlgn="b"/>
-                      <a:r>
-                        <a:rPr lang="es-CR" sz="1100" b="0" i="0" u="none" strike="noStrike" dirty="0">
-                          <a:solidFill>
-                            <a:srgbClr val="99FF33"/>
-                          </a:solidFill>
-                          <a:effectLst/>
-                          <a:latin typeface="Calibri" panose="020F0502020204030204" pitchFamily="34" charset="0"/>
-                        </a:rPr>
-                        <a:t>154</a:t>
-                      </a:r>
-                    </a:p>
-                  </a:txBody>
-                  <a:tcPr marL="9525" marR="9525" marT="9525" marB="0" anchor="b">
-                    <a:lnL w="6350" cap="flat" cmpd="sng" algn="ctr">
-                      <a:solidFill>
-                        <a:srgbClr val="000000"/>
-                      </a:solidFill>
-                      <a:prstDash val="solid"/>
-                      <a:round/>
-                      <a:headEnd type="none" w="med" len="med"/>
-                      <a:tailEnd type="none" w="med" len="med"/>
-                    </a:lnL>
-                    <a:lnR w="12700" cap="flat" cmpd="sng" algn="ctr">
-                      <a:solidFill>
-                        <a:srgbClr val="000000"/>
-                      </a:solidFill>
-                      <a:prstDash val="solid"/>
-                      <a:round/>
-                      <a:headEnd type="none" w="med" len="med"/>
-                      <a:tailEnd type="none" w="med" len="med"/>
-                    </a:lnR>
-                    <a:lnT w="6350" cap="flat" cmpd="sng" algn="ctr">
-                      <a:solidFill>
-                        <a:srgbClr val="000000"/>
-                      </a:solidFill>
-                      <a:prstDash val="solid"/>
-                      <a:round/>
-                      <a:headEnd type="none" w="med" len="med"/>
-                      <a:tailEnd type="none" w="med" len="med"/>
-                    </a:lnT>
-                    <a:lnB w="12700" cap="flat" cmpd="sng" algn="ctr">
-                      <a:solidFill>
-                        <a:srgbClr val="000000"/>
-                      </a:solidFill>
-                      <a:prstDash val="solid"/>
-                      <a:round/>
-                      <a:headEnd type="none" w="med" len="med"/>
-                      <a:tailEnd type="none" w="med" len="med"/>
-                    </a:lnB>
-                  </a:tcPr>
-                </a:tc>
-                <a:extLst>
-                  <a:ext uri="{0D108BD9-81ED-4DB2-BD59-A6C34878D82A}">
-                    <a16:rowId xmlns:a16="http://schemas.microsoft.com/office/drawing/2014/main" val="2248917466"/>
-                  </a:ext>
-                </a:extLst>
-              </a:tr>
-              <a:tr h="224324">
-                <a:tc>
-                  <a:txBody>
-                    <a:bodyPr/>
-                    <a:lstStyle/>
-                    <a:p>
-                      <a:pPr algn="ctr" fontAlgn="b"/>
-                      <a:r>
-                        <a:rPr lang="es-CR" sz="1400" b="0" i="0" u="none" strike="noStrike">
-                          <a:solidFill>
-                            <a:srgbClr val="99FF33"/>
-                          </a:solidFill>
-                          <a:effectLst/>
-                          <a:latin typeface="Calibri" panose="020F0502020204030204" pitchFamily="34" charset="0"/>
-                        </a:rPr>
-                        <a:t>Enero</a:t>
-                      </a:r>
-                    </a:p>
-                  </a:txBody>
-                  <a:tcPr marL="9525" marR="9525" marT="9525" marB="0" anchor="b">
-                    <a:lnL w="12700" cap="flat" cmpd="sng" algn="ctr">
-                      <a:solidFill>
-                        <a:srgbClr val="000000"/>
-                      </a:solidFill>
-                      <a:prstDash val="solid"/>
-                      <a:round/>
-                      <a:headEnd type="none" w="med" len="med"/>
-                      <a:tailEnd type="none" w="med" len="med"/>
-                    </a:lnL>
-                    <a:lnR w="6350" cap="flat" cmpd="sng" algn="ctr">
-                      <a:solidFill>
-                        <a:srgbClr val="000000"/>
-                      </a:solidFill>
-                      <a:prstDash val="solid"/>
-                      <a:round/>
-                      <a:headEnd type="none" w="med" len="med"/>
-                      <a:tailEnd type="none" w="med" len="med"/>
-                    </a:lnR>
-                    <a:lnT w="6350" cap="flat" cmpd="sng" algn="ctr">
-                      <a:solidFill>
-                        <a:srgbClr val="000000"/>
-                      </a:solidFill>
-                      <a:prstDash val="solid"/>
-                      <a:round/>
-                      <a:headEnd type="none" w="med" len="med"/>
-                      <a:tailEnd type="none" w="med" len="med"/>
-                    </a:lnT>
-                    <a:lnB w="6350" cap="flat" cmpd="sng" algn="ctr">
-                      <a:solidFill>
-                        <a:srgbClr val="000000"/>
-                      </a:solidFill>
-                      <a:prstDash val="solid"/>
-                      <a:round/>
-                      <a:headEnd type="none" w="med" len="med"/>
-                      <a:tailEnd type="none" w="med" len="med"/>
-                    </a:lnB>
-                  </a:tcPr>
-                </a:tc>
-                <a:tc>
-                  <a:txBody>
-                    <a:bodyPr/>
-                    <a:lstStyle/>
-                    <a:p>
-                      <a:pPr algn="ctr" fontAlgn="b"/>
-                      <a:r>
-                        <a:rPr lang="es-CR" sz="1400" b="0" i="0" u="none" strike="noStrike" dirty="0">
-                          <a:solidFill>
-                            <a:srgbClr val="99FF33"/>
-                          </a:solidFill>
-                          <a:effectLst/>
-                          <a:latin typeface="Calibri" panose="020F0502020204030204" pitchFamily="34" charset="0"/>
-                        </a:rPr>
-                        <a:t>Martes</a:t>
-                      </a:r>
-                    </a:p>
-                  </a:txBody>
-                  <a:tcPr marL="9525" marR="9525" marT="9525" marB="0" anchor="b">
-                    <a:lnL w="6350" cap="flat" cmpd="sng" algn="ctr">
-                      <a:solidFill>
-                        <a:srgbClr val="000000"/>
-                      </a:solidFill>
-                      <a:prstDash val="solid"/>
-                      <a:round/>
-                      <a:headEnd type="none" w="med" len="med"/>
-                      <a:tailEnd type="none" w="med" len="med"/>
-                    </a:lnL>
-                    <a:lnR w="6350" cap="flat" cmpd="sng" algn="ctr">
-                      <a:solidFill>
-                        <a:srgbClr val="000000"/>
-                      </a:solidFill>
-                      <a:prstDash val="solid"/>
-                      <a:round/>
-                      <a:headEnd type="none" w="med" len="med"/>
-                      <a:tailEnd type="none" w="med" len="med"/>
-                    </a:lnR>
-                    <a:lnT w="6350" cap="flat" cmpd="sng" algn="ctr">
-                      <a:solidFill>
-                        <a:srgbClr val="000000"/>
-                      </a:solidFill>
-                      <a:prstDash val="solid"/>
-                      <a:round/>
-                      <a:headEnd type="none" w="med" len="med"/>
-                      <a:tailEnd type="none" w="med" len="med"/>
-                    </a:lnT>
-                    <a:lnB w="6350" cap="flat" cmpd="sng" algn="ctr">
-                      <a:solidFill>
-                        <a:srgbClr val="000000"/>
-                      </a:solidFill>
-                      <a:prstDash val="solid"/>
-                      <a:round/>
-                      <a:headEnd type="none" w="med" len="med"/>
-                      <a:tailEnd type="none" w="med" len="med"/>
-                    </a:lnB>
-                  </a:tcPr>
-                </a:tc>
-                <a:tc>
-                  <a:txBody>
-                    <a:bodyPr/>
-                    <a:lstStyle/>
-                    <a:p>
-                      <a:pPr algn="ctr" fontAlgn="b"/>
-                      <a:r>
-                        <a:rPr lang="es-CR" sz="1400" b="0" i="0" u="none" strike="noStrike" dirty="0">
-                          <a:solidFill>
-                            <a:srgbClr val="99FF33"/>
-                          </a:solidFill>
-                          <a:effectLst/>
-                          <a:latin typeface="Calibri" panose="020F0502020204030204" pitchFamily="34" charset="0"/>
-                        </a:rPr>
-                        <a:t>123</a:t>
-                      </a:r>
-                    </a:p>
-                  </a:txBody>
-                  <a:tcPr marL="9525" marR="9525" marT="9525" marB="0" anchor="b">
-                    <a:lnL w="6350" cap="flat" cmpd="sng" algn="ctr">
-                      <a:solidFill>
-                        <a:srgbClr val="000000"/>
-                      </a:solidFill>
-                      <a:prstDash val="solid"/>
-                      <a:round/>
-                      <a:headEnd type="none" w="med" len="med"/>
-                      <a:tailEnd type="none" w="med" len="med"/>
-                    </a:lnL>
-                    <a:lnR w="12700" cap="flat" cmpd="sng" algn="ctr">
-                      <a:solidFill>
-                        <a:srgbClr val="000000"/>
-                      </a:solidFill>
-                      <a:prstDash val="solid"/>
-                      <a:round/>
-                      <a:headEnd type="none" w="med" len="med"/>
-                      <a:tailEnd type="none" w="med" len="med"/>
-                    </a:lnR>
-                    <a:lnT w="6350" cap="flat" cmpd="sng" algn="ctr">
-                      <a:solidFill>
-                        <a:srgbClr val="000000"/>
-                      </a:solidFill>
-                      <a:prstDash val="solid"/>
-                      <a:round/>
-                      <a:headEnd type="none" w="med" len="med"/>
-                      <a:tailEnd type="none" w="med" len="med"/>
-                    </a:lnT>
-                    <a:lnB w="6350" cap="flat" cmpd="sng" algn="ctr">
-                      <a:solidFill>
-                        <a:srgbClr val="000000"/>
-                      </a:solidFill>
-                      <a:prstDash val="solid"/>
-                      <a:round/>
-                      <a:headEnd type="none" w="med" len="med"/>
-                      <a:tailEnd type="none" w="med" len="med"/>
-                    </a:lnB>
-                  </a:tcPr>
-                </a:tc>
-                <a:tc>
-                  <a:txBody>
-                    <a:bodyPr/>
-                    <a:lstStyle/>
-                    <a:p>
-                      <a:pPr algn="ctr" fontAlgn="b"/>
-                      <a:endParaRPr lang="es-CR" sz="1400" b="0" i="0" u="none" strike="noStrike">
-                        <a:solidFill>
-                          <a:srgbClr val="000000"/>
-                        </a:solidFill>
-                        <a:effectLst/>
-                        <a:latin typeface="Calibri" panose="020F0502020204030204" pitchFamily="34" charset="0"/>
-                      </a:endParaRPr>
-                    </a:p>
-                  </a:txBody>
-                  <a:tcPr marL="9525" marR="9525" marT="9525" marB="0" anchor="b">
-                    <a:lnL w="12700" cap="flat" cmpd="sng" algn="ctr">
-                      <a:solidFill>
-                        <a:srgbClr val="000000"/>
-                      </a:solidFill>
-                      <a:prstDash val="solid"/>
-                      <a:round/>
-                      <a:headEnd type="none" w="med" len="med"/>
-                      <a:tailEnd type="none" w="med" len="med"/>
-                    </a:lnL>
-                    <a:lnR>
-                      <a:noFill/>
-                    </a:lnR>
-                    <a:lnT>
-                      <a:noFill/>
-                    </a:lnT>
-                    <a:lnB>
-                      <a:noFill/>
-                    </a:lnB>
-                  </a:tcPr>
-                </a:tc>
-                <a:tc>
-                  <a:txBody>
-                    <a:bodyPr/>
-                    <a:lstStyle/>
-                    <a:p>
-                      <a:pPr algn="ctr" fontAlgn="b"/>
-                      <a:endParaRPr lang="es-CR" sz="1400" b="0" i="0" u="none" strike="noStrike">
-                        <a:solidFill>
-                          <a:srgbClr val="000000"/>
-                        </a:solidFill>
-                        <a:effectLst/>
-                        <a:latin typeface="Calibri" panose="020F0502020204030204" pitchFamily="34" charset="0"/>
-                      </a:endParaRPr>
-                    </a:p>
-                  </a:txBody>
-                  <a:tcPr marL="9525" marR="9525" marT="9525" marB="0" anchor="b">
-                    <a:lnL>
-                      <a:noFill/>
-                    </a:lnL>
-                    <a:lnR>
-                      <a:noFill/>
-                    </a:lnR>
-                    <a:lnT>
-                      <a:noFill/>
-                    </a:lnT>
-                    <a:lnB>
-                      <a:noFill/>
-                    </a:lnB>
-                  </a:tcPr>
-                </a:tc>
-                <a:tc>
-                  <a:txBody>
-                    <a:bodyPr/>
-                    <a:lstStyle/>
-                    <a:p>
-                      <a:pPr algn="ctr" fontAlgn="b"/>
-                      <a:endParaRPr lang="es-CR" sz="1400" b="0" i="0" u="none" strike="noStrike" dirty="0">
-                        <a:solidFill>
-                          <a:srgbClr val="000000"/>
-                        </a:solidFill>
-                        <a:effectLst/>
-                        <a:latin typeface="Calibri" panose="020F0502020204030204" pitchFamily="34" charset="0"/>
-                      </a:endParaRPr>
-                    </a:p>
-                  </a:txBody>
-                  <a:tcPr marL="9525" marR="9525" marT="9525" marB="0" anchor="b">
-                    <a:lnL>
-                      <a:noFill/>
-                    </a:lnL>
-                    <a:lnR>
-                      <a:noFill/>
-                    </a:lnR>
-                    <a:lnT w="12700" cap="flat" cmpd="sng" algn="ctr">
-                      <a:solidFill>
-                        <a:srgbClr val="000000"/>
-                      </a:solidFill>
-                      <a:prstDash val="solid"/>
-                      <a:round/>
-                      <a:headEnd type="none" w="med" len="med"/>
-                      <a:tailEnd type="none" w="med" len="med"/>
-                    </a:lnT>
-                    <a:lnB>
-                      <a:noFill/>
-                    </a:lnB>
-                  </a:tcPr>
-                </a:tc>
-                <a:tc>
-                  <a:txBody>
-                    <a:bodyPr/>
-                    <a:lstStyle/>
-                    <a:p>
-                      <a:pPr algn="ctr" fontAlgn="b"/>
-                      <a:endParaRPr lang="es-CR" sz="1400" b="0" i="0" u="none" strike="noStrike" dirty="0">
-                        <a:solidFill>
-                          <a:srgbClr val="000000"/>
-                        </a:solidFill>
-                        <a:effectLst/>
-                        <a:latin typeface="Calibri" panose="020F0502020204030204" pitchFamily="34" charset="0"/>
-                      </a:endParaRPr>
-                    </a:p>
-                  </a:txBody>
-                  <a:tcPr marL="9525" marR="9525" marT="9525" marB="0" anchor="b">
-                    <a:lnL>
-                      <a:noFill/>
-                    </a:lnL>
-                    <a:lnR>
-                      <a:noFill/>
-                    </a:lnR>
-                    <a:lnT w="12700" cap="flat" cmpd="sng" algn="ctr">
-                      <a:solidFill>
-                        <a:srgbClr val="000000"/>
-                      </a:solidFill>
-                      <a:prstDash val="solid"/>
-                      <a:round/>
-                      <a:headEnd type="none" w="med" len="med"/>
-                      <a:tailEnd type="none" w="med" len="med"/>
-                    </a:lnT>
-                    <a:lnB>
-                      <a:noFill/>
-                    </a:lnB>
-                  </a:tcPr>
-                </a:tc>
-                <a:tc>
-                  <a:txBody>
-                    <a:bodyPr/>
-                    <a:lstStyle/>
-                    <a:p>
-                      <a:pPr algn="ctr" fontAlgn="b"/>
-                      <a:endParaRPr lang="es-CR" sz="1400" b="0" i="0" u="none" strike="noStrike" dirty="0">
-                        <a:solidFill>
-                          <a:srgbClr val="000000"/>
-                        </a:solidFill>
-                        <a:effectLst/>
-                        <a:latin typeface="Calibri" panose="020F0502020204030204" pitchFamily="34" charset="0"/>
-                      </a:endParaRPr>
-                    </a:p>
-                  </a:txBody>
-                  <a:tcPr marL="9525" marR="9525" marT="9525" marB="0" anchor="b">
-                    <a:lnL>
-                      <a:noFill/>
-                    </a:lnL>
-                    <a:lnR>
-                      <a:noFill/>
-                    </a:lnR>
-                    <a:lnT w="12700" cap="flat" cmpd="sng" algn="ctr">
-                      <a:solidFill>
-                        <a:srgbClr val="000000"/>
-                      </a:solidFill>
-                      <a:prstDash val="solid"/>
-                      <a:round/>
-                      <a:headEnd type="none" w="med" len="med"/>
-                      <a:tailEnd type="none" w="med" len="med"/>
-                    </a:lnT>
-                    <a:lnB>
-                      <a:noFill/>
-                    </a:lnB>
-                  </a:tcPr>
-                </a:tc>
-                <a:tc>
-                  <a:txBody>
-                    <a:bodyPr/>
-                    <a:lstStyle/>
-                    <a:p>
-                      <a:pPr algn="ctr" fontAlgn="b"/>
-                      <a:endParaRPr lang="es-CR" sz="1100" b="0" i="0" u="none" strike="noStrike" dirty="0">
-                        <a:solidFill>
-                          <a:srgbClr val="000000"/>
-                        </a:solidFill>
-                        <a:effectLst/>
-                        <a:latin typeface="Calibri" panose="020F0502020204030204" pitchFamily="34" charset="0"/>
-                      </a:endParaRPr>
-                    </a:p>
-                  </a:txBody>
-                  <a:tcPr marL="9525" marR="9525" marT="9525" marB="0" anchor="b">
-                    <a:lnL>
-                      <a:noFill/>
-                    </a:lnL>
-                    <a:lnR>
-                      <a:noFill/>
-                    </a:lnR>
-                    <a:lnT w="12700" cap="flat" cmpd="sng" algn="ctr">
-                      <a:solidFill>
-                        <a:srgbClr val="000000"/>
-                      </a:solidFill>
-                      <a:prstDash val="solid"/>
-                      <a:round/>
-                      <a:headEnd type="none" w="med" len="med"/>
-                      <a:tailEnd type="none" w="med" len="med"/>
-                    </a:lnT>
-                    <a:lnB>
-                      <a:noFill/>
-                    </a:lnB>
-                  </a:tcPr>
-                </a:tc>
-                <a:tc>
-                  <a:txBody>
-                    <a:bodyPr/>
-                    <a:lstStyle/>
-                    <a:p>
-                      <a:pPr algn="ctr" fontAlgn="b"/>
-                      <a:endParaRPr lang="es-CR" sz="1100" b="0" i="0" u="none" strike="noStrike" dirty="0">
-                        <a:solidFill>
-                          <a:srgbClr val="000000"/>
-                        </a:solidFill>
-                        <a:effectLst/>
-                        <a:latin typeface="Calibri" panose="020F0502020204030204" pitchFamily="34" charset="0"/>
-                      </a:endParaRPr>
-                    </a:p>
-                  </a:txBody>
-                  <a:tcPr marL="9525" marR="9525" marT="9525" marB="0" anchor="b">
-                    <a:lnL>
-                      <a:noFill/>
-                    </a:lnL>
-                    <a:lnR>
-                      <a:noFill/>
-                    </a:lnR>
-                    <a:lnT w="12700" cap="flat" cmpd="sng" algn="ctr">
-                      <a:solidFill>
-                        <a:srgbClr val="000000"/>
-                      </a:solidFill>
-                      <a:prstDash val="solid"/>
-                      <a:round/>
-                      <a:headEnd type="none" w="med" len="med"/>
-                      <a:tailEnd type="none" w="med" len="med"/>
-                    </a:lnT>
-                    <a:lnB>
-                      <a:noFill/>
-                    </a:lnB>
-                  </a:tcPr>
-                </a:tc>
-                <a:extLst>
-                  <a:ext uri="{0D108BD9-81ED-4DB2-BD59-A6C34878D82A}">
-                    <a16:rowId xmlns:a16="http://schemas.microsoft.com/office/drawing/2014/main" val="2667447371"/>
-                  </a:ext>
-                </a:extLst>
-              </a:tr>
-              <a:tr h="224324">
-                <a:tc>
-                  <a:txBody>
-                    <a:bodyPr/>
-                    <a:lstStyle/>
-                    <a:p>
-                      <a:pPr algn="ctr" fontAlgn="b"/>
-                      <a:r>
-                        <a:rPr lang="es-CR" sz="1400" b="0" i="0" u="none" strike="noStrike">
-                          <a:solidFill>
-                            <a:srgbClr val="99FF33"/>
-                          </a:solidFill>
-                          <a:effectLst/>
-                          <a:latin typeface="Calibri" panose="020F0502020204030204" pitchFamily="34" charset="0"/>
-                        </a:rPr>
-                        <a:t>Enero</a:t>
-                      </a:r>
-                    </a:p>
-                  </a:txBody>
-                  <a:tcPr marL="9525" marR="9525" marT="9525" marB="0" anchor="b">
-                    <a:lnL w="12700" cap="flat" cmpd="sng" algn="ctr">
-                      <a:solidFill>
-                        <a:srgbClr val="000000"/>
-                      </a:solidFill>
-                      <a:prstDash val="solid"/>
-                      <a:round/>
-                      <a:headEnd type="none" w="med" len="med"/>
-                      <a:tailEnd type="none" w="med" len="med"/>
-                    </a:lnL>
-                    <a:lnR w="6350" cap="flat" cmpd="sng" algn="ctr">
-                      <a:solidFill>
-                        <a:srgbClr val="000000"/>
-                      </a:solidFill>
-                      <a:prstDash val="solid"/>
-                      <a:round/>
-                      <a:headEnd type="none" w="med" len="med"/>
-                      <a:tailEnd type="none" w="med" len="med"/>
-                    </a:lnR>
-                    <a:lnT w="6350" cap="flat" cmpd="sng" algn="ctr">
-                      <a:solidFill>
-                        <a:srgbClr val="000000"/>
-                      </a:solidFill>
-                      <a:prstDash val="solid"/>
-                      <a:round/>
-                      <a:headEnd type="none" w="med" len="med"/>
-                      <a:tailEnd type="none" w="med" len="med"/>
-                    </a:lnT>
-                    <a:lnB w="12700" cap="flat" cmpd="sng" algn="ctr">
-                      <a:solidFill>
-                        <a:srgbClr val="000000"/>
-                      </a:solidFill>
-                      <a:prstDash val="solid"/>
-                      <a:round/>
-                      <a:headEnd type="none" w="med" len="med"/>
-                      <a:tailEnd type="none" w="med" len="med"/>
-                    </a:lnB>
-                  </a:tcPr>
-                </a:tc>
-                <a:tc>
-                  <a:txBody>
-                    <a:bodyPr/>
-                    <a:lstStyle/>
-                    <a:p>
-                      <a:pPr algn="ctr" fontAlgn="b"/>
-                      <a:r>
-                        <a:rPr lang="es-CR" sz="1400" b="0" i="0" u="none" strike="noStrike">
-                          <a:solidFill>
-                            <a:srgbClr val="99FF33"/>
-                          </a:solidFill>
-                          <a:effectLst/>
-                          <a:latin typeface="Calibri" panose="020F0502020204030204" pitchFamily="34" charset="0"/>
-                        </a:rPr>
-                        <a:t>Miércoles</a:t>
-                      </a:r>
-                    </a:p>
-                  </a:txBody>
-                  <a:tcPr marL="9525" marR="9525" marT="9525" marB="0" anchor="b">
-                    <a:lnL w="6350" cap="flat" cmpd="sng" algn="ctr">
-                      <a:solidFill>
-                        <a:srgbClr val="000000"/>
-                      </a:solidFill>
-                      <a:prstDash val="solid"/>
-                      <a:round/>
-                      <a:headEnd type="none" w="med" len="med"/>
-                      <a:tailEnd type="none" w="med" len="med"/>
-                    </a:lnL>
-                    <a:lnR w="6350" cap="flat" cmpd="sng" algn="ctr">
-                      <a:solidFill>
-                        <a:srgbClr val="000000"/>
-                      </a:solidFill>
-                      <a:prstDash val="solid"/>
-                      <a:round/>
-                      <a:headEnd type="none" w="med" len="med"/>
-                      <a:tailEnd type="none" w="med" len="med"/>
-                    </a:lnR>
-                    <a:lnT w="6350" cap="flat" cmpd="sng" algn="ctr">
-                      <a:solidFill>
-                        <a:srgbClr val="000000"/>
-                      </a:solidFill>
-                      <a:prstDash val="solid"/>
-                      <a:round/>
-                      <a:headEnd type="none" w="med" len="med"/>
-                      <a:tailEnd type="none" w="med" len="med"/>
-                    </a:lnT>
-                    <a:lnB w="12700" cap="flat" cmpd="sng" algn="ctr">
-                      <a:solidFill>
-                        <a:srgbClr val="000000"/>
-                      </a:solidFill>
-                      <a:prstDash val="solid"/>
-                      <a:round/>
-                      <a:headEnd type="none" w="med" len="med"/>
-                      <a:tailEnd type="none" w="med" len="med"/>
-                    </a:lnB>
-                  </a:tcPr>
-                </a:tc>
-                <a:tc>
-                  <a:txBody>
-                    <a:bodyPr/>
-                    <a:lstStyle/>
-                    <a:p>
-                      <a:pPr algn="ctr" fontAlgn="b"/>
-                      <a:r>
-                        <a:rPr lang="es-CR" sz="1400" b="0" i="0" u="none" strike="noStrike" dirty="0">
-                          <a:solidFill>
-                            <a:srgbClr val="99FF33"/>
-                          </a:solidFill>
-                          <a:effectLst/>
-                          <a:latin typeface="Calibri" panose="020F0502020204030204" pitchFamily="34" charset="0"/>
-                        </a:rPr>
-                        <a:t>154</a:t>
-                      </a:r>
-                    </a:p>
-                  </a:txBody>
-                  <a:tcPr marL="9525" marR="9525" marT="9525" marB="0" anchor="b">
-                    <a:lnL w="6350" cap="flat" cmpd="sng" algn="ctr">
-                      <a:solidFill>
-                        <a:srgbClr val="000000"/>
-                      </a:solidFill>
-                      <a:prstDash val="solid"/>
-                      <a:round/>
-                      <a:headEnd type="none" w="med" len="med"/>
-                      <a:tailEnd type="none" w="med" len="med"/>
-                    </a:lnL>
-                    <a:lnR w="12700" cap="flat" cmpd="sng" algn="ctr">
-                      <a:solidFill>
-                        <a:srgbClr val="000000"/>
-                      </a:solidFill>
-                      <a:prstDash val="solid"/>
-                      <a:round/>
-                      <a:headEnd type="none" w="med" len="med"/>
-                      <a:tailEnd type="none" w="med" len="med"/>
-                    </a:lnR>
-                    <a:lnT w="6350" cap="flat" cmpd="sng" algn="ctr">
-                      <a:solidFill>
-                        <a:srgbClr val="000000"/>
-                      </a:solidFill>
-                      <a:prstDash val="solid"/>
-                      <a:round/>
-                      <a:headEnd type="none" w="med" len="med"/>
-                      <a:tailEnd type="none" w="med" len="med"/>
-                    </a:lnT>
-                    <a:lnB w="12700" cap="flat" cmpd="sng" algn="ctr">
-                      <a:solidFill>
-                        <a:srgbClr val="000000"/>
-                      </a:solidFill>
-                      <a:prstDash val="solid"/>
-                      <a:round/>
-                      <a:headEnd type="none" w="med" len="med"/>
-                      <a:tailEnd type="none" w="med" len="med"/>
-                    </a:lnB>
-                  </a:tcPr>
-                </a:tc>
-                <a:tc>
-                  <a:txBody>
-                    <a:bodyPr/>
-                    <a:lstStyle/>
-                    <a:p>
-                      <a:pPr algn="ctr" fontAlgn="b"/>
-                      <a:endParaRPr lang="es-CR" sz="1400" b="0" i="0" u="none" strike="noStrike">
-                        <a:solidFill>
-                          <a:srgbClr val="000000"/>
-                        </a:solidFill>
-                        <a:effectLst/>
-                        <a:latin typeface="Calibri" panose="020F0502020204030204" pitchFamily="34" charset="0"/>
-                      </a:endParaRPr>
-                    </a:p>
-                  </a:txBody>
-                  <a:tcPr marL="9525" marR="9525" marT="9525" marB="0" anchor="b">
-                    <a:lnL w="12700" cap="flat" cmpd="sng" algn="ctr">
-                      <a:solidFill>
-                        <a:srgbClr val="000000"/>
-                      </a:solidFill>
-                      <a:prstDash val="solid"/>
-                      <a:round/>
-                      <a:headEnd type="none" w="med" len="med"/>
-                      <a:tailEnd type="none" w="med" len="med"/>
-                    </a:lnL>
-                    <a:lnR>
-                      <a:noFill/>
-                    </a:lnR>
-                    <a:lnT>
-                      <a:noFill/>
-                    </a:lnT>
-                    <a:lnB>
-                      <a:noFill/>
-                    </a:lnB>
-                  </a:tcPr>
-                </a:tc>
-                <a:tc>
-                  <a:txBody>
-                    <a:bodyPr/>
-                    <a:lstStyle/>
-                    <a:p>
-                      <a:pPr algn="ctr" fontAlgn="b"/>
-                      <a:endParaRPr lang="es-CR" sz="1400" b="0" i="0" u="none" strike="noStrike">
-                        <a:solidFill>
-                          <a:srgbClr val="000000"/>
-                        </a:solidFill>
-                        <a:effectLst/>
-                        <a:latin typeface="Calibri" panose="020F0502020204030204" pitchFamily="34" charset="0"/>
-                      </a:endParaRPr>
-                    </a:p>
-                  </a:txBody>
-                  <a:tcPr marL="9525" marR="9525" marT="9525" marB="0" anchor="b">
-                    <a:lnL>
-                      <a:noFill/>
-                    </a:lnL>
-                    <a:lnR>
-                      <a:noFill/>
-                    </a:lnR>
-                    <a:lnT>
-                      <a:noFill/>
-                    </a:lnT>
-                    <a:lnB>
-                      <a:noFill/>
-                    </a:lnB>
-                  </a:tcPr>
-                </a:tc>
-                <a:tc>
-                  <a:txBody>
-                    <a:bodyPr/>
-                    <a:lstStyle/>
-                    <a:p>
-                      <a:pPr algn="ctr" fontAlgn="b"/>
-                      <a:endParaRPr lang="es-CR" sz="1400" b="0" i="0" u="none" strike="noStrike">
-                        <a:solidFill>
-                          <a:srgbClr val="000000"/>
-                        </a:solidFill>
-                        <a:effectLst/>
-                        <a:latin typeface="Calibri" panose="020F0502020204030204" pitchFamily="34" charset="0"/>
-                      </a:endParaRPr>
-                    </a:p>
-                  </a:txBody>
-                  <a:tcPr marL="9525" marR="9525" marT="9525" marB="0" anchor="b">
-                    <a:lnL>
-                      <a:noFill/>
-                    </a:lnL>
-                    <a:lnR>
-                      <a:noFill/>
-                    </a:lnR>
-                    <a:lnT>
-                      <a:noFill/>
-                    </a:lnT>
-                    <a:lnB>
-                      <a:noFill/>
-                    </a:lnB>
-                  </a:tcPr>
-                </a:tc>
-                <a:tc>
-                  <a:txBody>
-                    <a:bodyPr/>
-                    <a:lstStyle/>
-                    <a:p>
-                      <a:pPr algn="ctr" fontAlgn="b"/>
-                      <a:endParaRPr lang="es-CR" sz="1400" b="0" i="0" u="none" strike="noStrike">
-                        <a:solidFill>
-                          <a:srgbClr val="000000"/>
-                        </a:solidFill>
-                        <a:effectLst/>
-                        <a:latin typeface="Calibri" panose="020F0502020204030204" pitchFamily="34" charset="0"/>
-                      </a:endParaRPr>
-                    </a:p>
-                  </a:txBody>
-                  <a:tcPr marL="9525" marR="9525" marT="9525" marB="0" anchor="b">
-                    <a:lnL>
-                      <a:noFill/>
-                    </a:lnL>
-                    <a:lnR>
-                      <a:noFill/>
-                    </a:lnR>
-                    <a:lnT>
-                      <a:noFill/>
-                    </a:lnT>
-                    <a:lnB>
-                      <a:noFill/>
-                    </a:lnB>
-                  </a:tcPr>
-                </a:tc>
-                <a:tc>
-                  <a:txBody>
-                    <a:bodyPr/>
-                    <a:lstStyle/>
-                    <a:p>
-                      <a:pPr algn="ctr" fontAlgn="b"/>
-                      <a:endParaRPr lang="es-CR" sz="1400" b="0" i="0" u="none" strike="noStrike" dirty="0">
-                        <a:solidFill>
-                          <a:srgbClr val="000000"/>
-                        </a:solidFill>
-                        <a:effectLst/>
-                        <a:latin typeface="Calibri" panose="020F0502020204030204" pitchFamily="34" charset="0"/>
-                      </a:endParaRPr>
-                    </a:p>
-                  </a:txBody>
-                  <a:tcPr marL="9525" marR="9525" marT="9525" marB="0" anchor="b">
-                    <a:lnL>
-                      <a:noFill/>
-                    </a:lnL>
-                    <a:lnR>
-                      <a:noFill/>
-                    </a:lnR>
-                    <a:lnT>
-                      <a:noFill/>
-                    </a:lnT>
-                    <a:lnB>
-                      <a:noFill/>
-                    </a:lnB>
-                  </a:tcPr>
-                </a:tc>
-                <a:tc>
-                  <a:txBody>
-                    <a:bodyPr/>
-                    <a:lstStyle/>
-                    <a:p>
-                      <a:pPr algn="ctr" fontAlgn="b"/>
-                      <a:endParaRPr lang="es-CR" sz="1100" b="0" i="0" u="none" strike="noStrike" dirty="0">
-                        <a:solidFill>
-                          <a:srgbClr val="000000"/>
-                        </a:solidFill>
-                        <a:effectLst/>
-                        <a:latin typeface="Calibri" panose="020F0502020204030204" pitchFamily="34" charset="0"/>
-                      </a:endParaRPr>
-                    </a:p>
-                  </a:txBody>
-                  <a:tcPr marL="9525" marR="9525" marT="9525" marB="0" anchor="b">
-                    <a:lnL>
-                      <a:noFill/>
-                    </a:lnL>
-                    <a:lnR>
-                      <a:noFill/>
-                    </a:lnR>
-                    <a:lnT>
-                      <a:noFill/>
-                    </a:lnT>
-                    <a:lnB>
-                      <a:noFill/>
-                    </a:lnB>
-                  </a:tcPr>
-                </a:tc>
-                <a:tc>
-                  <a:txBody>
-                    <a:bodyPr/>
-                    <a:lstStyle/>
-                    <a:p>
-                      <a:pPr algn="ctr" fontAlgn="b"/>
-                      <a:endParaRPr lang="es-CR" sz="1100" b="0" i="0" u="none" strike="noStrike" dirty="0">
-                        <a:solidFill>
-                          <a:srgbClr val="000000"/>
-                        </a:solidFill>
-                        <a:effectLst/>
-                        <a:latin typeface="Calibri" panose="020F0502020204030204" pitchFamily="34" charset="0"/>
-                      </a:endParaRPr>
-                    </a:p>
-                  </a:txBody>
-                  <a:tcPr marL="9525" marR="9525" marT="9525" marB="0" anchor="b">
-                    <a:lnL>
-                      <a:noFill/>
-                    </a:lnL>
-                    <a:lnR>
-                      <a:noFill/>
-                    </a:lnR>
-                    <a:lnT>
-                      <a:noFill/>
-                    </a:lnT>
-                    <a:lnB>
-                      <a:noFill/>
-                    </a:lnB>
-                  </a:tcPr>
-                </a:tc>
-                <a:extLst>
-                  <a:ext uri="{0D108BD9-81ED-4DB2-BD59-A6C34878D82A}">
-                    <a16:rowId xmlns:a16="http://schemas.microsoft.com/office/drawing/2014/main" val="2706825843"/>
-                  </a:ext>
-                </a:extLst>
-              </a:tr>
-            </a:tbl>
-          </a:graphicData>
-        </a:graphic>
-      </p:graphicFrame>
+      <p:pic>
+        <p:nvPicPr>
+          <p:cNvPr id="4" name="Imagen 3"/>
+          <p:cNvPicPr>
+            <a:picLocks noChangeAspect="1"/>
+          </p:cNvPicPr>
+          <p:nvPr/>
+        </p:nvPicPr>
+        <p:blipFill>
+          <a:blip r:embed="rId2"/>
+          <a:stretch>
+            <a:fillRect/>
+          </a:stretch>
+        </p:blipFill>
+        <p:spPr>
+          <a:xfrm>
+            <a:off x="4547320" y="2097088"/>
+            <a:ext cx="5401546" cy="1277649"/>
+          </a:xfrm>
+          <a:prstGeom prst="rect">
+            <a:avLst/>
+          </a:prstGeom>
+        </p:spPr>
+      </p:pic>
+      <p:pic>
+        <p:nvPicPr>
+          <p:cNvPr id="5" name="Imagen 4"/>
+          <p:cNvPicPr>
+            <a:picLocks noChangeAspect="1"/>
+          </p:cNvPicPr>
+          <p:nvPr/>
+        </p:nvPicPr>
+        <p:blipFill>
+          <a:blip r:embed="rId3"/>
+          <a:stretch>
+            <a:fillRect/>
+          </a:stretch>
+        </p:blipFill>
+        <p:spPr>
+          <a:xfrm>
+            <a:off x="1631373" y="4020344"/>
+            <a:ext cx="2362200" cy="2095500"/>
+          </a:xfrm>
+          <a:prstGeom prst="rect">
+            <a:avLst/>
+          </a:prstGeom>
+        </p:spPr>
+      </p:pic>
+      <p:pic>
+        <p:nvPicPr>
+          <p:cNvPr id="6" name="Imagen 5"/>
+          <p:cNvPicPr>
+            <a:picLocks noChangeAspect="1"/>
+          </p:cNvPicPr>
+          <p:nvPr/>
+        </p:nvPicPr>
+        <p:blipFill>
+          <a:blip r:embed="rId4"/>
+          <a:stretch>
+            <a:fillRect/>
+          </a:stretch>
+        </p:blipFill>
+        <p:spPr>
+          <a:xfrm>
+            <a:off x="4883060" y="4097193"/>
+            <a:ext cx="6038850" cy="866775"/>
+          </a:xfrm>
+          <a:prstGeom prst="rect">
+            <a:avLst/>
+          </a:prstGeom>
+        </p:spPr>
+      </p:pic>
       <p:sp>
         <p:nvSpPr>
-          <p:cNvPr id="5" name="Flecha derecha 4"/>
+          <p:cNvPr id="7" name="Flecha derecha 6"/>
           <p:cNvSpPr/>
           <p:nvPr/>
         </p:nvSpPr>
         <p:spPr>
-          <a:xfrm rot="10800000">
-            <a:off x="5748253" y="4449594"/>
+          <a:xfrm>
+            <a:off x="4209508" y="4694134"/>
             <a:ext cx="548051" cy="318346"/>
           </a:xfrm>
           <a:prstGeom prst="rightArrow">
@@ -18687,40 +13729,10 @@
           </a:p>
         </p:txBody>
       </p:sp>
-      <p:sp>
-        <p:nvSpPr>
-          <p:cNvPr id="6" name="CuadroTexto 5"/>
-          <p:cNvSpPr txBox="1"/>
-          <p:nvPr/>
-        </p:nvSpPr>
-        <p:spPr>
-          <a:xfrm>
-            <a:off x="1885997" y="4364309"/>
-            <a:ext cx="1267098" cy="400110"/>
-          </a:xfrm>
-          <a:prstGeom prst="rect">
-            <a:avLst/>
-          </a:prstGeom>
-          <a:noFill/>
-        </p:spPr>
-        <p:txBody>
-          <a:bodyPr wrap="square" rtlCol="0">
-            <a:spAutoFit/>
-          </a:bodyPr>
-          <a:lstStyle/>
-          <a:p>
-            <a:r>
-              <a:rPr lang="es-CR" sz="2000" dirty="0" smtClean="0"/>
-              <a:t>Ejemplo:</a:t>
-            </a:r>
-            <a:endParaRPr lang="es-CR" sz="2000" dirty="0"/>
-          </a:p>
-        </p:txBody>
-      </p:sp>
     </p:spTree>
     <p:extLst>
       <p:ext uri="{BB962C8B-B14F-4D97-AF65-F5344CB8AC3E}">
-        <p14:creationId xmlns:p14="http://schemas.microsoft.com/office/powerpoint/2010/main" val="920626908"/>
+        <p14:creationId xmlns:p14="http://schemas.microsoft.com/office/powerpoint/2010/main" val="1123670902"/>
       </p:ext>
     </p:extLst>
   </p:cSld>
@@ -18742,14 +13754,751 @@
   <p:timing>
     <p:tnLst>
       <p:par>
-        <p:cTn id="1" dur="indefinite" restart="never" nodeType="tmRoot"/>
+        <p:cTn id="1" dur="indefinite" restart="never" nodeType="tmRoot">
+          <p:childTnLst>
+            <p:seq concurrent="1" nextAc="seek">
+              <p:cTn id="2" dur="indefinite" nodeType="mainSeq">
+                <p:childTnLst>
+                  <p:par>
+                    <p:cTn id="3" fill="hold">
+                      <p:stCondLst>
+                        <p:cond delay="indefinite"/>
+                      </p:stCondLst>
+                      <p:childTnLst>
+                        <p:par>
+                          <p:cTn id="4" fill="hold">
+                            <p:stCondLst>
+                              <p:cond delay="0"/>
+                            </p:stCondLst>
+                            <p:childTnLst>
+                              <p:par>
+                                <p:cTn id="5" presetID="1" presetClass="entr" presetSubtype="0" fill="hold" nodeType="clickEffect">
+                                  <p:stCondLst>
+                                    <p:cond delay="0"/>
+                                  </p:stCondLst>
+                                  <p:childTnLst>
+                                    <p:set>
+                                      <p:cBhvr>
+                                        <p:cTn id="6" dur="1" fill="hold">
+                                          <p:stCondLst>
+                                            <p:cond delay="0"/>
+                                          </p:stCondLst>
+                                        </p:cTn>
+                                        <p:tgtEl>
+                                          <p:spTgt spid="4"/>
+                                        </p:tgtEl>
+                                        <p:attrNameLst>
+                                          <p:attrName>style.visibility</p:attrName>
+                                        </p:attrNameLst>
+                                      </p:cBhvr>
+                                      <p:to>
+                                        <p:strVal val="visible"/>
+                                      </p:to>
+                                    </p:set>
+                                  </p:childTnLst>
+                                </p:cTn>
+                              </p:par>
+                            </p:childTnLst>
+                          </p:cTn>
+                        </p:par>
+                      </p:childTnLst>
+                    </p:cTn>
+                  </p:par>
+                  <p:par>
+                    <p:cTn id="7" fill="hold">
+                      <p:stCondLst>
+                        <p:cond delay="indefinite"/>
+                      </p:stCondLst>
+                      <p:childTnLst>
+                        <p:par>
+                          <p:cTn id="8" fill="hold">
+                            <p:stCondLst>
+                              <p:cond delay="0"/>
+                            </p:stCondLst>
+                            <p:childTnLst>
+                              <p:par>
+                                <p:cTn id="9" presetID="1" presetClass="entr" presetSubtype="0" fill="hold" nodeType="clickEffect">
+                                  <p:stCondLst>
+                                    <p:cond delay="0"/>
+                                  </p:stCondLst>
+                                  <p:childTnLst>
+                                    <p:set>
+                                      <p:cBhvr>
+                                        <p:cTn id="10" dur="1" fill="hold">
+                                          <p:stCondLst>
+                                            <p:cond delay="0"/>
+                                          </p:stCondLst>
+                                        </p:cTn>
+                                        <p:tgtEl>
+                                          <p:spTgt spid="5"/>
+                                        </p:tgtEl>
+                                        <p:attrNameLst>
+                                          <p:attrName>style.visibility</p:attrName>
+                                        </p:attrNameLst>
+                                      </p:cBhvr>
+                                      <p:to>
+                                        <p:strVal val="visible"/>
+                                      </p:to>
+                                    </p:set>
+                                  </p:childTnLst>
+                                </p:cTn>
+                              </p:par>
+                            </p:childTnLst>
+                          </p:cTn>
+                        </p:par>
+                      </p:childTnLst>
+                    </p:cTn>
+                  </p:par>
+                  <p:par>
+                    <p:cTn id="11" fill="hold">
+                      <p:stCondLst>
+                        <p:cond delay="indefinite"/>
+                      </p:stCondLst>
+                      <p:childTnLst>
+                        <p:par>
+                          <p:cTn id="12" fill="hold">
+                            <p:stCondLst>
+                              <p:cond delay="0"/>
+                            </p:stCondLst>
+                            <p:childTnLst>
+                              <p:par>
+                                <p:cTn id="13" presetID="1" presetClass="entr" presetSubtype="0" fill="hold" grpId="0" nodeType="clickEffect">
+                                  <p:stCondLst>
+                                    <p:cond delay="0"/>
+                                  </p:stCondLst>
+                                  <p:childTnLst>
+                                    <p:set>
+                                      <p:cBhvr>
+                                        <p:cTn id="14" dur="1" fill="hold">
+                                          <p:stCondLst>
+                                            <p:cond delay="0"/>
+                                          </p:stCondLst>
+                                        </p:cTn>
+                                        <p:tgtEl>
+                                          <p:spTgt spid="7"/>
+                                        </p:tgtEl>
+                                        <p:attrNameLst>
+                                          <p:attrName>style.visibility</p:attrName>
+                                        </p:attrNameLst>
+                                      </p:cBhvr>
+                                      <p:to>
+                                        <p:strVal val="visible"/>
+                                      </p:to>
+                                    </p:set>
+                                  </p:childTnLst>
+                                </p:cTn>
+                              </p:par>
+                            </p:childTnLst>
+                          </p:cTn>
+                        </p:par>
+                      </p:childTnLst>
+                    </p:cTn>
+                  </p:par>
+                  <p:par>
+                    <p:cTn id="15" fill="hold">
+                      <p:stCondLst>
+                        <p:cond delay="indefinite"/>
+                      </p:stCondLst>
+                      <p:childTnLst>
+                        <p:par>
+                          <p:cTn id="16" fill="hold">
+                            <p:stCondLst>
+                              <p:cond delay="0"/>
+                            </p:stCondLst>
+                            <p:childTnLst>
+                              <p:par>
+                                <p:cTn id="17" presetID="1" presetClass="entr" presetSubtype="0" fill="hold" nodeType="clickEffect">
+                                  <p:stCondLst>
+                                    <p:cond delay="0"/>
+                                  </p:stCondLst>
+                                  <p:childTnLst>
+                                    <p:set>
+                                      <p:cBhvr>
+                                        <p:cTn id="18" dur="1" fill="hold">
+                                          <p:stCondLst>
+                                            <p:cond delay="0"/>
+                                          </p:stCondLst>
+                                        </p:cTn>
+                                        <p:tgtEl>
+                                          <p:spTgt spid="6"/>
+                                        </p:tgtEl>
+                                        <p:attrNameLst>
+                                          <p:attrName>style.visibility</p:attrName>
+                                        </p:attrNameLst>
+                                      </p:cBhvr>
+                                      <p:to>
+                                        <p:strVal val="visible"/>
+                                      </p:to>
+                                    </p:set>
+                                  </p:childTnLst>
+                                </p:cTn>
+                              </p:par>
+                            </p:childTnLst>
+                          </p:cTn>
+                        </p:par>
+                      </p:childTnLst>
+                    </p:cTn>
+                  </p:par>
+                </p:childTnLst>
+              </p:cTn>
+              <p:prevCondLst>
+                <p:cond evt="onPrev" delay="0">
+                  <p:tgtEl>
+                    <p:sldTgt/>
+                  </p:tgtEl>
+                </p:cond>
+              </p:prevCondLst>
+              <p:nextCondLst>
+                <p:cond evt="onNext" delay="0">
+                  <p:tgtEl>
+                    <p:sldTgt/>
+                  </p:tgtEl>
+                </p:cond>
+              </p:nextCondLst>
+            </p:seq>
+          </p:childTnLst>
+        </p:cTn>
       </p:par>
     </p:tnLst>
+    <p:bldLst>
+      <p:bldP spid="7" grpId="0" animBg="1"/>
+    </p:bldLst>
   </p:timing>
 </p:sld>
 </file>
 
 <file path=ppt/slides/slide5.xml><?xml version="1.0" encoding="utf-8"?>
+<p:sld xmlns:a="http://schemas.openxmlformats.org/drawingml/2006/main" xmlns:r="http://schemas.openxmlformats.org/officeDocument/2006/relationships" xmlns:p="http://schemas.openxmlformats.org/presentationml/2006/main">
+  <p:cSld>
+    <p:spTree>
+      <p:nvGrpSpPr>
+        <p:cNvPr id="1" name=""/>
+        <p:cNvGrpSpPr/>
+        <p:nvPr/>
+      </p:nvGrpSpPr>
+      <p:grpSpPr>
+        <a:xfrm>
+          <a:off x="0" y="0"/>
+          <a:ext cx="0" cy="0"/>
+          <a:chOff x="0" y="0"/>
+          <a:chExt cx="0" cy="0"/>
+        </a:xfrm>
+      </p:grpSpPr>
+      <p:sp>
+        <p:nvSpPr>
+          <p:cNvPr id="2" name="Título 1"/>
+          <p:cNvSpPr>
+            <a:spLocks noGrp="1"/>
+          </p:cNvSpPr>
+          <p:nvPr>
+            <p:ph type="title"/>
+          </p:nvPr>
+        </p:nvSpPr>
+        <p:spPr/>
+        <p:txBody>
+          <a:bodyPr/>
+          <a:lstStyle/>
+          <a:p>
+            <a:r>
+              <a:rPr lang="es-CR" dirty="0" smtClean="0"/>
+              <a:t>UNPIVOT</a:t>
+            </a:r>
+            <a:endParaRPr lang="es-CR" dirty="0"/>
+          </a:p>
+        </p:txBody>
+      </p:sp>
+      <p:sp>
+        <p:nvSpPr>
+          <p:cNvPr id="3" name="Marcador de contenido 2"/>
+          <p:cNvSpPr>
+            <a:spLocks noGrp="1"/>
+          </p:cNvSpPr>
+          <p:nvPr>
+            <p:ph idx="1"/>
+          </p:nvPr>
+        </p:nvSpPr>
+        <p:spPr/>
+        <p:txBody>
+          <a:bodyPr/>
+          <a:lstStyle/>
+          <a:p>
+            <a:r>
+              <a:rPr lang="es-CR" dirty="0"/>
+              <a:t>R</a:t>
+            </a:r>
+            <a:r>
+              <a:rPr lang="es-CR" dirty="0" smtClean="0"/>
+              <a:t>ealiza </a:t>
+            </a:r>
+            <a:r>
+              <a:rPr lang="es-CR" dirty="0"/>
+              <a:t>la operación contraria a PIVOT girando las </a:t>
+            </a:r>
+            <a:r>
+              <a:rPr lang="es-CR" dirty="0" smtClean="0"/>
+              <a:t>filas </a:t>
+            </a:r>
+            <a:r>
+              <a:rPr lang="es-CR" dirty="0"/>
+              <a:t>de una expresión con valores de tabla a valores de columna.</a:t>
+            </a:r>
+          </a:p>
+        </p:txBody>
+      </p:sp>
+      <p:sp>
+        <p:nvSpPr>
+          <p:cNvPr id="6" name="CuadroTexto 5"/>
+          <p:cNvSpPr txBox="1"/>
+          <p:nvPr/>
+        </p:nvSpPr>
+        <p:spPr>
+          <a:xfrm>
+            <a:off x="1207126" y="4354104"/>
+            <a:ext cx="1267098" cy="400110"/>
+          </a:xfrm>
+          <a:prstGeom prst="rect">
+            <a:avLst/>
+          </a:prstGeom>
+          <a:noFill/>
+        </p:spPr>
+        <p:txBody>
+          <a:bodyPr wrap="square" rtlCol="0">
+            <a:spAutoFit/>
+          </a:bodyPr>
+          <a:lstStyle/>
+          <a:p>
+            <a:r>
+              <a:rPr lang="es-CR" sz="2000" dirty="0" smtClean="0"/>
+              <a:t>Ejemplo:</a:t>
+            </a:r>
+            <a:endParaRPr lang="es-CR" sz="2000" dirty="0"/>
+          </a:p>
+        </p:txBody>
+      </p:sp>
+      <p:pic>
+        <p:nvPicPr>
+          <p:cNvPr id="7" name="Imagen 6"/>
+          <p:cNvPicPr>
+            <a:picLocks noChangeAspect="1"/>
+          </p:cNvPicPr>
+          <p:nvPr/>
+        </p:nvPicPr>
+        <p:blipFill>
+          <a:blip r:embed="rId2"/>
+          <a:stretch>
+            <a:fillRect/>
+          </a:stretch>
+        </p:blipFill>
+        <p:spPr>
+          <a:xfrm>
+            <a:off x="2222592" y="3848100"/>
+            <a:ext cx="2362200" cy="2095500"/>
+          </a:xfrm>
+          <a:prstGeom prst="rect">
+            <a:avLst/>
+          </a:prstGeom>
+        </p:spPr>
+      </p:pic>
+      <p:pic>
+        <p:nvPicPr>
+          <p:cNvPr id="8" name="Imagen 7"/>
+          <p:cNvPicPr>
+            <a:picLocks noChangeAspect="1"/>
+          </p:cNvPicPr>
+          <p:nvPr/>
+        </p:nvPicPr>
+        <p:blipFill>
+          <a:blip r:embed="rId3"/>
+          <a:stretch>
+            <a:fillRect/>
+          </a:stretch>
+        </p:blipFill>
+        <p:spPr>
+          <a:xfrm>
+            <a:off x="5474279" y="3924949"/>
+            <a:ext cx="6038850" cy="866775"/>
+          </a:xfrm>
+          <a:prstGeom prst="rect">
+            <a:avLst/>
+          </a:prstGeom>
+        </p:spPr>
+      </p:pic>
+      <p:sp>
+        <p:nvSpPr>
+          <p:cNvPr id="9" name="Flecha derecha 8"/>
+          <p:cNvSpPr/>
+          <p:nvPr/>
+        </p:nvSpPr>
+        <p:spPr>
+          <a:xfrm rot="10800000">
+            <a:off x="4800727" y="4521890"/>
+            <a:ext cx="548051" cy="318346"/>
+          </a:xfrm>
+          <a:prstGeom prst="rightArrow">
+            <a:avLst/>
+          </a:prstGeom>
+        </p:spPr>
+        <p:style>
+          <a:lnRef idx="2">
+            <a:schemeClr val="accent1">
+              <a:shade val="50000"/>
+            </a:schemeClr>
+          </a:lnRef>
+          <a:fillRef idx="1">
+            <a:schemeClr val="accent1"/>
+          </a:fillRef>
+          <a:effectRef idx="0">
+            <a:schemeClr val="accent1"/>
+          </a:effectRef>
+          <a:fontRef idx="minor">
+            <a:schemeClr val="lt1"/>
+          </a:fontRef>
+        </p:style>
+        <p:txBody>
+          <a:bodyPr rtlCol="0" anchor="ctr"/>
+          <a:lstStyle/>
+          <a:p>
+            <a:pPr algn="ctr"/>
+            <a:endParaRPr lang="es-CR"/>
+          </a:p>
+        </p:txBody>
+      </p:sp>
+    </p:spTree>
+    <p:extLst>
+      <p:ext uri="{BB962C8B-B14F-4D97-AF65-F5344CB8AC3E}">
+        <p14:creationId xmlns:p14="http://schemas.microsoft.com/office/powerpoint/2010/main" val="920626908"/>
+      </p:ext>
+    </p:extLst>
+  </p:cSld>
+  <p:clrMapOvr>
+    <a:masterClrMapping/>
+  </p:clrMapOvr>
+  <mc:AlternateContent xmlns:mc="http://schemas.openxmlformats.org/markup-compatibility/2006" xmlns:p14="http://schemas.microsoft.com/office/powerpoint/2010/main">
+    <mc:Choice Requires="p14">
+      <p:transition spd="med" p14:dur="700">
+        <p:fade/>
+      </p:transition>
+    </mc:Choice>
+    <mc:Fallback xmlns="">
+      <p:transition spd="med">
+        <p:fade/>
+      </p:transition>
+    </mc:Fallback>
+  </mc:AlternateContent>
+  <p:timing>
+    <p:tnLst>
+      <p:par>
+        <p:cTn id="1" dur="indefinite" restart="never" nodeType="tmRoot">
+          <p:childTnLst>
+            <p:seq concurrent="1" nextAc="seek">
+              <p:cTn id="2" dur="indefinite" nodeType="mainSeq">
+                <p:childTnLst>
+                  <p:par>
+                    <p:cTn id="3" fill="hold">
+                      <p:stCondLst>
+                        <p:cond delay="indefinite"/>
+                      </p:stCondLst>
+                      <p:childTnLst>
+                        <p:par>
+                          <p:cTn id="4" fill="hold">
+                            <p:stCondLst>
+                              <p:cond delay="0"/>
+                            </p:stCondLst>
+                            <p:childTnLst>
+                              <p:par>
+                                <p:cTn id="5" presetID="1" presetClass="entr" presetSubtype="0" fill="hold" grpId="0" nodeType="clickEffect">
+                                  <p:stCondLst>
+                                    <p:cond delay="0"/>
+                                  </p:stCondLst>
+                                  <p:childTnLst>
+                                    <p:set>
+                                      <p:cBhvr>
+                                        <p:cTn id="6" dur="1" fill="hold">
+                                          <p:stCondLst>
+                                            <p:cond delay="0"/>
+                                          </p:stCondLst>
+                                        </p:cTn>
+                                        <p:tgtEl>
+                                          <p:spTgt spid="2"/>
+                                        </p:tgtEl>
+                                        <p:attrNameLst>
+                                          <p:attrName>style.visibility</p:attrName>
+                                        </p:attrNameLst>
+                                      </p:cBhvr>
+                                      <p:to>
+                                        <p:strVal val="visible"/>
+                                      </p:to>
+                                    </p:set>
+                                  </p:childTnLst>
+                                </p:cTn>
+                              </p:par>
+                            </p:childTnLst>
+                          </p:cTn>
+                        </p:par>
+                      </p:childTnLst>
+                    </p:cTn>
+                  </p:par>
+                  <p:par>
+                    <p:cTn id="7" fill="hold">
+                      <p:stCondLst>
+                        <p:cond delay="indefinite"/>
+                      </p:stCondLst>
+                      <p:childTnLst>
+                        <p:par>
+                          <p:cTn id="8" fill="hold">
+                            <p:stCondLst>
+                              <p:cond delay="0"/>
+                            </p:stCondLst>
+                            <p:childTnLst>
+                              <p:par>
+                                <p:cTn id="9" presetID="1" presetClass="entr" presetSubtype="0" fill="hold" grpId="0" nodeType="clickEffect">
+                                  <p:stCondLst>
+                                    <p:cond delay="0"/>
+                                  </p:stCondLst>
+                                  <p:childTnLst>
+                                    <p:set>
+                                      <p:cBhvr>
+                                        <p:cTn id="10" dur="1" fill="hold">
+                                          <p:stCondLst>
+                                            <p:cond delay="0"/>
+                                          </p:stCondLst>
+                                        </p:cTn>
+                                        <p:tgtEl>
+                                          <p:spTgt spid="3">
+                                            <p:txEl>
+                                              <p:pRg st="0" end="0"/>
+                                            </p:txEl>
+                                          </p:spTgt>
+                                        </p:tgtEl>
+                                        <p:attrNameLst>
+                                          <p:attrName>style.visibility</p:attrName>
+                                        </p:attrNameLst>
+                                      </p:cBhvr>
+                                      <p:to>
+                                        <p:strVal val="visible"/>
+                                      </p:to>
+                                    </p:set>
+                                  </p:childTnLst>
+                                </p:cTn>
+                              </p:par>
+                            </p:childTnLst>
+                          </p:cTn>
+                        </p:par>
+                      </p:childTnLst>
+                    </p:cTn>
+                  </p:par>
+                  <p:par>
+                    <p:cTn id="11" fill="hold">
+                      <p:stCondLst>
+                        <p:cond delay="indefinite"/>
+                      </p:stCondLst>
+                      <p:childTnLst>
+                        <p:par>
+                          <p:cTn id="12" fill="hold">
+                            <p:stCondLst>
+                              <p:cond delay="0"/>
+                            </p:stCondLst>
+                            <p:childTnLst>
+                              <p:par>
+                                <p:cTn id="13" presetID="1" presetClass="entr" presetSubtype="0" fill="hold" grpId="0" nodeType="clickEffect">
+                                  <p:stCondLst>
+                                    <p:cond delay="0"/>
+                                  </p:stCondLst>
+                                  <p:childTnLst>
+                                    <p:set>
+                                      <p:cBhvr>
+                                        <p:cTn id="14" dur="1" fill="hold">
+                                          <p:stCondLst>
+                                            <p:cond delay="0"/>
+                                          </p:stCondLst>
+                                        </p:cTn>
+                                        <p:tgtEl>
+                                          <p:spTgt spid="6"/>
+                                        </p:tgtEl>
+                                        <p:attrNameLst>
+                                          <p:attrName>style.visibility</p:attrName>
+                                        </p:attrNameLst>
+                                      </p:cBhvr>
+                                      <p:to>
+                                        <p:strVal val="visible"/>
+                                      </p:to>
+                                    </p:set>
+                                  </p:childTnLst>
+                                </p:cTn>
+                              </p:par>
+                            </p:childTnLst>
+                          </p:cTn>
+                        </p:par>
+                      </p:childTnLst>
+                    </p:cTn>
+                  </p:par>
+                  <p:par>
+                    <p:cTn id="15" fill="hold">
+                      <p:stCondLst>
+                        <p:cond delay="indefinite"/>
+                      </p:stCondLst>
+                      <p:childTnLst>
+                        <p:par>
+                          <p:cTn id="16" fill="hold">
+                            <p:stCondLst>
+                              <p:cond delay="0"/>
+                            </p:stCondLst>
+                            <p:childTnLst>
+                              <p:par>
+                                <p:cTn id="17" presetID="1" presetClass="entr" presetSubtype="0" fill="hold" nodeType="clickEffect">
+                                  <p:stCondLst>
+                                    <p:cond delay="0"/>
+                                  </p:stCondLst>
+                                  <p:childTnLst>
+                                    <p:set>
+                                      <p:cBhvr>
+                                        <p:cTn id="18" dur="1" fill="hold">
+                                          <p:stCondLst>
+                                            <p:cond delay="0"/>
+                                          </p:stCondLst>
+                                        </p:cTn>
+                                        <p:tgtEl>
+                                          <p:spTgt spid="7"/>
+                                        </p:tgtEl>
+                                        <p:attrNameLst>
+                                          <p:attrName>style.visibility</p:attrName>
+                                        </p:attrNameLst>
+                                      </p:cBhvr>
+                                      <p:to>
+                                        <p:strVal val="visible"/>
+                                      </p:to>
+                                    </p:set>
+                                  </p:childTnLst>
+                                </p:cTn>
+                              </p:par>
+                            </p:childTnLst>
+                          </p:cTn>
+                        </p:par>
+                      </p:childTnLst>
+                    </p:cTn>
+                  </p:par>
+                  <p:par>
+                    <p:cTn id="19" fill="hold">
+                      <p:stCondLst>
+                        <p:cond delay="indefinite"/>
+                      </p:stCondLst>
+                      <p:childTnLst>
+                        <p:par>
+                          <p:cTn id="20" fill="hold">
+                            <p:stCondLst>
+                              <p:cond delay="0"/>
+                            </p:stCondLst>
+                            <p:childTnLst>
+                              <p:par>
+                                <p:cTn id="21" presetID="1" presetClass="entr" presetSubtype="0" fill="hold" grpId="0" nodeType="clickEffect">
+                                  <p:stCondLst>
+                                    <p:cond delay="0"/>
+                                  </p:stCondLst>
+                                  <p:childTnLst>
+                                    <p:set>
+                                      <p:cBhvr>
+                                        <p:cTn id="22" dur="1" fill="hold">
+                                          <p:stCondLst>
+                                            <p:cond delay="0"/>
+                                          </p:stCondLst>
+                                        </p:cTn>
+                                        <p:tgtEl>
+                                          <p:spTgt spid="9"/>
+                                        </p:tgtEl>
+                                        <p:attrNameLst>
+                                          <p:attrName>style.visibility</p:attrName>
+                                        </p:attrNameLst>
+                                      </p:cBhvr>
+                                      <p:to>
+                                        <p:strVal val="visible"/>
+                                      </p:to>
+                                    </p:set>
+                                  </p:childTnLst>
+                                </p:cTn>
+                              </p:par>
+                            </p:childTnLst>
+                          </p:cTn>
+                        </p:par>
+                      </p:childTnLst>
+                    </p:cTn>
+                  </p:par>
+                  <p:par>
+                    <p:cTn id="23" fill="hold">
+                      <p:stCondLst>
+                        <p:cond delay="indefinite"/>
+                      </p:stCondLst>
+                      <p:childTnLst>
+                        <p:par>
+                          <p:cTn id="24" fill="hold">
+                            <p:stCondLst>
+                              <p:cond delay="0"/>
+                            </p:stCondLst>
+                            <p:childTnLst>
+                              <p:par>
+                                <p:cTn id="25" presetID="1" presetClass="entr" presetSubtype="0" fill="hold" nodeType="clickEffect">
+                                  <p:stCondLst>
+                                    <p:cond delay="0"/>
+                                  </p:stCondLst>
+                                  <p:childTnLst>
+                                    <p:set>
+                                      <p:cBhvr>
+                                        <p:cTn id="26" dur="1" fill="hold">
+                                          <p:stCondLst>
+                                            <p:cond delay="0"/>
+                                          </p:stCondLst>
+                                        </p:cTn>
+                                        <p:tgtEl>
+                                          <p:spTgt spid="8"/>
+                                        </p:tgtEl>
+                                        <p:attrNameLst>
+                                          <p:attrName>style.visibility</p:attrName>
+                                        </p:attrNameLst>
+                                      </p:cBhvr>
+                                      <p:to>
+                                        <p:strVal val="visible"/>
+                                      </p:to>
+                                    </p:set>
+                                  </p:childTnLst>
+                                </p:cTn>
+                              </p:par>
+                            </p:childTnLst>
+                          </p:cTn>
+                        </p:par>
+                      </p:childTnLst>
+                    </p:cTn>
+                  </p:par>
+                </p:childTnLst>
+              </p:cTn>
+              <p:prevCondLst>
+                <p:cond evt="onPrev" delay="0">
+                  <p:tgtEl>
+                    <p:sldTgt/>
+                  </p:tgtEl>
+                </p:cond>
+              </p:prevCondLst>
+              <p:nextCondLst>
+                <p:cond evt="onNext" delay="0">
+                  <p:tgtEl>
+                    <p:sldTgt/>
+                  </p:tgtEl>
+                </p:cond>
+              </p:nextCondLst>
+            </p:seq>
+          </p:childTnLst>
+        </p:cTn>
+      </p:par>
+    </p:tnLst>
+    <p:bldLst>
+      <p:bldP spid="2" grpId="0"/>
+      <p:bldP spid="3" grpId="0" build="p"/>
+      <p:bldP spid="6" grpId="0"/>
+      <p:bldP spid="9" grpId="0" animBg="1"/>
+    </p:bldLst>
+  </p:timing>
+</p:sld>
+</file>
+
+<file path=ppt/slides/slide6.xml><?xml version="1.0" encoding="utf-8"?>
 <p:sld xmlns:a="http://schemas.openxmlformats.org/drawingml/2006/main" xmlns:r="http://schemas.openxmlformats.org/officeDocument/2006/relationships" xmlns:p="http://schemas.openxmlformats.org/presentationml/2006/main">
   <p:cSld>
     <p:spTree>
@@ -19168,257 +14917,6 @@
           </a:graphicData>
         </a:graphic>
       </p:graphicFrame>
-      <p:graphicFrame>
-        <p:nvGraphicFramePr>
-          <p:cNvPr id="9" name="Tabla 8"/>
-          <p:cNvGraphicFramePr>
-            <a:graphicFrameLocks noGrp="1"/>
-          </p:cNvGraphicFramePr>
-          <p:nvPr>
-            <p:extLst>
-              <p:ext uri="{D42A27DB-BD31-4B8C-83A1-F6EECF244321}">
-                <p14:modId xmlns:p14="http://schemas.microsoft.com/office/powerpoint/2010/main" val="3553592981"/>
-              </p:ext>
-            </p:extLst>
-          </p:nvPr>
-        </p:nvGraphicFramePr>
-        <p:xfrm>
-          <a:off x="4720505" y="5199427"/>
-          <a:ext cx="839617" cy="1102446"/>
-        </p:xfrm>
-        <a:graphic>
-          <a:graphicData uri="http://schemas.openxmlformats.org/drawingml/2006/table">
-            <a:tbl>
-              <a:tblPr/>
-              <a:tblGrid>
-                <a:gridCol w="839617">
-                  <a:extLst>
-                    <a:ext uri="{9D8B030D-6E8A-4147-A177-3AD203B41FA5}">
-                      <a16:colId xmlns:a16="http://schemas.microsoft.com/office/drawing/2014/main" val="230096223"/>
-                    </a:ext>
-                  </a:extLst>
-                </a:gridCol>
-              </a:tblGrid>
-              <a:tr h="439061">
-                <a:tc>
-                  <a:txBody>
-                    <a:bodyPr/>
-                    <a:lstStyle/>
-                    <a:p>
-                      <a:pPr algn="ctr" fontAlgn="b"/>
-                      <a:r>
-                        <a:rPr lang="es-CR" sz="1400" b="1" i="0" u="none" strike="noStrike" dirty="0" smtClean="0">
-                          <a:solidFill>
-                            <a:srgbClr val="99FF33"/>
-                          </a:solidFill>
-                          <a:effectLst/>
-                          <a:latin typeface="Calibri" panose="020F0502020204030204" pitchFamily="34" charset="0"/>
-                        </a:rPr>
-                        <a:t>Producto</a:t>
-                      </a:r>
-                      <a:endParaRPr lang="es-CR" sz="1400" b="1" i="0" u="none" strike="noStrike" dirty="0">
-                        <a:solidFill>
-                          <a:srgbClr val="99FF33"/>
-                        </a:solidFill>
-                        <a:effectLst/>
-                        <a:latin typeface="Calibri" panose="020F0502020204030204" pitchFamily="34" charset="0"/>
-                      </a:endParaRPr>
-                    </a:p>
-                  </a:txBody>
-                  <a:tcPr marL="9525" marR="9525" marT="9525" marB="0" anchor="b">
-                    <a:lnL w="12700" cap="flat" cmpd="sng" algn="ctr">
-                      <a:solidFill>
-                        <a:srgbClr val="000000"/>
-                      </a:solidFill>
-                      <a:prstDash val="solid"/>
-                      <a:round/>
-                      <a:headEnd type="none" w="med" len="med"/>
-                      <a:tailEnd type="none" w="med" len="med"/>
-                    </a:lnL>
-                    <a:lnR w="6350" cap="flat" cmpd="sng" algn="ctr">
-                      <a:solidFill>
-                        <a:srgbClr val="000000"/>
-                      </a:solidFill>
-                      <a:prstDash val="solid"/>
-                      <a:round/>
-                      <a:headEnd type="none" w="med" len="med"/>
-                      <a:tailEnd type="none" w="med" len="med"/>
-                    </a:lnR>
-                    <a:lnT w="12700" cap="flat" cmpd="sng" algn="ctr">
-                      <a:solidFill>
-                        <a:srgbClr val="000000"/>
-                      </a:solidFill>
-                      <a:prstDash val="solid"/>
-                      <a:round/>
-                      <a:headEnd type="none" w="med" len="med"/>
-                      <a:tailEnd type="none" w="med" len="med"/>
-                    </a:lnT>
-                    <a:lnB w="12700" cap="flat" cmpd="sng" algn="ctr">
-                      <a:solidFill>
-                        <a:srgbClr val="000000"/>
-                      </a:solidFill>
-                      <a:prstDash val="solid"/>
-                      <a:round/>
-                      <a:headEnd type="none" w="med" len="med"/>
-                      <a:tailEnd type="none" w="med" len="med"/>
-                    </a:lnB>
-                    <a:solidFill>
-                      <a:srgbClr val="A6A6A6"/>
-                    </a:solidFill>
-                  </a:tcPr>
-                </a:tc>
-                <a:extLst>
-                  <a:ext uri="{0D108BD9-81ED-4DB2-BD59-A6C34878D82A}">
-                    <a16:rowId xmlns:a16="http://schemas.microsoft.com/office/drawing/2014/main" val="2189654244"/>
-                  </a:ext>
-                </a:extLst>
-              </a:tr>
-              <a:tr h="439061">
-                <a:tc>
-                  <a:txBody>
-                    <a:bodyPr/>
-                    <a:lstStyle/>
-                    <a:p>
-                      <a:pPr algn="ctr" fontAlgn="b"/>
-                      <a:r>
-                        <a:rPr lang="es-CR" sz="1400" b="0" i="0" u="none" strike="noStrike" dirty="0" err="1" smtClean="0">
-                          <a:solidFill>
-                            <a:srgbClr val="99FF33"/>
-                          </a:solidFill>
-                          <a:effectLst/>
-                          <a:latin typeface="Calibri" panose="020F0502020204030204" pitchFamily="34" charset="0"/>
-                        </a:rPr>
-                        <a:t>IDProducto</a:t>
-                      </a:r>
-                      <a:endParaRPr lang="es-CR" sz="1400" b="0" i="0" u="none" strike="noStrike" dirty="0">
-                        <a:solidFill>
-                          <a:srgbClr val="99FF33"/>
-                        </a:solidFill>
-                        <a:effectLst/>
-                        <a:latin typeface="Calibri" panose="020F0502020204030204" pitchFamily="34" charset="0"/>
-                      </a:endParaRPr>
-                    </a:p>
-                  </a:txBody>
-                  <a:tcPr marL="9525" marR="9525" marT="9525" marB="0" anchor="b">
-                    <a:lnL w="12700" cap="flat" cmpd="sng" algn="ctr">
-                      <a:solidFill>
-                        <a:srgbClr val="000000"/>
-                      </a:solidFill>
-                      <a:prstDash val="solid"/>
-                      <a:round/>
-                      <a:headEnd type="none" w="med" len="med"/>
-                      <a:tailEnd type="none" w="med" len="med"/>
-                    </a:lnL>
-                    <a:lnR w="6350" cap="flat" cmpd="sng" algn="ctr">
-                      <a:solidFill>
-                        <a:srgbClr val="000000"/>
-                      </a:solidFill>
-                      <a:prstDash val="solid"/>
-                      <a:round/>
-                      <a:headEnd type="none" w="med" len="med"/>
-                      <a:tailEnd type="none" w="med" len="med"/>
-                    </a:lnR>
-                    <a:lnT w="12700" cap="flat" cmpd="sng" algn="ctr">
-                      <a:solidFill>
-                        <a:srgbClr val="000000"/>
-                      </a:solidFill>
-                      <a:prstDash val="solid"/>
-                      <a:round/>
-                      <a:headEnd type="none" w="med" len="med"/>
-                      <a:tailEnd type="none" w="med" len="med"/>
-                    </a:lnT>
-                    <a:lnB w="6350" cap="flat" cmpd="sng" algn="ctr">
-                      <a:solidFill>
-                        <a:srgbClr val="000000"/>
-                      </a:solidFill>
-                      <a:prstDash val="solid"/>
-                      <a:round/>
-                      <a:headEnd type="none" w="med" len="med"/>
-                      <a:tailEnd type="none" w="med" len="med"/>
-                    </a:lnB>
-                  </a:tcPr>
-                </a:tc>
-                <a:extLst>
-                  <a:ext uri="{0D108BD9-81ED-4DB2-BD59-A6C34878D82A}">
-                    <a16:rowId xmlns:a16="http://schemas.microsoft.com/office/drawing/2014/main" val="1113834509"/>
-                  </a:ext>
-                </a:extLst>
-              </a:tr>
-              <a:tr h="224324">
-                <a:tc>
-                  <a:txBody>
-                    <a:bodyPr/>
-                    <a:lstStyle/>
-                    <a:p>
-                      <a:pPr algn="ctr" fontAlgn="b"/>
-                      <a:r>
-                        <a:rPr lang="es-CR" sz="1400" b="0" i="0" u="none" strike="noStrike" dirty="0" err="1" smtClean="0">
-                          <a:solidFill>
-                            <a:srgbClr val="99FF33"/>
-                          </a:solidFill>
-                          <a:effectLst/>
-                          <a:latin typeface="Calibri" panose="020F0502020204030204" pitchFamily="34" charset="0"/>
-                        </a:rPr>
-                        <a:t>Name</a:t>
-                      </a:r>
-                      <a:endParaRPr lang="es-CR" sz="1400" b="0" i="0" u="none" strike="noStrike" dirty="0">
-                        <a:solidFill>
-                          <a:srgbClr val="99FF33"/>
-                        </a:solidFill>
-                        <a:effectLst/>
-                        <a:latin typeface="Calibri" panose="020F0502020204030204" pitchFamily="34" charset="0"/>
-                      </a:endParaRPr>
-                    </a:p>
-                  </a:txBody>
-                  <a:tcPr marL="9525" marR="9525" marT="9525" marB="0" anchor="b">
-                    <a:lnL w="12700" cap="flat" cmpd="sng" algn="ctr">
-                      <a:solidFill>
-                        <a:srgbClr val="000000"/>
-                      </a:solidFill>
-                      <a:prstDash val="solid"/>
-                      <a:round/>
-                      <a:headEnd type="none" w="med" len="med"/>
-                      <a:tailEnd type="none" w="med" len="med"/>
-                    </a:lnL>
-                    <a:lnR w="6350" cap="flat" cmpd="sng" algn="ctr">
-                      <a:solidFill>
-                        <a:srgbClr val="000000"/>
-                      </a:solidFill>
-                      <a:prstDash val="solid"/>
-                      <a:round/>
-                      <a:headEnd type="none" w="med" len="med"/>
-                      <a:tailEnd type="none" w="med" len="med"/>
-                    </a:lnR>
-                    <a:lnT w="6350" cap="flat" cmpd="sng" algn="ctr">
-                      <a:solidFill>
-                        <a:srgbClr val="000000"/>
-                      </a:solidFill>
-                      <a:prstDash val="solid"/>
-                      <a:round/>
-                      <a:headEnd type="none" w="med" len="med"/>
-                      <a:tailEnd type="none" w="med" len="med"/>
-                    </a:lnT>
-                    <a:lnB w="6350" cap="flat" cmpd="sng" algn="ctr">
-                      <a:solidFill>
-                        <a:srgbClr val="000000"/>
-                      </a:solidFill>
-                      <a:prstDash val="solid"/>
-                      <a:round/>
-                      <a:headEnd type="none" w="med" len="med"/>
-                      <a:tailEnd type="none" w="med" len="med"/>
-                    </a:lnB>
-                  </a:tcPr>
-                </a:tc>
-                <a:extLst>
-                  <a:ext uri="{0D108BD9-81ED-4DB2-BD59-A6C34878D82A}">
-                    <a16:rowId xmlns:a16="http://schemas.microsoft.com/office/drawing/2014/main" val="2248917466"/>
-                  </a:ext>
-                </a:extLst>
-              </a:tr>
-            </a:tbl>
-          </a:graphicData>
-        </a:graphic>
-      </p:graphicFrame>
       <p:sp>
         <p:nvSpPr>
           <p:cNvPr id="11" name="CuadroTexto 10"/>
@@ -19458,7 +14956,7 @@
         <p:spPr>
           <a:xfrm>
             <a:off x="5560122" y="5522976"/>
-            <a:ext cx="6162486" cy="584775"/>
+            <a:ext cx="6162486" cy="338554"/>
           </a:xfrm>
           <a:prstGeom prst="rect">
             <a:avLst/>
@@ -19472,50 +14970,64 @@
           <a:lstStyle/>
           <a:p>
             <a:r>
-              <a:rPr lang="es-CR" sz="1600" dirty="0"/>
-              <a:t>=</a:t>
-            </a:r>
-            <a:r>
-              <a:rPr lang="es-CR" sz="1600" dirty="0" err="1"/>
-              <a:t>Lookup</a:t>
-            </a:r>
-            <a:r>
-              <a:rPr lang="es-CR" sz="1600" dirty="0"/>
-              <a:t>(</a:t>
-            </a:r>
-            <a:r>
-              <a:rPr lang="es-CR" sz="1600" dirty="0" err="1"/>
-              <a:t>Fields!ProductID.Value</a:t>
-            </a:r>
-            <a:r>
-              <a:rPr lang="es-CR" sz="1600" dirty="0"/>
-              <a:t>, </a:t>
-            </a:r>
-            <a:r>
-              <a:rPr lang="es-CR" sz="1600" dirty="0" err="1"/>
-              <a:t>Fields!ID.Value</a:t>
-            </a:r>
-            <a:r>
-              <a:rPr lang="es-CR" sz="1600" dirty="0"/>
-              <a:t>, </a:t>
-            </a:r>
-            <a:r>
-              <a:rPr lang="es-CR" sz="1600" dirty="0" err="1"/>
-              <a:t>Fields!Name.Value</a:t>
-            </a:r>
-            <a:r>
-              <a:rPr lang="es-CR" sz="1600" dirty="0"/>
-              <a:t>, "</a:t>
-            </a:r>
-            <a:r>
-              <a:rPr lang="es-CR" sz="1600" dirty="0" err="1"/>
-              <a:t>Product</a:t>
-            </a:r>
-            <a:r>
-              <a:rPr lang="es-CR" sz="1600" dirty="0"/>
-              <a:t>") </a:t>
-            </a:r>
-            <a:endParaRPr lang="es-CR" sz="1600" dirty="0"/>
+              <a:rPr lang="es-CR" sz="1600" dirty="0" smtClean="0"/>
+              <a:t>“</a:t>
+            </a:r>
+            <a:r>
+              <a:rPr lang="es-CR" sz="1600" b="1" dirty="0" smtClean="0">
+                <a:solidFill>
+                  <a:srgbClr val="99FF33"/>
+                </a:solidFill>
+                <a:latin typeface="Calibri" panose="020F0502020204030204" pitchFamily="34" charset="0"/>
+              </a:rPr>
+              <a:t>Producto</a:t>
+            </a:r>
+            <a:r>
+              <a:rPr lang="es-CR" sz="1600" dirty="0" smtClean="0"/>
+              <a:t>”, “</a:t>
+            </a:r>
+            <a:r>
+              <a:rPr lang="es-CR" sz="1600" dirty="0" err="1" smtClean="0">
+                <a:solidFill>
+                  <a:srgbClr val="99FF33"/>
+                </a:solidFill>
+                <a:latin typeface="Calibri" panose="020F0502020204030204" pitchFamily="34" charset="0"/>
+              </a:rPr>
+              <a:t>IDProducto</a:t>
+            </a:r>
+            <a:r>
+              <a:rPr lang="es-CR" sz="1600" b="1" dirty="0" smtClean="0">
+                <a:solidFill>
+                  <a:srgbClr val="99FF33"/>
+                </a:solidFill>
+                <a:latin typeface="Calibri" panose="020F0502020204030204" pitchFamily="34" charset="0"/>
+              </a:rPr>
+              <a:t>”,”</a:t>
+            </a:r>
+            <a:r>
+              <a:rPr lang="es-CR" sz="1600" b="1" dirty="0" err="1" smtClean="0">
+                <a:solidFill>
+                  <a:srgbClr val="99FF33"/>
+                </a:solidFill>
+                <a:latin typeface="Calibri" panose="020F0502020204030204" pitchFamily="34" charset="0"/>
+              </a:rPr>
+              <a:t>Name</a:t>
+            </a:r>
+            <a:r>
+              <a:rPr lang="es-CR" sz="1600" b="1" dirty="0" smtClean="0">
+                <a:solidFill>
+                  <a:srgbClr val="99FF33"/>
+                </a:solidFill>
+                <a:latin typeface="Calibri" panose="020F0502020204030204" pitchFamily="34" charset="0"/>
+              </a:rPr>
+              <a:t>”</a:t>
+            </a:r>
+            <a:endParaRPr lang="es-CR" sz="1600" dirty="0">
+              <a:solidFill>
+                <a:srgbClr val="99FF33"/>
+              </a:solidFill>
+              <a:latin typeface="Calibri" panose="020F0502020204030204" pitchFamily="34" charset="0"/>
+            </a:endParaRPr>
           </a:p>
         </p:txBody>
       </p:sp>
@@ -19529,13 +15041,13 @@
   <p:clrMapOvr>
     <a:masterClrMapping/>
   </p:clrMapOvr>
-  <mc:AlternateContent xmlns:mc="http://schemas.openxmlformats.org/markup-compatibility/2006">
-    <mc:Choice xmlns:p14="http://schemas.microsoft.com/office/powerpoint/2010/main" Requires="p14">
+  <mc:AlternateContent xmlns:mc="http://schemas.openxmlformats.org/markup-compatibility/2006" xmlns:p14="http://schemas.microsoft.com/office/powerpoint/2010/main">
+    <mc:Choice Requires="p14">
       <p:transition spd="med" p14:dur="700">
         <p:fade/>
       </p:transition>
     </mc:Choice>
-    <mc:Fallback>
+    <mc:Fallback xmlns="">
       <p:transition spd="med">
         <p:fade/>
       </p:transition>
@@ -19544,9 +15056,316 @@
   <p:timing>
     <p:tnLst>
       <p:par>
-        <p:cTn id="1" dur="indefinite" restart="never" nodeType="tmRoot"/>
+        <p:cTn id="1" dur="indefinite" restart="never" nodeType="tmRoot">
+          <p:childTnLst>
+            <p:seq concurrent="1" nextAc="seek">
+              <p:cTn id="2" dur="indefinite" nodeType="mainSeq">
+                <p:childTnLst>
+                  <p:par>
+                    <p:cTn id="3" fill="hold">
+                      <p:stCondLst>
+                        <p:cond delay="indefinite"/>
+                      </p:stCondLst>
+                      <p:childTnLst>
+                        <p:par>
+                          <p:cTn id="4" fill="hold">
+                            <p:stCondLst>
+                              <p:cond delay="0"/>
+                            </p:stCondLst>
+                            <p:childTnLst>
+                              <p:par>
+                                <p:cTn id="5" presetID="1" presetClass="entr" presetSubtype="0" fill="hold" grpId="0" nodeType="clickEffect">
+                                  <p:stCondLst>
+                                    <p:cond delay="0"/>
+                                  </p:stCondLst>
+                                  <p:childTnLst>
+                                    <p:set>
+                                      <p:cBhvr>
+                                        <p:cTn id="6" dur="1" fill="hold">
+                                          <p:stCondLst>
+                                            <p:cond delay="0"/>
+                                          </p:stCondLst>
+                                        </p:cTn>
+                                        <p:tgtEl>
+                                          <p:spTgt spid="2"/>
+                                        </p:tgtEl>
+                                        <p:attrNameLst>
+                                          <p:attrName>style.visibility</p:attrName>
+                                        </p:attrNameLst>
+                                      </p:cBhvr>
+                                      <p:to>
+                                        <p:strVal val="visible"/>
+                                      </p:to>
+                                    </p:set>
+                                  </p:childTnLst>
+                                </p:cTn>
+                              </p:par>
+                            </p:childTnLst>
+                          </p:cTn>
+                        </p:par>
+                      </p:childTnLst>
+                    </p:cTn>
+                  </p:par>
+                  <p:par>
+                    <p:cTn id="7" fill="hold">
+                      <p:stCondLst>
+                        <p:cond delay="indefinite"/>
+                      </p:stCondLst>
+                      <p:childTnLst>
+                        <p:par>
+                          <p:cTn id="8" fill="hold">
+                            <p:stCondLst>
+                              <p:cond delay="0"/>
+                            </p:stCondLst>
+                            <p:childTnLst>
+                              <p:par>
+                                <p:cTn id="9" presetID="1" presetClass="entr" presetSubtype="0" fill="hold" grpId="0" nodeType="clickEffect">
+                                  <p:stCondLst>
+                                    <p:cond delay="0"/>
+                                  </p:stCondLst>
+                                  <p:childTnLst>
+                                    <p:set>
+                                      <p:cBhvr>
+                                        <p:cTn id="10" dur="1" fill="hold">
+                                          <p:stCondLst>
+                                            <p:cond delay="0"/>
+                                          </p:stCondLst>
+                                        </p:cTn>
+                                        <p:tgtEl>
+                                          <p:spTgt spid="3">
+                                            <p:txEl>
+                                              <p:pRg st="0" end="0"/>
+                                            </p:txEl>
+                                          </p:spTgt>
+                                        </p:tgtEl>
+                                        <p:attrNameLst>
+                                          <p:attrName>style.visibility</p:attrName>
+                                        </p:attrNameLst>
+                                      </p:cBhvr>
+                                      <p:to>
+                                        <p:strVal val="visible"/>
+                                      </p:to>
+                                    </p:set>
+                                  </p:childTnLst>
+                                </p:cTn>
+                              </p:par>
+                            </p:childTnLst>
+                          </p:cTn>
+                        </p:par>
+                      </p:childTnLst>
+                    </p:cTn>
+                  </p:par>
+                  <p:par>
+                    <p:cTn id="11" fill="hold">
+                      <p:stCondLst>
+                        <p:cond delay="indefinite"/>
+                      </p:stCondLst>
+                      <p:childTnLst>
+                        <p:par>
+                          <p:cTn id="12" fill="hold">
+                            <p:stCondLst>
+                              <p:cond delay="0"/>
+                            </p:stCondLst>
+                            <p:childTnLst>
+                              <p:par>
+                                <p:cTn id="13" presetID="1" presetClass="entr" presetSubtype="0" fill="hold" grpId="0" nodeType="clickEffect">
+                                  <p:stCondLst>
+                                    <p:cond delay="0"/>
+                                  </p:stCondLst>
+                                  <p:childTnLst>
+                                    <p:set>
+                                      <p:cBhvr>
+                                        <p:cTn id="14" dur="1" fill="hold">
+                                          <p:stCondLst>
+                                            <p:cond delay="0"/>
+                                          </p:stCondLst>
+                                        </p:cTn>
+                                        <p:tgtEl>
+                                          <p:spTgt spid="3">
+                                            <p:txEl>
+                                              <p:pRg st="1" end="1"/>
+                                            </p:txEl>
+                                          </p:spTgt>
+                                        </p:tgtEl>
+                                        <p:attrNameLst>
+                                          <p:attrName>style.visibility</p:attrName>
+                                        </p:attrNameLst>
+                                      </p:cBhvr>
+                                      <p:to>
+                                        <p:strVal val="visible"/>
+                                      </p:to>
+                                    </p:set>
+                                  </p:childTnLst>
+                                </p:cTn>
+                              </p:par>
+                            </p:childTnLst>
+                          </p:cTn>
+                        </p:par>
+                      </p:childTnLst>
+                    </p:cTn>
+                  </p:par>
+                  <p:par>
+                    <p:cTn id="15" fill="hold">
+                      <p:stCondLst>
+                        <p:cond delay="indefinite"/>
+                      </p:stCondLst>
+                      <p:childTnLst>
+                        <p:par>
+                          <p:cTn id="16" fill="hold">
+                            <p:stCondLst>
+                              <p:cond delay="0"/>
+                            </p:stCondLst>
+                            <p:childTnLst>
+                              <p:par>
+                                <p:cTn id="17" presetID="1" presetClass="entr" presetSubtype="0" fill="hold" grpId="0" nodeType="clickEffect">
+                                  <p:stCondLst>
+                                    <p:cond delay="0"/>
+                                  </p:stCondLst>
+                                  <p:childTnLst>
+                                    <p:set>
+                                      <p:cBhvr>
+                                        <p:cTn id="18" dur="1" fill="hold">
+                                          <p:stCondLst>
+                                            <p:cond delay="0"/>
+                                          </p:stCondLst>
+                                        </p:cTn>
+                                        <p:tgtEl>
+                                          <p:spTgt spid="11"/>
+                                        </p:tgtEl>
+                                        <p:attrNameLst>
+                                          <p:attrName>style.visibility</p:attrName>
+                                        </p:attrNameLst>
+                                      </p:cBhvr>
+                                      <p:to>
+                                        <p:strVal val="visible"/>
+                                      </p:to>
+                                    </p:set>
+                                  </p:childTnLst>
+                                </p:cTn>
+                              </p:par>
+                            </p:childTnLst>
+                          </p:cTn>
+                        </p:par>
+                      </p:childTnLst>
+                    </p:cTn>
+                  </p:par>
+                  <p:par>
+                    <p:cTn id="19" fill="hold">
+                      <p:stCondLst>
+                        <p:cond delay="indefinite"/>
+                      </p:stCondLst>
+                      <p:childTnLst>
+                        <p:par>
+                          <p:cTn id="20" fill="hold">
+                            <p:stCondLst>
+                              <p:cond delay="0"/>
+                            </p:stCondLst>
+                            <p:childTnLst>
+                              <p:par>
+                                <p:cTn id="21" presetID="1" presetClass="entr" presetSubtype="0" fill="hold" nodeType="clickEffect">
+                                  <p:stCondLst>
+                                    <p:cond delay="0"/>
+                                  </p:stCondLst>
+                                  <p:childTnLst>
+                                    <p:set>
+                                      <p:cBhvr>
+                                        <p:cTn id="22" dur="1" fill="hold">
+                                          <p:stCondLst>
+                                            <p:cond delay="0"/>
+                                          </p:stCondLst>
+                                        </p:cTn>
+                                        <p:tgtEl>
+                                          <p:spTgt spid="8"/>
+                                        </p:tgtEl>
+                                        <p:attrNameLst>
+                                          <p:attrName>style.visibility</p:attrName>
+                                        </p:attrNameLst>
+                                      </p:cBhvr>
+                                      <p:to>
+                                        <p:strVal val="visible"/>
+                                      </p:to>
+                                    </p:set>
+                                  </p:childTnLst>
+                                </p:cTn>
+                              </p:par>
+                            </p:childTnLst>
+                          </p:cTn>
+                        </p:par>
+                      </p:childTnLst>
+                    </p:cTn>
+                  </p:par>
+                  <p:par>
+                    <p:cTn id="23" fill="hold">
+                      <p:stCondLst>
+                        <p:cond delay="indefinite"/>
+                      </p:stCondLst>
+                      <p:childTnLst>
+                        <p:par>
+                          <p:cTn id="24" fill="hold">
+                            <p:stCondLst>
+                              <p:cond delay="0"/>
+                            </p:stCondLst>
+                            <p:childTnLst>
+                              <p:par>
+                                <p:cTn id="25" presetID="1" presetClass="entr" presetSubtype="0" fill="hold" grpId="0" nodeType="clickEffect">
+                                  <p:stCondLst>
+                                    <p:cond delay="0"/>
+                                  </p:stCondLst>
+                                  <p:childTnLst>
+                                    <p:set>
+                                      <p:cBhvr>
+                                        <p:cTn id="26" dur="1" fill="hold">
+                                          <p:stCondLst>
+                                            <p:cond delay="0"/>
+                                          </p:stCondLst>
+                                        </p:cTn>
+                                        <p:tgtEl>
+                                          <p:spTgt spid="12"/>
+                                        </p:tgtEl>
+                                        <p:attrNameLst>
+                                          <p:attrName>style.visibility</p:attrName>
+                                        </p:attrNameLst>
+                                      </p:cBhvr>
+                                      <p:to>
+                                        <p:strVal val="visible"/>
+                                      </p:to>
+                                    </p:set>
+                                  </p:childTnLst>
+                                </p:cTn>
+                              </p:par>
+                            </p:childTnLst>
+                          </p:cTn>
+                        </p:par>
+                      </p:childTnLst>
+                    </p:cTn>
+                  </p:par>
+                </p:childTnLst>
+              </p:cTn>
+              <p:prevCondLst>
+                <p:cond evt="onPrev" delay="0">
+                  <p:tgtEl>
+                    <p:sldTgt/>
+                  </p:tgtEl>
+                </p:cond>
+              </p:prevCondLst>
+              <p:nextCondLst>
+                <p:cond evt="onNext" delay="0">
+                  <p:tgtEl>
+                    <p:sldTgt/>
+                  </p:tgtEl>
+                </p:cond>
+              </p:nextCondLst>
+            </p:seq>
+          </p:childTnLst>
+        </p:cTn>
       </p:par>
     </p:tnLst>
+    <p:bldLst>
+      <p:bldP spid="2" grpId="0"/>
+      <p:bldP spid="3" grpId="0" build="p"/>
+      <p:bldP spid="11" grpId="0"/>
+      <p:bldP spid="12" grpId="0"/>
+    </p:bldLst>
   </p:timing>
 </p:sld>
 </file>
